--- a/LinuxTools/VersionControl/version_control_svn.pptx
+++ b/LinuxTools/VersionControl/version_control_svn.pptx
@@ -462,7 +462,7 @@
             <a:fld id="{F7406944-6D64-4E14-AB09-27FBFBDD6022}" type="datetimeFigureOut">
               <a:rPr lang="nl-BE" smtClean="0"/>
               <a:pPr/>
-              <a:t>10/11/2014</a:t>
+              <a:t>4/12/2015</a:t>
             </a:fld>
             <a:endParaRPr lang="nl-BE"/>
           </a:p>
@@ -629,7 +629,7 @@
             <a:fld id="{F7406944-6D64-4E14-AB09-27FBFBDD6022}" type="datetimeFigureOut">
               <a:rPr lang="nl-BE" smtClean="0"/>
               <a:pPr/>
-              <a:t>10/11/2014</a:t>
+              <a:t>4/12/2015</a:t>
             </a:fld>
             <a:endParaRPr lang="nl-BE"/>
           </a:p>
@@ -806,7 +806,7 @@
             <a:fld id="{F7406944-6D64-4E14-AB09-27FBFBDD6022}" type="datetimeFigureOut">
               <a:rPr lang="nl-BE" smtClean="0"/>
               <a:pPr/>
-              <a:t>10/11/2014</a:t>
+              <a:t>4/12/2015</a:t>
             </a:fld>
             <a:endParaRPr lang="nl-BE"/>
           </a:p>
@@ -973,7 +973,7 @@
             <a:fld id="{F7406944-6D64-4E14-AB09-27FBFBDD6022}" type="datetimeFigureOut">
               <a:rPr lang="nl-BE" smtClean="0"/>
               <a:pPr/>
-              <a:t>10/11/2014</a:t>
+              <a:t>4/12/2015</a:t>
             </a:fld>
             <a:endParaRPr lang="nl-BE"/>
           </a:p>
@@ -1216,7 +1216,7 @@
             <a:fld id="{F7406944-6D64-4E14-AB09-27FBFBDD6022}" type="datetimeFigureOut">
               <a:rPr lang="nl-BE" smtClean="0"/>
               <a:pPr/>
-              <a:t>10/11/2014</a:t>
+              <a:t>4/12/2015</a:t>
             </a:fld>
             <a:endParaRPr lang="nl-BE"/>
           </a:p>
@@ -1501,7 +1501,7 @@
             <a:fld id="{F7406944-6D64-4E14-AB09-27FBFBDD6022}" type="datetimeFigureOut">
               <a:rPr lang="nl-BE" smtClean="0"/>
               <a:pPr/>
-              <a:t>10/11/2014</a:t>
+              <a:t>4/12/2015</a:t>
             </a:fld>
             <a:endParaRPr lang="nl-BE"/>
           </a:p>
@@ -1920,7 +1920,7 @@
             <a:fld id="{F7406944-6D64-4E14-AB09-27FBFBDD6022}" type="datetimeFigureOut">
               <a:rPr lang="nl-BE" smtClean="0"/>
               <a:pPr/>
-              <a:t>10/11/2014</a:t>
+              <a:t>4/12/2015</a:t>
             </a:fld>
             <a:endParaRPr lang="nl-BE"/>
           </a:p>
@@ -2035,7 +2035,7 @@
             <a:fld id="{F7406944-6D64-4E14-AB09-27FBFBDD6022}" type="datetimeFigureOut">
               <a:rPr lang="nl-BE" smtClean="0"/>
               <a:pPr/>
-              <a:t>10/11/2014</a:t>
+              <a:t>4/12/2015</a:t>
             </a:fld>
             <a:endParaRPr lang="nl-BE"/>
           </a:p>
@@ -2127,7 +2127,7 @@
             <a:fld id="{F7406944-6D64-4E14-AB09-27FBFBDD6022}" type="datetimeFigureOut">
               <a:rPr lang="nl-BE" smtClean="0"/>
               <a:pPr/>
-              <a:t>10/11/2014</a:t>
+              <a:t>4/12/2015</a:t>
             </a:fld>
             <a:endParaRPr lang="nl-BE"/>
           </a:p>
@@ -2401,7 +2401,7 @@
             <a:fld id="{F7406944-6D64-4E14-AB09-27FBFBDD6022}" type="datetimeFigureOut">
               <a:rPr lang="nl-BE" smtClean="0"/>
               <a:pPr/>
-              <a:t>10/11/2014</a:t>
+              <a:t>4/12/2015</a:t>
             </a:fld>
             <a:endParaRPr lang="nl-BE"/>
           </a:p>
@@ -2651,7 +2651,7 @@
             <a:fld id="{F7406944-6D64-4E14-AB09-27FBFBDD6022}" type="datetimeFigureOut">
               <a:rPr lang="nl-BE" smtClean="0"/>
               <a:pPr/>
-              <a:t>10/11/2014</a:t>
+              <a:t>4/12/2015</a:t>
             </a:fld>
             <a:endParaRPr lang="nl-BE"/>
           </a:p>
@@ -2861,7 +2861,7 @@
             <a:fld id="{F7406944-6D64-4E14-AB09-27FBFBDD6022}" type="datetimeFigureOut">
               <a:rPr lang="nl-BE" smtClean="0"/>
               <a:pPr/>
-              <a:t>10/11/2014</a:t>
+              <a:t>4/12/2015</a:t>
             </a:fld>
             <a:endParaRPr lang="nl-BE"/>
           </a:p>
@@ -3256,11 +3256,11 @@
             </a:br>
             <a:r>
               <a:rPr lang="en-US" dirty="0" smtClean="0"/>
-              <a:t>Subversion and </a:t>
+              <a:t>Subversion and a little </a:t>
             </a:r>
             <a:r>
               <a:rPr lang="en-US" dirty="0" err="1" smtClean="0"/>
-              <a:t>Git</a:t>
+              <a:t>git</a:t>
             </a:r>
             <a:endParaRPr lang="nl-BE" dirty="0"/>
           </a:p>
@@ -3284,6 +3284,12 @@
             <a:r>
               <a:rPr lang="en-US" dirty="0" smtClean="0"/>
               <a:t>Geert Jan Bex</a:t>
+            </a:r>
+          </a:p>
+          <a:p>
+            <a:r>
+              <a:rPr lang="en-US" dirty="0" smtClean="0"/>
+              <a:t>geertjan.bex@uhasselt.be</a:t>
             </a:r>
             <a:endParaRPr lang="nl-BE" dirty="0"/>
           </a:p>
@@ -6399,13 +6405,10 @@
           </a:p>
           <a:p>
             <a:r>
-              <a:rPr lang="en-US" dirty="0" err="1" smtClean="0"/>
-              <a:t>TortoiseSVN</a:t>
-            </a:r>
-            <a:r>
-              <a:rPr lang="en-US" dirty="0" smtClean="0"/>
-              <a:t> demo</a:t>
-            </a:r>
+              <a:rPr lang="en-US" dirty="0" smtClean="0"/>
+              <a:t>Demo</a:t>
+            </a:r>
+            <a:endParaRPr lang="en-US" dirty="0" smtClean="0"/>
           </a:p>
           <a:p>
             <a:r>
@@ -7098,11 +7101,7 @@
           <a:p>
             <a:r>
               <a:rPr lang="en-US" dirty="0" smtClean="0"/>
-              <a:t>Creating </a:t>
-            </a:r>
-            <a:r>
-              <a:rPr lang="en-US" dirty="0" smtClean="0"/>
-              <a:t>a repository</a:t>
+              <a:t>Creating a repository</a:t>
             </a:r>
             <a:endParaRPr lang="nl-BE" dirty="0"/>
           </a:p>
@@ -8048,11 +8047,7 @@
           <a:p>
             <a:r>
               <a:rPr lang="en-US" dirty="0" smtClean="0"/>
-              <a:t>Creating </a:t>
-            </a:r>
-            <a:r>
-              <a:rPr lang="en-US" dirty="0" smtClean="0"/>
-              <a:t>a project</a:t>
+              <a:t>Creating a project</a:t>
             </a:r>
             <a:endParaRPr lang="nl-BE" dirty="0"/>
           </a:p>
@@ -9023,13 +9018,10 @@
           </a:p>
           <a:p>
             <a:r>
-              <a:rPr lang="en-US" dirty="0" err="1" smtClean="0"/>
-              <a:t>TortoiseSVN</a:t>
-            </a:r>
-            <a:r>
-              <a:rPr lang="en-US" dirty="0" smtClean="0"/>
-              <a:t> demo</a:t>
-            </a:r>
+              <a:rPr lang="en-US" dirty="0" smtClean="0"/>
+              <a:t>Demo</a:t>
+            </a:r>
+            <a:endParaRPr lang="en-US" dirty="0" smtClean="0"/>
           </a:p>
           <a:p>
             <a:r>
@@ -9088,11 +9080,7 @@
           <a:p>
             <a:r>
               <a:rPr lang="en-US" dirty="0" smtClean="0"/>
-              <a:t>Intermezzo</a:t>
-            </a:r>
-            <a:r>
-              <a:rPr lang="en-US" dirty="0" smtClean="0"/>
-              <a:t>: comment!</a:t>
+              <a:t>Intermezzo: comment!</a:t>
             </a:r>
             <a:endParaRPr lang="nl-BE" dirty="0"/>
           </a:p>
@@ -9484,11 +9472,7 @@
           <a:p>
             <a:r>
               <a:rPr lang="en-US" dirty="0" smtClean="0"/>
-              <a:t>Creating </a:t>
-            </a:r>
-            <a:r>
-              <a:rPr lang="en-US" dirty="0" smtClean="0"/>
-              <a:t>a project,</a:t>
+              <a:t>Creating a project,</a:t>
             </a:r>
             <a:br>
               <a:rPr lang="en-US" dirty="0" smtClean="0"/>
@@ -9736,11 +9720,7 @@
           <a:p>
             <a:r>
               <a:rPr lang="en-US" dirty="0" smtClean="0"/>
-              <a:t>Checking </a:t>
-            </a:r>
-            <a:r>
-              <a:rPr lang="en-US" dirty="0" smtClean="0"/>
-              <a:t>out a project</a:t>
+              <a:t>Checking out a project</a:t>
             </a:r>
             <a:endParaRPr lang="nl-BE" dirty="0"/>
           </a:p>
@@ -10488,11 +10468,7 @@
           <a:p>
             <a:r>
               <a:rPr lang="en-US" dirty="0" smtClean="0"/>
-              <a:t>Checkout </a:t>
-            </a:r>
-            <a:r>
-              <a:rPr lang="en-US" dirty="0" smtClean="0"/>
-              <a:t>visualized</a:t>
+              <a:t>Checkout visualized</a:t>
             </a:r>
             <a:endParaRPr lang="nl-BE" dirty="0"/>
           </a:p>
@@ -11253,11 +11229,7 @@
           <a:p>
             <a:r>
               <a:rPr lang="en-US" dirty="0" smtClean="0"/>
-              <a:t>Single </a:t>
-            </a:r>
-            <a:r>
-              <a:rPr lang="en-US" dirty="0" smtClean="0"/>
-              <a:t>user work cycle</a:t>
+              <a:t>Single user work cycle</a:t>
             </a:r>
             <a:endParaRPr lang="nl-BE" dirty="0"/>
           </a:p>
@@ -12255,11 +12227,7 @@
           <a:p>
             <a:r>
               <a:rPr lang="en-US" dirty="0" smtClean="0"/>
-              <a:t>Single </a:t>
-            </a:r>
-            <a:r>
-              <a:rPr lang="en-US" dirty="0" smtClean="0"/>
-              <a:t>user work cycle visualized</a:t>
+              <a:t>Single user work cycle visualized</a:t>
             </a:r>
             <a:endParaRPr lang="nl-BE" dirty="0"/>
           </a:p>
@@ -14158,11 +14126,7 @@
           <a:p>
             <a:r>
               <a:rPr lang="en-US" dirty="0" smtClean="0"/>
-              <a:t>(Re)moving </a:t>
-            </a:r>
-            <a:r>
-              <a:rPr lang="en-US" dirty="0" smtClean="0"/>
-              <a:t>stuff</a:t>
+              <a:t>(Re)moving stuff</a:t>
             </a:r>
             <a:endParaRPr lang="nl-BE" dirty="0"/>
           </a:p>
@@ -15013,11 +14977,7 @@
           <a:p>
             <a:r>
               <a:rPr lang="en-US" dirty="0" smtClean="0"/>
-              <a:t>And </a:t>
-            </a:r>
-            <a:r>
-              <a:rPr lang="en-US" dirty="0" smtClean="0"/>
-              <a:t>meanwhile in the repository…</a:t>
+              <a:t>And meanwhile in the repository…</a:t>
             </a:r>
             <a:endParaRPr lang="nl-BE" dirty="0"/>
           </a:p>
@@ -18152,11 +18112,7 @@
           <a:p>
             <a:r>
               <a:rPr lang="en-US" dirty="0" smtClean="0"/>
-              <a:t>Checking </a:t>
-            </a:r>
-            <a:r>
-              <a:rPr lang="en-US" dirty="0" smtClean="0"/>
-              <a:t>repository contents</a:t>
+              <a:t>Checking repository contents</a:t>
             </a:r>
             <a:endParaRPr lang="nl-BE" dirty="0"/>
           </a:p>
@@ -18835,11 +18791,7 @@
             </a:r>
             <a:r>
               <a:rPr lang="en-US" dirty="0" smtClean="0"/>
-              <a:t>hat's </a:t>
-            </a:r>
-            <a:r>
-              <a:rPr lang="en-US" dirty="0" smtClean="0"/>
-              <a:t>the status?</a:t>
+              <a:t>hat's the status?</a:t>
             </a:r>
             <a:endParaRPr lang="nl-BE" dirty="0"/>
           </a:p>
@@ -19537,11 +19489,7 @@
           <a:p>
             <a:r>
               <a:rPr lang="en-US" dirty="0" smtClean="0"/>
-              <a:t>Ignoring </a:t>
-            </a:r>
-            <a:r>
-              <a:rPr lang="en-US" dirty="0" smtClean="0"/>
-              <a:t>stuff</a:t>
+              <a:t>Ignoring stuff</a:t>
             </a:r>
             <a:endParaRPr lang="nl-BE" dirty="0"/>
           </a:p>
@@ -20224,11 +20172,7 @@
           <a:p>
             <a:r>
               <a:rPr lang="en-US" dirty="0" smtClean="0"/>
-              <a:t>Some </a:t>
-            </a:r>
-            <a:r>
-              <a:rPr lang="en-US" dirty="0" smtClean="0"/>
-              <a:t>bookkeeping: keywords</a:t>
+              <a:t>Some bookkeeping: keywords</a:t>
             </a:r>
             <a:endParaRPr lang="en-US" dirty="0"/>
           </a:p>
@@ -20967,11 +20911,7 @@
             </a:r>
             <a:r>
               <a:rPr lang="en-US" dirty="0" smtClean="0"/>
-              <a:t>ntermezzo</a:t>
-            </a:r>
-            <a:r>
-              <a:rPr lang="en-US" dirty="0" smtClean="0"/>
-              <a:t>: when to commit?</a:t>
+              <a:t>ntermezzo: when to commit?</a:t>
             </a:r>
             <a:endParaRPr lang="nl-BE" dirty="0"/>
           </a:p>
@@ -21493,11 +21433,7 @@
             </a:r>
             <a:r>
               <a:rPr lang="en-US" dirty="0" smtClean="0"/>
-              <a:t>hanging </a:t>
-            </a:r>
-            <a:r>
-              <a:rPr lang="en-US" dirty="0" smtClean="0"/>
-              <a:t>your mind</a:t>
+              <a:t>hanging your mind</a:t>
             </a:r>
             <a:endParaRPr lang="nl-BE" dirty="0"/>
           </a:p>
@@ -22135,11 +22071,7 @@
           <a:p>
             <a:r>
               <a:rPr lang="en-US" dirty="0" smtClean="0"/>
-              <a:t>What</a:t>
-            </a:r>
-            <a:r>
-              <a:rPr lang="en-US" dirty="0" smtClean="0"/>
-              <a:t>, When &amp; Why, oh why?</a:t>
+              <a:t>What, When &amp; Why, oh why?</a:t>
             </a:r>
             <a:endParaRPr lang="nl-BE" dirty="0"/>
           </a:p>
@@ -25658,15 +25590,7 @@
           <a:p>
             <a:r>
               <a:rPr lang="en-US" dirty="0" smtClean="0"/>
-              <a:t>It's a </a:t>
-            </a:r>
-            <a:r>
-              <a:rPr lang="en-US" dirty="0" smtClean="0"/>
-              <a:t>beautiful autumn </a:t>
-            </a:r>
-            <a:r>
-              <a:rPr lang="en-US" dirty="0" smtClean="0"/>
-              <a:t>day…</a:t>
+              <a:t>It's a beautiful autumn day…</a:t>
             </a:r>
             <a:endParaRPr lang="nl-BE" dirty="0"/>
           </a:p>
@@ -25916,13 +25840,10 @@
           </a:p>
           <a:p>
             <a:r>
-              <a:rPr lang="en-US" dirty="0" err="1" smtClean="0"/>
-              <a:t>TortoiseSVN</a:t>
-            </a:r>
-            <a:r>
-              <a:rPr lang="en-US" dirty="0" smtClean="0"/>
-              <a:t> demo</a:t>
-            </a:r>
+              <a:rPr lang="en-US" dirty="0" smtClean="0"/>
+              <a:t>Demo</a:t>
+            </a:r>
+            <a:endParaRPr lang="en-US" dirty="0" smtClean="0"/>
           </a:p>
           <a:p>
             <a:r>
@@ -37771,7 +37692,7 @@
                 </a:r>
                 <a:r>
                   <a:rPr lang="en-US" baseline="-25000" dirty="0" smtClean="0"/>
-                  <a:t>6</a:t>
+                  <a:t>8</a:t>
                 </a:r>
                 <a:endParaRPr lang="en-US" baseline="-25000" dirty="0"/>
               </a:p>
@@ -42747,7 +42668,11 @@
           <a:p>
             <a:r>
               <a:rPr lang="en-US" dirty="0" smtClean="0"/>
-              <a:t>You're waiting for the </a:t>
+              <a:t>While </a:t>
+            </a:r>
+            <a:r>
+              <a:rPr lang="en-US" dirty="0" smtClean="0"/>
+              <a:t>waiting for the </a:t>
             </a:r>
             <a:r>
               <a:rPr lang="en-US" dirty="0" err="1" smtClean="0"/>
@@ -42863,56 +42788,6 @@
             <a:br>
               <a:rPr lang="en-US" dirty="0" smtClean="0"/>
             </a:br>
-            <a:endParaRPr lang="en-US" dirty="0"/>
-          </a:p>
-        </p:txBody>
-      </p:sp>
-      <p:sp>
-        <p:nvSpPr>
-          <p:cNvPr id="4" name="TextBox 3"/>
-          <p:cNvSpPr txBox="1"/>
-          <p:nvPr/>
-        </p:nvSpPr>
-        <p:spPr>
-          <a:xfrm>
-            <a:off x="5652120" y="1628800"/>
-            <a:ext cx="2557560" cy="646331"/>
-          </a:xfrm>
-          <a:prstGeom prst="rect">
-            <a:avLst/>
-          </a:prstGeom>
-          <a:noFill/>
-          <a:ln>
-            <a:solidFill>
-              <a:schemeClr val="tx1"/>
-            </a:solidFill>
-          </a:ln>
-        </p:spPr>
-        <p:txBody>
-          <a:bodyPr wrap="none" rtlCol="0">
-            <a:spAutoFit/>
-          </a:bodyPr>
-          <a:lstStyle/>
-          <a:p>
-            <a:r>
-              <a:rPr lang="en-US" dirty="0" smtClean="0"/>
-              <a:t>Note: most linux </a:t>
-            </a:r>
-            <a:r>
-              <a:rPr lang="en-US" dirty="0" err="1" smtClean="0"/>
-              <a:t>distros</a:t>
-            </a:r>
-            <a:r>
-              <a:rPr lang="en-US" dirty="0" smtClean="0"/>
-              <a:t/>
-            </a:r>
-            <a:br>
-              <a:rPr lang="en-US" dirty="0" smtClean="0"/>
-            </a:br>
-            <a:r>
-              <a:rPr lang="en-US" dirty="0" smtClean="0"/>
-              <a:t>still have 1.6 as standard!</a:t>
-            </a:r>
             <a:endParaRPr lang="en-US" dirty="0"/>
           </a:p>
         </p:txBody>
@@ -43187,8 +43062,12 @@
           <a:lstStyle/>
           <a:p>
             <a:r>
+              <a:rPr lang="en-US" dirty="0" err="1"/>
+              <a:t>g</a:t>
+            </a:r>
+            <a:r>
               <a:rPr lang="en-US" dirty="0" err="1" smtClean="0"/>
-              <a:t>Git</a:t>
+              <a:t>it</a:t>
             </a:r>
             <a:r>
               <a:rPr lang="en-US" dirty="0" smtClean="0"/>
@@ -43232,8 +43111,12 @@
           </a:p>
           <a:p>
             <a:r>
+              <a:rPr lang="en-US" dirty="0" err="1"/>
+              <a:t>g</a:t>
+            </a:r>
+            <a:r>
               <a:rPr lang="en-US" dirty="0" err="1" smtClean="0"/>
-              <a:t>Git</a:t>
+              <a:t>it</a:t>
             </a:r>
             <a:r>
               <a:rPr lang="en-US" dirty="0" smtClean="0"/>
@@ -43298,7 +43181,7 @@
             </a:r>
             <a:r>
               <a:rPr lang="nl-BE" dirty="0" smtClean="0"/>
-              <a:t> Git </a:t>
+              <a:t> git </a:t>
             </a:r>
             <a:r>
               <a:rPr lang="nl-BE" dirty="0" err="1" smtClean="0"/>

--- a/LinuxTools/VersionControl/version_control_svn.pptx
+++ b/LinuxTools/VersionControl/version_control_svn.pptx
@@ -252,6 +252,20 @@
         </p14:section>
       </p14:sectionLst>
     </p:ext>
+    <p:ext uri="{EFAFB233-063F-42B5-8137-9DF3F51BA10A}">
+      <p15:sldGuideLst xmlns:p15="http://schemas.microsoft.com/office/powerpoint/2012/main">
+        <p15:guide id="1" orient="horz" pos="2160">
+          <p15:clr>
+            <a:srgbClr val="A4A3A4"/>
+          </p15:clr>
+        </p15:guide>
+        <p15:guide id="2" pos="2880">
+          <p15:clr>
+            <a:srgbClr val="A4A3A4"/>
+          </p15:clr>
+        </p15:guide>
+      </p15:sldGuideLst>
+    </p:ext>
   </p:extLst>
 </p:presentation>
 </file>
@@ -462,7 +476,7 @@
             <a:fld id="{F7406944-6D64-4E14-AB09-27FBFBDD6022}" type="datetimeFigureOut">
               <a:rPr lang="nl-BE" smtClean="0"/>
               <a:pPr/>
-              <a:t>4/12/2015</a:t>
+              <a:t>15/06/2016</a:t>
             </a:fld>
             <a:endParaRPr lang="nl-BE"/>
           </a:p>
@@ -629,7 +643,7 @@
             <a:fld id="{F7406944-6D64-4E14-AB09-27FBFBDD6022}" type="datetimeFigureOut">
               <a:rPr lang="nl-BE" smtClean="0"/>
               <a:pPr/>
-              <a:t>4/12/2015</a:t>
+              <a:t>15/06/2016</a:t>
             </a:fld>
             <a:endParaRPr lang="nl-BE"/>
           </a:p>
@@ -806,7 +820,7 @@
             <a:fld id="{F7406944-6D64-4E14-AB09-27FBFBDD6022}" type="datetimeFigureOut">
               <a:rPr lang="nl-BE" smtClean="0"/>
               <a:pPr/>
-              <a:t>4/12/2015</a:t>
+              <a:t>15/06/2016</a:t>
             </a:fld>
             <a:endParaRPr lang="nl-BE"/>
           </a:p>
@@ -973,7 +987,7 @@
             <a:fld id="{F7406944-6D64-4E14-AB09-27FBFBDD6022}" type="datetimeFigureOut">
               <a:rPr lang="nl-BE" smtClean="0"/>
               <a:pPr/>
-              <a:t>4/12/2015</a:t>
+              <a:t>15/06/2016</a:t>
             </a:fld>
             <a:endParaRPr lang="nl-BE"/>
           </a:p>
@@ -1216,7 +1230,7 @@
             <a:fld id="{F7406944-6D64-4E14-AB09-27FBFBDD6022}" type="datetimeFigureOut">
               <a:rPr lang="nl-BE" smtClean="0"/>
               <a:pPr/>
-              <a:t>4/12/2015</a:t>
+              <a:t>15/06/2016</a:t>
             </a:fld>
             <a:endParaRPr lang="nl-BE"/>
           </a:p>
@@ -1501,7 +1515,7 @@
             <a:fld id="{F7406944-6D64-4E14-AB09-27FBFBDD6022}" type="datetimeFigureOut">
               <a:rPr lang="nl-BE" smtClean="0"/>
               <a:pPr/>
-              <a:t>4/12/2015</a:t>
+              <a:t>15/06/2016</a:t>
             </a:fld>
             <a:endParaRPr lang="nl-BE"/>
           </a:p>
@@ -1920,7 +1934,7 @@
             <a:fld id="{F7406944-6D64-4E14-AB09-27FBFBDD6022}" type="datetimeFigureOut">
               <a:rPr lang="nl-BE" smtClean="0"/>
               <a:pPr/>
-              <a:t>4/12/2015</a:t>
+              <a:t>15/06/2016</a:t>
             </a:fld>
             <a:endParaRPr lang="nl-BE"/>
           </a:p>
@@ -2035,7 +2049,7 @@
             <a:fld id="{F7406944-6D64-4E14-AB09-27FBFBDD6022}" type="datetimeFigureOut">
               <a:rPr lang="nl-BE" smtClean="0"/>
               <a:pPr/>
-              <a:t>4/12/2015</a:t>
+              <a:t>15/06/2016</a:t>
             </a:fld>
             <a:endParaRPr lang="nl-BE"/>
           </a:p>
@@ -2127,7 +2141,7 @@
             <a:fld id="{F7406944-6D64-4E14-AB09-27FBFBDD6022}" type="datetimeFigureOut">
               <a:rPr lang="nl-BE" smtClean="0"/>
               <a:pPr/>
-              <a:t>4/12/2015</a:t>
+              <a:t>15/06/2016</a:t>
             </a:fld>
             <a:endParaRPr lang="nl-BE"/>
           </a:p>
@@ -2401,7 +2415,7 @@
             <a:fld id="{F7406944-6D64-4E14-AB09-27FBFBDD6022}" type="datetimeFigureOut">
               <a:rPr lang="nl-BE" smtClean="0"/>
               <a:pPr/>
-              <a:t>4/12/2015</a:t>
+              <a:t>15/06/2016</a:t>
             </a:fld>
             <a:endParaRPr lang="nl-BE"/>
           </a:p>
@@ -2651,7 +2665,7 @@
             <a:fld id="{F7406944-6D64-4E14-AB09-27FBFBDD6022}" type="datetimeFigureOut">
               <a:rPr lang="nl-BE" smtClean="0"/>
               <a:pPr/>
-              <a:t>4/12/2015</a:t>
+              <a:t>15/06/2016</a:t>
             </a:fld>
             <a:endParaRPr lang="nl-BE"/>
           </a:p>
@@ -2861,7 +2875,7 @@
             <a:fld id="{F7406944-6D64-4E14-AB09-27FBFBDD6022}" type="datetimeFigureOut">
               <a:rPr lang="nl-BE" smtClean="0"/>
               <a:pPr/>
-              <a:t>4/12/2015</a:t>
+              <a:t>15/06/2016</a:t>
             </a:fld>
             <a:endParaRPr lang="nl-BE"/>
           </a:p>
@@ -3290,6 +3304,153 @@
             <a:r>
               <a:rPr lang="en-US" dirty="0" smtClean="0"/>
               <a:t>geertjan.bex@uhasselt.be</a:t>
+            </a:r>
+            <a:endParaRPr lang="nl-BE" dirty="0"/>
+          </a:p>
+        </p:txBody>
+      </p:sp>
+      <p:sp>
+        <p:nvSpPr>
+          <p:cNvPr id="4" name="TextBox 3"/>
+          <p:cNvSpPr txBox="1"/>
+          <p:nvPr/>
+        </p:nvSpPr>
+        <p:spPr>
+          <a:xfrm>
+            <a:off x="2022907" y="6023029"/>
+            <a:ext cx="6869573" cy="646331"/>
+          </a:xfrm>
+          <a:prstGeom prst="rect">
+            <a:avLst/>
+          </a:prstGeom>
+          <a:noFill/>
+        </p:spPr>
+        <p:txBody>
+          <a:bodyPr wrap="none" rtlCol="0">
+            <a:spAutoFit/>
+          </a:bodyPr>
+          <a:lstStyle>
+            <a:defPPr>
+              <a:defRPr lang="nl-BE"/>
+            </a:defPPr>
+            <a:lvl1pPr marL="0" algn="l" defTabSz="914400" rtl="0" eaLnBrk="1" latinLnBrk="0" hangingPunct="1">
+              <a:defRPr sz="1800" kern="1200">
+                <a:solidFill>
+                  <a:schemeClr val="tx1"/>
+                </a:solidFill>
+                <a:latin typeface="+mn-lt"/>
+                <a:ea typeface="+mn-ea"/>
+                <a:cs typeface="+mn-cs"/>
+              </a:defRPr>
+            </a:lvl1pPr>
+            <a:lvl2pPr marL="457200" algn="l" defTabSz="914400" rtl="0" eaLnBrk="1" latinLnBrk="0" hangingPunct="1">
+              <a:defRPr sz="1800" kern="1200">
+                <a:solidFill>
+                  <a:schemeClr val="tx1"/>
+                </a:solidFill>
+                <a:latin typeface="+mn-lt"/>
+                <a:ea typeface="+mn-ea"/>
+                <a:cs typeface="+mn-cs"/>
+              </a:defRPr>
+            </a:lvl2pPr>
+            <a:lvl3pPr marL="914400" algn="l" defTabSz="914400" rtl="0" eaLnBrk="1" latinLnBrk="0" hangingPunct="1">
+              <a:defRPr sz="1800" kern="1200">
+                <a:solidFill>
+                  <a:schemeClr val="tx1"/>
+                </a:solidFill>
+                <a:latin typeface="+mn-lt"/>
+                <a:ea typeface="+mn-ea"/>
+                <a:cs typeface="+mn-cs"/>
+              </a:defRPr>
+            </a:lvl3pPr>
+            <a:lvl4pPr marL="1371600" algn="l" defTabSz="914400" rtl="0" eaLnBrk="1" latinLnBrk="0" hangingPunct="1">
+              <a:defRPr sz="1800" kern="1200">
+                <a:solidFill>
+                  <a:schemeClr val="tx1"/>
+                </a:solidFill>
+                <a:latin typeface="+mn-lt"/>
+                <a:ea typeface="+mn-ea"/>
+                <a:cs typeface="+mn-cs"/>
+              </a:defRPr>
+            </a:lvl4pPr>
+            <a:lvl5pPr marL="1828800" algn="l" defTabSz="914400" rtl="0" eaLnBrk="1" latinLnBrk="0" hangingPunct="1">
+              <a:defRPr sz="1800" kern="1200">
+                <a:solidFill>
+                  <a:schemeClr val="tx1"/>
+                </a:solidFill>
+                <a:latin typeface="+mn-lt"/>
+                <a:ea typeface="+mn-ea"/>
+                <a:cs typeface="+mn-cs"/>
+              </a:defRPr>
+            </a:lvl5pPr>
+            <a:lvl6pPr marL="2286000" algn="l" defTabSz="914400" rtl="0" eaLnBrk="1" latinLnBrk="0" hangingPunct="1">
+              <a:defRPr sz="1800" kern="1200">
+                <a:solidFill>
+                  <a:schemeClr val="tx1"/>
+                </a:solidFill>
+                <a:latin typeface="+mn-lt"/>
+                <a:ea typeface="+mn-ea"/>
+                <a:cs typeface="+mn-cs"/>
+              </a:defRPr>
+            </a:lvl6pPr>
+            <a:lvl7pPr marL="2743200" algn="l" defTabSz="914400" rtl="0" eaLnBrk="1" latinLnBrk="0" hangingPunct="1">
+              <a:defRPr sz="1800" kern="1200">
+                <a:solidFill>
+                  <a:schemeClr val="tx1"/>
+                </a:solidFill>
+                <a:latin typeface="+mn-lt"/>
+                <a:ea typeface="+mn-ea"/>
+                <a:cs typeface="+mn-cs"/>
+              </a:defRPr>
+            </a:lvl7pPr>
+            <a:lvl8pPr marL="3200400" algn="l" defTabSz="914400" rtl="0" eaLnBrk="1" latinLnBrk="0" hangingPunct="1">
+              <a:defRPr sz="1800" kern="1200">
+                <a:solidFill>
+                  <a:schemeClr val="tx1"/>
+                </a:solidFill>
+                <a:latin typeface="+mn-lt"/>
+                <a:ea typeface="+mn-ea"/>
+                <a:cs typeface="+mn-cs"/>
+              </a:defRPr>
+            </a:lvl8pPr>
+            <a:lvl9pPr marL="3657600" algn="l" defTabSz="914400" rtl="0" eaLnBrk="1" latinLnBrk="0" hangingPunct="1">
+              <a:defRPr sz="1800" kern="1200">
+                <a:solidFill>
+                  <a:schemeClr val="tx1"/>
+                </a:solidFill>
+                <a:latin typeface="+mn-lt"/>
+                <a:ea typeface="+mn-ea"/>
+                <a:cs typeface="+mn-cs"/>
+              </a:defRPr>
+            </a:lvl9pPr>
+          </a:lstStyle>
+          <a:p>
+            <a:r>
+              <a:rPr lang="en-US" b="1" dirty="0" smtClean="0"/>
+              <a:t>License</a:t>
+            </a:r>
+            <a:r>
+              <a:rPr lang="en-US" dirty="0" smtClean="0"/>
+              <a:t>: this presentation is released under the Creative Commons, see</a:t>
+            </a:r>
+            <a:br>
+              <a:rPr lang="en-US" dirty="0" smtClean="0"/>
+            </a:br>
+            <a:r>
+              <a:rPr lang="nl-BE" dirty="0">
+                <a:hlinkClick r:id="rId2"/>
+              </a:rPr>
+              <a:t>http://creativecommons.org/publicdomain/zero/1.0</a:t>
+            </a:r>
+            <a:r>
+              <a:rPr lang="nl-BE" dirty="0" smtClean="0">
+                <a:hlinkClick r:id="rId2"/>
+              </a:rPr>
+              <a:t>/</a:t>
+            </a:r>
+            <a:r>
+              <a:rPr lang="nl-BE" dirty="0" smtClean="0"/>
+              <a:t> </a:t>
             </a:r>
             <a:endParaRPr lang="nl-BE" dirty="0"/>
           </a:p>
@@ -6408,7 +6569,6 @@
               <a:rPr lang="en-US" dirty="0" smtClean="0"/>
               <a:t>Demo</a:t>
             </a:r>
-            <a:endParaRPr lang="en-US" dirty="0" smtClean="0"/>
           </a:p>
           <a:p>
             <a:r>
@@ -9021,7 +9181,6 @@
               <a:rPr lang="en-US" dirty="0" smtClean="0"/>
               <a:t>Demo</a:t>
             </a:r>
-            <a:endParaRPr lang="en-US" dirty="0" smtClean="0"/>
           </a:p>
           <a:p>
             <a:r>
@@ -25843,7 +26002,6 @@
               <a:rPr lang="en-US" dirty="0" smtClean="0"/>
               <a:t>Demo</a:t>
             </a:r>
-            <a:endParaRPr lang="en-US" dirty="0" smtClean="0"/>
           </a:p>
           <a:p>
             <a:r>
@@ -42668,11 +42826,7 @@
           <a:p>
             <a:r>
               <a:rPr lang="en-US" dirty="0" smtClean="0"/>
-              <a:t>While </a:t>
-            </a:r>
-            <a:r>
-              <a:rPr lang="en-US" dirty="0" smtClean="0"/>
-              <a:t>waiting for the </a:t>
+              <a:t>While waiting for the </a:t>
             </a:r>
             <a:r>
               <a:rPr lang="en-US" dirty="0" err="1" smtClean="0"/>

--- a/LinuxTools/VersionControl/version_control_svn.pptx
+++ b/LinuxTools/VersionControl/version_control_svn.pptx
@@ -9,64 +9,65 @@
     <p:sldId id="259" r:id="rId3"/>
     <p:sldId id="260" r:id="rId4"/>
     <p:sldId id="326" r:id="rId5"/>
-    <p:sldId id="257" r:id="rId6"/>
-    <p:sldId id="262" r:id="rId7"/>
-    <p:sldId id="316" r:id="rId8"/>
-    <p:sldId id="317" r:id="rId9"/>
-    <p:sldId id="269" r:id="rId10"/>
-    <p:sldId id="302" r:id="rId11"/>
-    <p:sldId id="320" r:id="rId12"/>
-    <p:sldId id="321" r:id="rId13"/>
-    <p:sldId id="322" r:id="rId14"/>
-    <p:sldId id="323" r:id="rId15"/>
-    <p:sldId id="261" r:id="rId16"/>
-    <p:sldId id="270" r:id="rId17"/>
-    <p:sldId id="301" r:id="rId18"/>
-    <p:sldId id="263" r:id="rId19"/>
-    <p:sldId id="264" r:id="rId20"/>
-    <p:sldId id="267" r:id="rId21"/>
-    <p:sldId id="266" r:id="rId22"/>
-    <p:sldId id="268" r:id="rId23"/>
-    <p:sldId id="325" r:id="rId24"/>
-    <p:sldId id="306" r:id="rId25"/>
-    <p:sldId id="271" r:id="rId26"/>
-    <p:sldId id="307" r:id="rId27"/>
-    <p:sldId id="273" r:id="rId28"/>
-    <p:sldId id="276" r:id="rId29"/>
-    <p:sldId id="304" r:id="rId30"/>
-    <p:sldId id="288" r:id="rId31"/>
-    <p:sldId id="290" r:id="rId32"/>
-    <p:sldId id="291" r:id="rId33"/>
-    <p:sldId id="272" r:id="rId34"/>
-    <p:sldId id="274" r:id="rId35"/>
-    <p:sldId id="275" r:id="rId36"/>
-    <p:sldId id="303" r:id="rId37"/>
-    <p:sldId id="277" r:id="rId38"/>
-    <p:sldId id="308" r:id="rId39"/>
-    <p:sldId id="305" r:id="rId40"/>
-    <p:sldId id="278" r:id="rId41"/>
-    <p:sldId id="279" r:id="rId42"/>
-    <p:sldId id="300" r:id="rId43"/>
-    <p:sldId id="280" r:id="rId44"/>
-    <p:sldId id="281" r:id="rId45"/>
-    <p:sldId id="282" r:id="rId46"/>
-    <p:sldId id="285" r:id="rId47"/>
-    <p:sldId id="283" r:id="rId48"/>
-    <p:sldId id="284" r:id="rId49"/>
-    <p:sldId id="286" r:id="rId50"/>
-    <p:sldId id="287" r:id="rId51"/>
-    <p:sldId id="289" r:id="rId52"/>
-    <p:sldId id="292" r:id="rId53"/>
-    <p:sldId id="293" r:id="rId54"/>
-    <p:sldId id="294" r:id="rId55"/>
-    <p:sldId id="311" r:id="rId56"/>
-    <p:sldId id="295" r:id="rId57"/>
-    <p:sldId id="296" r:id="rId58"/>
-    <p:sldId id="310" r:id="rId59"/>
-    <p:sldId id="312" r:id="rId60"/>
-    <p:sldId id="297" r:id="rId61"/>
-    <p:sldId id="327" r:id="rId62"/>
-    <p:sldId id="328" r:id="rId63"/>
+    <p:sldId id="329" r:id="rId6"/>
+    <p:sldId id="257" r:id="rId7"/>
+    <p:sldId id="262" r:id="rId8"/>
+    <p:sldId id="316" r:id="rId9"/>
+    <p:sldId id="317" r:id="rId10"/>
+    <p:sldId id="269" r:id="rId11"/>
+    <p:sldId id="302" r:id="rId12"/>
+    <p:sldId id="320" r:id="rId13"/>
+    <p:sldId id="321" r:id="rId14"/>
+    <p:sldId id="322" r:id="rId15"/>
+    <p:sldId id="323" r:id="rId16"/>
+    <p:sldId id="261" r:id="rId17"/>
+    <p:sldId id="270" r:id="rId18"/>
+    <p:sldId id="301" r:id="rId19"/>
+    <p:sldId id="263" r:id="rId20"/>
+    <p:sldId id="264" r:id="rId21"/>
+    <p:sldId id="267" r:id="rId22"/>
+    <p:sldId id="266" r:id="rId23"/>
+    <p:sldId id="268" r:id="rId24"/>
+    <p:sldId id="325" r:id="rId25"/>
+    <p:sldId id="306" r:id="rId26"/>
+    <p:sldId id="271" r:id="rId27"/>
+    <p:sldId id="307" r:id="rId28"/>
+    <p:sldId id="273" r:id="rId29"/>
+    <p:sldId id="276" r:id="rId30"/>
+    <p:sldId id="304" r:id="rId31"/>
+    <p:sldId id="288" r:id="rId32"/>
+    <p:sldId id="290" r:id="rId33"/>
+    <p:sldId id="291" r:id="rId34"/>
+    <p:sldId id="272" r:id="rId35"/>
+    <p:sldId id="274" r:id="rId36"/>
+    <p:sldId id="275" r:id="rId37"/>
+    <p:sldId id="303" r:id="rId38"/>
+    <p:sldId id="277" r:id="rId39"/>
+    <p:sldId id="308" r:id="rId40"/>
+    <p:sldId id="305" r:id="rId41"/>
+    <p:sldId id="278" r:id="rId42"/>
+    <p:sldId id="279" r:id="rId43"/>
+    <p:sldId id="300" r:id="rId44"/>
+    <p:sldId id="280" r:id="rId45"/>
+    <p:sldId id="281" r:id="rId46"/>
+    <p:sldId id="282" r:id="rId47"/>
+    <p:sldId id="285" r:id="rId48"/>
+    <p:sldId id="283" r:id="rId49"/>
+    <p:sldId id="284" r:id="rId50"/>
+    <p:sldId id="286" r:id="rId51"/>
+    <p:sldId id="287" r:id="rId52"/>
+    <p:sldId id="289" r:id="rId53"/>
+    <p:sldId id="292" r:id="rId54"/>
+    <p:sldId id="293" r:id="rId55"/>
+    <p:sldId id="294" r:id="rId56"/>
+    <p:sldId id="311" r:id="rId57"/>
+    <p:sldId id="295" r:id="rId58"/>
+    <p:sldId id="296" r:id="rId59"/>
+    <p:sldId id="310" r:id="rId60"/>
+    <p:sldId id="312" r:id="rId61"/>
+    <p:sldId id="297" r:id="rId62"/>
+    <p:sldId id="327" r:id="rId63"/>
+    <p:sldId id="328" r:id="rId64"/>
   </p:sldIdLst>
   <p:sldSz cx="9144000" cy="6858000" type="screen4x3"/>
   <p:notesSz cx="6858000" cy="9144000"/>
@@ -178,6 +179,7 @@
           <p14:sldIdLst>
             <p14:sldId id="260"/>
             <p14:sldId id="326"/>
+            <p14:sldId id="329"/>
             <p14:sldId id="257"/>
             <p14:sldId id="262"/>
             <p14:sldId id="316"/>
@@ -274,24 +276,6 @@
 <p:cmAuthorLst xmlns:a="http://schemas.openxmlformats.org/drawingml/2006/main" xmlns:r="http://schemas.openxmlformats.org/officeDocument/2006/relationships" xmlns:p="http://schemas.openxmlformats.org/presentationml/2006/main">
   <p:cmAuthor id="0" name="Geert Jan Bex" initials="gjb" lastIdx="3" clrIdx="0"/>
 </p:cmAuthorLst>
-</file>
-
-<file path=ppt/comments/comment1.xml><?xml version="1.0" encoding="utf-8"?>
-<p:cmLst xmlns:a="http://schemas.openxmlformats.org/drawingml/2006/main" xmlns:r="http://schemas.openxmlformats.org/officeDocument/2006/relationships" xmlns:p="http://schemas.openxmlformats.org/presentationml/2006/main">
-  <p:cm authorId="0" dt="2014-11-05T07:08:22.392" idx="1">
-    <p:pos x="10" y="10"/>
-    <p:text>Check module name , if any</p:text>
-  </p:cm>
-</p:cmLst>
-</file>
-
-<file path=ppt/comments/comment2.xml><?xml version="1.0" encoding="utf-8"?>
-<p:cmLst xmlns:a="http://schemas.openxmlformats.org/drawingml/2006/main" xmlns:r="http://schemas.openxmlformats.org/officeDocument/2006/relationships" xmlns:p="http://schemas.openxmlformats.org/presentationml/2006/main">
-  <p:cm authorId="0" dt="2014-11-05T07:45:34.719" idx="3">
-    <p:pos x="10" y="10"/>
-    <p:text/>
-  </p:cm>
-</p:cmLst>
 </file>
 
 <file path=ppt/slideLayouts/slideLayout1.xml><?xml version="1.0" encoding="utf-8"?>
@@ -476,7 +460,7 @@
             <a:fld id="{F7406944-6D64-4E14-AB09-27FBFBDD6022}" type="datetimeFigureOut">
               <a:rPr lang="nl-BE" smtClean="0"/>
               <a:pPr/>
-              <a:t>15/06/2016</a:t>
+              <a:t>19/08/2017</a:t>
             </a:fld>
             <a:endParaRPr lang="nl-BE"/>
           </a:p>
@@ -643,7 +627,7 @@
             <a:fld id="{F7406944-6D64-4E14-AB09-27FBFBDD6022}" type="datetimeFigureOut">
               <a:rPr lang="nl-BE" smtClean="0"/>
               <a:pPr/>
-              <a:t>15/06/2016</a:t>
+              <a:t>19/08/2017</a:t>
             </a:fld>
             <a:endParaRPr lang="nl-BE"/>
           </a:p>
@@ -820,7 +804,7 @@
             <a:fld id="{F7406944-6D64-4E14-AB09-27FBFBDD6022}" type="datetimeFigureOut">
               <a:rPr lang="nl-BE" smtClean="0"/>
               <a:pPr/>
-              <a:t>15/06/2016</a:t>
+              <a:t>19/08/2017</a:t>
             </a:fld>
             <a:endParaRPr lang="nl-BE"/>
           </a:p>
@@ -987,7 +971,7 @@
             <a:fld id="{F7406944-6D64-4E14-AB09-27FBFBDD6022}" type="datetimeFigureOut">
               <a:rPr lang="nl-BE" smtClean="0"/>
               <a:pPr/>
-              <a:t>15/06/2016</a:t>
+              <a:t>19/08/2017</a:t>
             </a:fld>
             <a:endParaRPr lang="nl-BE"/>
           </a:p>
@@ -1230,7 +1214,7 @@
             <a:fld id="{F7406944-6D64-4E14-AB09-27FBFBDD6022}" type="datetimeFigureOut">
               <a:rPr lang="nl-BE" smtClean="0"/>
               <a:pPr/>
-              <a:t>15/06/2016</a:t>
+              <a:t>19/08/2017</a:t>
             </a:fld>
             <a:endParaRPr lang="nl-BE"/>
           </a:p>
@@ -1515,7 +1499,7 @@
             <a:fld id="{F7406944-6D64-4E14-AB09-27FBFBDD6022}" type="datetimeFigureOut">
               <a:rPr lang="nl-BE" smtClean="0"/>
               <a:pPr/>
-              <a:t>15/06/2016</a:t>
+              <a:t>19/08/2017</a:t>
             </a:fld>
             <a:endParaRPr lang="nl-BE"/>
           </a:p>
@@ -1934,7 +1918,7 @@
             <a:fld id="{F7406944-6D64-4E14-AB09-27FBFBDD6022}" type="datetimeFigureOut">
               <a:rPr lang="nl-BE" smtClean="0"/>
               <a:pPr/>
-              <a:t>15/06/2016</a:t>
+              <a:t>19/08/2017</a:t>
             </a:fld>
             <a:endParaRPr lang="nl-BE"/>
           </a:p>
@@ -2049,7 +2033,7 @@
             <a:fld id="{F7406944-6D64-4E14-AB09-27FBFBDD6022}" type="datetimeFigureOut">
               <a:rPr lang="nl-BE" smtClean="0"/>
               <a:pPr/>
-              <a:t>15/06/2016</a:t>
+              <a:t>19/08/2017</a:t>
             </a:fld>
             <a:endParaRPr lang="nl-BE"/>
           </a:p>
@@ -2141,7 +2125,7 @@
             <a:fld id="{F7406944-6D64-4E14-AB09-27FBFBDD6022}" type="datetimeFigureOut">
               <a:rPr lang="nl-BE" smtClean="0"/>
               <a:pPr/>
-              <a:t>15/06/2016</a:t>
+              <a:t>19/08/2017</a:t>
             </a:fld>
             <a:endParaRPr lang="nl-BE"/>
           </a:p>
@@ -2415,7 +2399,7 @@
             <a:fld id="{F7406944-6D64-4E14-AB09-27FBFBDD6022}" type="datetimeFigureOut">
               <a:rPr lang="nl-BE" smtClean="0"/>
               <a:pPr/>
-              <a:t>15/06/2016</a:t>
+              <a:t>19/08/2017</a:t>
             </a:fld>
             <a:endParaRPr lang="nl-BE"/>
           </a:p>
@@ -2665,7 +2649,7 @@
             <a:fld id="{F7406944-6D64-4E14-AB09-27FBFBDD6022}" type="datetimeFigureOut">
               <a:rPr lang="nl-BE" smtClean="0"/>
               <a:pPr/>
-              <a:t>15/06/2016</a:t>
+              <a:t>19/08/2017</a:t>
             </a:fld>
             <a:endParaRPr lang="nl-BE"/>
           </a:p>
@@ -2875,7 +2859,7 @@
             <a:fld id="{F7406944-6D64-4E14-AB09-27FBFBDD6022}" type="datetimeFigureOut">
               <a:rPr lang="nl-BE" smtClean="0"/>
               <a:pPr/>
-              <a:t>15/06/2016</a:t>
+              <a:t>19/08/2017</a:t>
             </a:fld>
             <a:endParaRPr lang="nl-BE"/>
           </a:p>
@@ -3505,71 +3489,1586 @@
           <a:p>
             <a:r>
               <a:rPr lang="en-US" dirty="0" smtClean="0"/>
-              <a:t>Bird's eye view explained</a:t>
+              <a:t>Bird's eye view</a:t>
             </a:r>
             <a:endParaRPr lang="nl-BE" dirty="0"/>
           </a:p>
         </p:txBody>
       </p:sp>
+      <p:grpSp>
+        <p:nvGrpSpPr>
+          <p:cNvPr id="19" name="Group 18"/>
+          <p:cNvGrpSpPr/>
+          <p:nvPr/>
+        </p:nvGrpSpPr>
+        <p:grpSpPr>
+          <a:xfrm>
+            <a:off x="395536" y="2996952"/>
+            <a:ext cx="2088232" cy="1440160"/>
+            <a:chOff x="4572000" y="2348880"/>
+            <a:chExt cx="2088232" cy="1440160"/>
+          </a:xfrm>
+        </p:grpSpPr>
+        <p:sp>
+          <p:nvSpPr>
+            <p:cNvPr id="5" name="Rounded Rectangle 4"/>
+            <p:cNvSpPr/>
+            <p:nvPr/>
+          </p:nvSpPr>
+          <p:spPr>
+            <a:xfrm>
+              <a:off x="4572000" y="2348880"/>
+              <a:ext cx="2088232" cy="1440160"/>
+            </a:xfrm>
+            <a:prstGeom prst="roundRect">
+              <a:avLst/>
+            </a:prstGeom>
+            <a:solidFill>
+              <a:schemeClr val="bg1"/>
+            </a:solidFill>
+            <a:ln>
+              <a:solidFill>
+                <a:schemeClr val="tx1"/>
+              </a:solidFill>
+            </a:ln>
+          </p:spPr>
+          <p:style>
+            <a:lnRef idx="2">
+              <a:schemeClr val="accent1">
+                <a:shade val="50000"/>
+              </a:schemeClr>
+            </a:lnRef>
+            <a:fillRef idx="1">
+              <a:schemeClr val="accent1"/>
+            </a:fillRef>
+            <a:effectRef idx="0">
+              <a:schemeClr val="accent1"/>
+            </a:effectRef>
+            <a:fontRef idx="minor">
+              <a:schemeClr val="lt1"/>
+            </a:fontRef>
+          </p:style>
+          <p:txBody>
+            <a:bodyPr rtlCol="0" anchor="ctr"/>
+            <a:lstStyle/>
+            <a:p>
+              <a:pPr algn="ctr"/>
+              <a:endParaRPr lang="nl-BE"/>
+            </a:p>
+          </p:txBody>
+        </p:sp>
+        <p:pic>
+          <p:nvPicPr>
+            <p:cNvPr id="1026" name="Picture 2" descr="C:\Users\u0065575\AppData\Local\Microsoft\Windows\Temporary Internet Files\Content.IE5\WBWRXN3O\MC900432599[1].png"/>
+            <p:cNvPicPr>
+              <a:picLocks noChangeAspect="1" noChangeArrowheads="1"/>
+            </p:cNvPicPr>
+            <p:nvPr/>
+          </p:nvPicPr>
+          <p:blipFill>
+            <a:blip r:embed="rId2" cstate="print"/>
+            <a:srcRect/>
+            <a:stretch>
+              <a:fillRect/>
+            </a:stretch>
+          </p:blipFill>
+          <p:spPr bwMode="auto">
+            <a:xfrm>
+              <a:off x="4788024" y="2636912"/>
+              <a:ext cx="569962" cy="569962"/>
+            </a:xfrm>
+            <a:prstGeom prst="rect">
+              <a:avLst/>
+            </a:prstGeom>
+            <a:noFill/>
+          </p:spPr>
+        </p:pic>
+        <p:pic>
+          <p:nvPicPr>
+            <p:cNvPr id="7" name="Picture 2" descr="C:\Users\u0065575\AppData\Local\Microsoft\Windows\Temporary Internet Files\Content.IE5\WBWRXN3O\MC900432599[1].png"/>
+            <p:cNvPicPr>
+              <a:picLocks noChangeAspect="1" noChangeArrowheads="1"/>
+            </p:cNvPicPr>
+            <p:nvPr/>
+          </p:nvPicPr>
+          <p:blipFill>
+            <a:blip r:embed="rId2" cstate="print"/>
+            <a:srcRect/>
+            <a:stretch>
+              <a:fillRect/>
+            </a:stretch>
+          </p:blipFill>
+          <p:spPr bwMode="auto">
+            <a:xfrm>
+              <a:off x="4940424" y="2789312"/>
+              <a:ext cx="569962" cy="569962"/>
+            </a:xfrm>
+            <a:prstGeom prst="rect">
+              <a:avLst/>
+            </a:prstGeom>
+            <a:noFill/>
+          </p:spPr>
+        </p:pic>
+        <p:pic>
+          <p:nvPicPr>
+            <p:cNvPr id="8" name="Picture 2" descr="C:\Users\u0065575\AppData\Local\Microsoft\Windows\Temporary Internet Files\Content.IE5\WBWRXN3O\MC900432599[1].png"/>
+            <p:cNvPicPr>
+              <a:picLocks noChangeAspect="1" noChangeArrowheads="1"/>
+            </p:cNvPicPr>
+            <p:nvPr/>
+          </p:nvPicPr>
+          <p:blipFill>
+            <a:blip r:embed="rId2" cstate="print"/>
+            <a:srcRect/>
+            <a:stretch>
+              <a:fillRect/>
+            </a:stretch>
+          </p:blipFill>
+          <p:spPr bwMode="auto">
+            <a:xfrm>
+              <a:off x="4866134" y="3140968"/>
+              <a:ext cx="569962" cy="569962"/>
+            </a:xfrm>
+            <a:prstGeom prst="rect">
+              <a:avLst/>
+            </a:prstGeom>
+            <a:noFill/>
+          </p:spPr>
+        </p:pic>
+        <p:pic>
+          <p:nvPicPr>
+            <p:cNvPr id="1027" name="Picture 3" descr="C:\Users\u0065575\AppData\Local\Microsoft\Windows\Temporary Internet Files\Content.IE5\WOTZA2QG\MC900433853[1].png"/>
+            <p:cNvPicPr>
+              <a:picLocks noChangeAspect="1" noChangeArrowheads="1"/>
+            </p:cNvPicPr>
+            <p:nvPr/>
+          </p:nvPicPr>
+          <p:blipFill>
+            <a:blip r:embed="rId3" cstate="print"/>
+            <a:srcRect/>
+            <a:stretch>
+              <a:fillRect/>
+            </a:stretch>
+          </p:blipFill>
+          <p:spPr bwMode="auto">
+            <a:xfrm>
+              <a:off x="5448299" y="2577107"/>
+              <a:ext cx="779885" cy="779885"/>
+            </a:xfrm>
+            <a:prstGeom prst="rect">
+              <a:avLst/>
+            </a:prstGeom>
+            <a:noFill/>
+          </p:spPr>
+        </p:pic>
+        <p:pic>
+          <p:nvPicPr>
+            <p:cNvPr id="10" name="Picture 3" descr="C:\Users\u0065575\AppData\Local\Microsoft\Windows\Temporary Internet Files\Content.IE5\WOTZA2QG\MC900433853[1].png"/>
+            <p:cNvPicPr>
+              <a:picLocks noChangeAspect="1" noChangeArrowheads="1"/>
+            </p:cNvPicPr>
+            <p:nvPr/>
+          </p:nvPicPr>
+          <p:blipFill>
+            <a:blip r:embed="rId3" cstate="print"/>
+            <a:srcRect/>
+            <a:stretch>
+              <a:fillRect/>
+            </a:stretch>
+          </p:blipFill>
+          <p:spPr bwMode="auto">
+            <a:xfrm>
+              <a:off x="5724128" y="2996952"/>
+              <a:ext cx="779885" cy="779885"/>
+            </a:xfrm>
+            <a:prstGeom prst="rect">
+              <a:avLst/>
+            </a:prstGeom>
+            <a:noFill/>
+          </p:spPr>
+        </p:pic>
+        <p:sp>
+          <p:nvSpPr>
+            <p:cNvPr id="11" name="TextBox 10"/>
+            <p:cNvSpPr txBox="1"/>
+            <p:nvPr/>
+          </p:nvSpPr>
+          <p:spPr>
+            <a:xfrm>
+              <a:off x="5129306" y="2359638"/>
+              <a:ext cx="1016112" cy="369332"/>
+            </a:xfrm>
+            <a:prstGeom prst="rect">
+              <a:avLst/>
+            </a:prstGeom>
+            <a:noFill/>
+          </p:spPr>
+          <p:txBody>
+            <a:bodyPr wrap="none" rtlCol="0">
+              <a:spAutoFit/>
+            </a:bodyPr>
+            <a:lstStyle/>
+            <a:p>
+              <a:r>
+                <a:rPr lang="en-US" dirty="0" smtClean="0"/>
+                <a:t>Project 1</a:t>
+              </a:r>
+              <a:endParaRPr lang="nl-BE" dirty="0"/>
+            </a:p>
+          </p:txBody>
+        </p:sp>
+      </p:grpSp>
+      <p:grpSp>
+        <p:nvGrpSpPr>
+          <p:cNvPr id="24" name="Group 23"/>
+          <p:cNvGrpSpPr/>
+          <p:nvPr/>
+        </p:nvGrpSpPr>
+        <p:grpSpPr>
+          <a:xfrm>
+            <a:off x="827584" y="4221088"/>
+            <a:ext cx="2088232" cy="1440160"/>
+            <a:chOff x="4139952" y="4581128"/>
+            <a:chExt cx="2088232" cy="1440160"/>
+          </a:xfrm>
+        </p:grpSpPr>
+        <p:sp>
+          <p:nvSpPr>
+            <p:cNvPr id="12" name="Rounded Rectangle 11"/>
+            <p:cNvSpPr/>
+            <p:nvPr/>
+          </p:nvSpPr>
+          <p:spPr>
+            <a:xfrm>
+              <a:off x="4139952" y="4581128"/>
+              <a:ext cx="2088232" cy="1440160"/>
+            </a:xfrm>
+            <a:prstGeom prst="roundRect">
+              <a:avLst/>
+            </a:prstGeom>
+            <a:solidFill>
+              <a:schemeClr val="bg1"/>
+            </a:solidFill>
+            <a:ln>
+              <a:solidFill>
+                <a:schemeClr val="tx1"/>
+              </a:solidFill>
+            </a:ln>
+          </p:spPr>
+          <p:style>
+            <a:lnRef idx="2">
+              <a:schemeClr val="accent1">
+                <a:shade val="50000"/>
+              </a:schemeClr>
+            </a:lnRef>
+            <a:fillRef idx="1">
+              <a:schemeClr val="accent1"/>
+            </a:fillRef>
+            <a:effectRef idx="0">
+              <a:schemeClr val="accent1"/>
+            </a:effectRef>
+            <a:fontRef idx="minor">
+              <a:schemeClr val="lt1"/>
+            </a:fontRef>
+          </p:style>
+          <p:txBody>
+            <a:bodyPr rtlCol="0" anchor="ctr"/>
+            <a:lstStyle/>
+            <a:p>
+              <a:pPr algn="ctr"/>
+              <a:endParaRPr lang="nl-BE"/>
+            </a:p>
+          </p:txBody>
+        </p:sp>
+        <p:pic>
+          <p:nvPicPr>
+            <p:cNvPr id="13" name="Picture 2" descr="C:\Users\u0065575\AppData\Local\Microsoft\Windows\Temporary Internet Files\Content.IE5\WBWRXN3O\MC900432599[1].png"/>
+            <p:cNvPicPr>
+              <a:picLocks noChangeAspect="1" noChangeArrowheads="1"/>
+            </p:cNvPicPr>
+            <p:nvPr/>
+          </p:nvPicPr>
+          <p:blipFill>
+            <a:blip r:embed="rId2" cstate="print"/>
+            <a:srcRect/>
+            <a:stretch>
+              <a:fillRect/>
+            </a:stretch>
+          </p:blipFill>
+          <p:spPr bwMode="auto">
+            <a:xfrm>
+              <a:off x="4355976" y="4869160"/>
+              <a:ext cx="569962" cy="569962"/>
+            </a:xfrm>
+            <a:prstGeom prst="rect">
+              <a:avLst/>
+            </a:prstGeom>
+            <a:noFill/>
+          </p:spPr>
+        </p:pic>
+        <p:pic>
+          <p:nvPicPr>
+            <p:cNvPr id="14" name="Picture 2" descr="C:\Users\u0065575\AppData\Local\Microsoft\Windows\Temporary Internet Files\Content.IE5\WBWRXN3O\MC900432599[1].png"/>
+            <p:cNvPicPr>
+              <a:picLocks noChangeAspect="1" noChangeArrowheads="1"/>
+            </p:cNvPicPr>
+            <p:nvPr/>
+          </p:nvPicPr>
+          <p:blipFill>
+            <a:blip r:embed="rId2" cstate="print"/>
+            <a:srcRect/>
+            <a:stretch>
+              <a:fillRect/>
+            </a:stretch>
+          </p:blipFill>
+          <p:spPr bwMode="auto">
+            <a:xfrm>
+              <a:off x="4508376" y="5021560"/>
+              <a:ext cx="569962" cy="569962"/>
+            </a:xfrm>
+            <a:prstGeom prst="rect">
+              <a:avLst/>
+            </a:prstGeom>
+            <a:noFill/>
+          </p:spPr>
+        </p:pic>
+        <p:pic>
+          <p:nvPicPr>
+            <p:cNvPr id="15" name="Picture 2" descr="C:\Users\u0065575\AppData\Local\Microsoft\Windows\Temporary Internet Files\Content.IE5\WBWRXN3O\MC900432599[1].png"/>
+            <p:cNvPicPr>
+              <a:picLocks noChangeAspect="1" noChangeArrowheads="1"/>
+            </p:cNvPicPr>
+            <p:nvPr/>
+          </p:nvPicPr>
+          <p:blipFill>
+            <a:blip r:embed="rId2" cstate="print"/>
+            <a:srcRect/>
+            <a:stretch>
+              <a:fillRect/>
+            </a:stretch>
+          </p:blipFill>
+          <p:spPr bwMode="auto">
+            <a:xfrm>
+              <a:off x="5580112" y="5373216"/>
+              <a:ext cx="569962" cy="569962"/>
+            </a:xfrm>
+            <a:prstGeom prst="rect">
+              <a:avLst/>
+            </a:prstGeom>
+            <a:noFill/>
+          </p:spPr>
+        </p:pic>
+        <p:pic>
+          <p:nvPicPr>
+            <p:cNvPr id="16" name="Picture 3" descr="C:\Users\u0065575\AppData\Local\Microsoft\Windows\Temporary Internet Files\Content.IE5\WOTZA2QG\MC900433853[1].png"/>
+            <p:cNvPicPr>
+              <a:picLocks noChangeAspect="1" noChangeArrowheads="1"/>
+            </p:cNvPicPr>
+            <p:nvPr/>
+          </p:nvPicPr>
+          <p:blipFill>
+            <a:blip r:embed="rId3" cstate="print"/>
+            <a:srcRect/>
+            <a:stretch>
+              <a:fillRect/>
+            </a:stretch>
+          </p:blipFill>
+          <p:spPr bwMode="auto">
+            <a:xfrm>
+              <a:off x="5016251" y="4809355"/>
+              <a:ext cx="779885" cy="779885"/>
+            </a:xfrm>
+            <a:prstGeom prst="rect">
+              <a:avLst/>
+            </a:prstGeom>
+            <a:noFill/>
+          </p:spPr>
+        </p:pic>
+        <p:pic>
+          <p:nvPicPr>
+            <p:cNvPr id="17" name="Picture 3" descr="C:\Users\u0065575\AppData\Local\Microsoft\Windows\Temporary Internet Files\Content.IE5\WOTZA2QG\MC900433853[1].png"/>
+            <p:cNvPicPr>
+              <a:picLocks noChangeAspect="1" noChangeArrowheads="1"/>
+            </p:cNvPicPr>
+            <p:nvPr/>
+          </p:nvPicPr>
+          <p:blipFill>
+            <a:blip r:embed="rId3" cstate="print"/>
+            <a:srcRect/>
+            <a:stretch>
+              <a:fillRect/>
+            </a:stretch>
+          </p:blipFill>
+          <p:spPr bwMode="auto">
+            <a:xfrm>
+              <a:off x="4572000" y="5229200"/>
+              <a:ext cx="779885" cy="779885"/>
+            </a:xfrm>
+            <a:prstGeom prst="rect">
+              <a:avLst/>
+            </a:prstGeom>
+            <a:noFill/>
+          </p:spPr>
+        </p:pic>
+        <p:sp>
+          <p:nvSpPr>
+            <p:cNvPr id="18" name="TextBox 17"/>
+            <p:cNvSpPr txBox="1"/>
+            <p:nvPr/>
+          </p:nvSpPr>
+          <p:spPr>
+            <a:xfrm>
+              <a:off x="4697258" y="4591886"/>
+              <a:ext cx="1016112" cy="369332"/>
+            </a:xfrm>
+            <a:prstGeom prst="rect">
+              <a:avLst/>
+            </a:prstGeom>
+            <a:noFill/>
+          </p:spPr>
+          <p:txBody>
+            <a:bodyPr wrap="none" rtlCol="0">
+              <a:spAutoFit/>
+            </a:bodyPr>
+            <a:lstStyle/>
+            <a:p>
+              <a:r>
+                <a:rPr lang="en-US" dirty="0" smtClean="0"/>
+                <a:t>Project 2</a:t>
+              </a:r>
+              <a:endParaRPr lang="nl-BE" dirty="0"/>
+            </a:p>
+          </p:txBody>
+        </p:sp>
+      </p:grpSp>
+      <p:grpSp>
+        <p:nvGrpSpPr>
+          <p:cNvPr id="70" name="Group 69"/>
+          <p:cNvGrpSpPr/>
+          <p:nvPr/>
+        </p:nvGrpSpPr>
+        <p:grpSpPr>
+          <a:xfrm>
+            <a:off x="251520" y="1340768"/>
+            <a:ext cx="2952328" cy="4680520"/>
+            <a:chOff x="251520" y="1340768"/>
+            <a:chExt cx="2952328" cy="4680520"/>
+          </a:xfrm>
+        </p:grpSpPr>
+        <p:sp>
+          <p:nvSpPr>
+            <p:cNvPr id="4" name="Flowchart: Magnetic Disk 3"/>
+            <p:cNvSpPr/>
+            <p:nvPr/>
+          </p:nvSpPr>
+          <p:spPr>
+            <a:xfrm>
+              <a:off x="251520" y="1340768"/>
+              <a:ext cx="2952328" cy="4680520"/>
+            </a:xfrm>
+            <a:prstGeom prst="flowChartMagneticDisk">
+              <a:avLst/>
+            </a:prstGeom>
+            <a:noFill/>
+            <a:ln>
+              <a:solidFill>
+                <a:schemeClr val="tx1"/>
+              </a:solidFill>
+            </a:ln>
+          </p:spPr>
+          <p:style>
+            <a:lnRef idx="2">
+              <a:schemeClr val="accent1">
+                <a:shade val="50000"/>
+              </a:schemeClr>
+            </a:lnRef>
+            <a:fillRef idx="1">
+              <a:schemeClr val="accent1"/>
+            </a:fillRef>
+            <a:effectRef idx="0">
+              <a:schemeClr val="accent1"/>
+            </a:effectRef>
+            <a:fontRef idx="minor">
+              <a:schemeClr val="lt1"/>
+            </a:fontRef>
+          </p:style>
+          <p:txBody>
+            <a:bodyPr rtlCol="0" anchor="ctr"/>
+            <a:lstStyle/>
+            <a:p>
+              <a:pPr algn="ctr"/>
+              <a:endParaRPr lang="nl-BE"/>
+            </a:p>
+          </p:txBody>
+        </p:sp>
+        <p:sp>
+          <p:nvSpPr>
+            <p:cNvPr id="21" name="TextBox 20"/>
+            <p:cNvSpPr txBox="1"/>
+            <p:nvPr/>
+          </p:nvSpPr>
+          <p:spPr>
+            <a:xfrm>
+              <a:off x="755576" y="1844824"/>
+              <a:ext cx="1952137" cy="461665"/>
+            </a:xfrm>
+            <a:prstGeom prst="rect">
+              <a:avLst/>
+            </a:prstGeom>
+            <a:noFill/>
+          </p:spPr>
+          <p:txBody>
+            <a:bodyPr wrap="none" rtlCol="0">
+              <a:spAutoFit/>
+            </a:bodyPr>
+            <a:lstStyle/>
+            <a:p>
+              <a:r>
+                <a:rPr lang="en-US" sz="2400" dirty="0" err="1" smtClean="0"/>
+                <a:t>svn</a:t>
+              </a:r>
+              <a:r>
+                <a:rPr lang="en-US" sz="2400" dirty="0" smtClean="0"/>
+                <a:t> repository</a:t>
+              </a:r>
+              <a:endParaRPr lang="nl-BE" dirty="0"/>
+            </a:p>
+          </p:txBody>
+        </p:sp>
+      </p:grpSp>
+      <p:grpSp>
+        <p:nvGrpSpPr>
+          <p:cNvPr id="68" name="Group 67"/>
+          <p:cNvGrpSpPr/>
+          <p:nvPr/>
+        </p:nvGrpSpPr>
+        <p:grpSpPr>
+          <a:xfrm>
+            <a:off x="3865612" y="1196752"/>
+            <a:ext cx="5098876" cy="3024336"/>
+            <a:chOff x="3865612" y="1196752"/>
+            <a:chExt cx="5098876" cy="3024336"/>
+          </a:xfrm>
+        </p:grpSpPr>
+        <p:pic>
+          <p:nvPicPr>
+            <p:cNvPr id="1029" name="Picture 5" descr="C:\Users\u0065575\AppData\Local\Microsoft\Windows\Temporary Internet Files\Content.IE5\WOTZA2QG\MC900431632[1].png"/>
+            <p:cNvPicPr>
+              <a:picLocks noChangeAspect="1" noChangeArrowheads="1"/>
+            </p:cNvPicPr>
+            <p:nvPr/>
+          </p:nvPicPr>
+          <p:blipFill>
+            <a:blip r:embed="rId4" cstate="print"/>
+            <a:srcRect/>
+            <a:stretch>
+              <a:fillRect/>
+            </a:stretch>
+          </p:blipFill>
+          <p:spPr bwMode="auto">
+            <a:xfrm>
+              <a:off x="3865612" y="2506588"/>
+              <a:ext cx="1714500" cy="1714500"/>
+            </a:xfrm>
+            <a:prstGeom prst="rect">
+              <a:avLst/>
+            </a:prstGeom>
+            <a:noFill/>
+          </p:spPr>
+        </p:pic>
+        <p:sp>
+          <p:nvSpPr>
+            <p:cNvPr id="25" name="Cloud Callout 24"/>
+            <p:cNvSpPr/>
+            <p:nvPr/>
+          </p:nvSpPr>
+          <p:spPr>
+            <a:xfrm>
+              <a:off x="5580112" y="1196752"/>
+              <a:ext cx="3384376" cy="2160240"/>
+            </a:xfrm>
+            <a:prstGeom prst="cloudCallout">
+              <a:avLst>
+                <a:gd name="adj1" fmla="val -52619"/>
+                <a:gd name="adj2" fmla="val 39095"/>
+              </a:avLst>
+            </a:prstGeom>
+          </p:spPr>
+          <p:style>
+            <a:lnRef idx="2">
+              <a:schemeClr val="accent1">
+                <a:shade val="50000"/>
+              </a:schemeClr>
+            </a:lnRef>
+            <a:fillRef idx="1">
+              <a:schemeClr val="accent1"/>
+            </a:fillRef>
+            <a:effectRef idx="0">
+              <a:schemeClr val="accent1"/>
+            </a:effectRef>
+            <a:fontRef idx="minor">
+              <a:schemeClr val="lt1"/>
+            </a:fontRef>
+          </p:style>
+          <p:txBody>
+            <a:bodyPr rtlCol="0" anchor="ctr"/>
+            <a:lstStyle/>
+            <a:p>
+              <a:pPr algn="ctr"/>
+              <a:endParaRPr lang="nl-BE"/>
+            </a:p>
+          </p:txBody>
+        </p:sp>
+      </p:grpSp>
+      <p:grpSp>
+        <p:nvGrpSpPr>
+          <p:cNvPr id="69" name="Group 68"/>
+          <p:cNvGrpSpPr/>
+          <p:nvPr/>
+        </p:nvGrpSpPr>
+        <p:grpSpPr>
+          <a:xfrm>
+            <a:off x="3851920" y="3501008"/>
+            <a:ext cx="5098876" cy="3141836"/>
+            <a:chOff x="3851920" y="3501008"/>
+            <a:chExt cx="5098876" cy="3141836"/>
+          </a:xfrm>
+        </p:grpSpPr>
+        <p:sp>
+          <p:nvSpPr>
+            <p:cNvPr id="43" name="Cloud Callout 42"/>
+            <p:cNvSpPr/>
+            <p:nvPr/>
+          </p:nvSpPr>
+          <p:spPr>
+            <a:xfrm>
+              <a:off x="5566420" y="3501008"/>
+              <a:ext cx="3384376" cy="2160240"/>
+            </a:xfrm>
+            <a:prstGeom prst="cloudCallout">
+              <a:avLst>
+                <a:gd name="adj1" fmla="val -52619"/>
+                <a:gd name="adj2" fmla="val 39095"/>
+              </a:avLst>
+            </a:prstGeom>
+          </p:spPr>
+          <p:style>
+            <a:lnRef idx="2">
+              <a:schemeClr val="accent1">
+                <a:shade val="50000"/>
+              </a:schemeClr>
+            </a:lnRef>
+            <a:fillRef idx="1">
+              <a:schemeClr val="accent1"/>
+            </a:fillRef>
+            <a:effectRef idx="0">
+              <a:schemeClr val="accent1"/>
+            </a:effectRef>
+            <a:fontRef idx="minor">
+              <a:schemeClr val="lt1"/>
+            </a:fontRef>
+          </p:style>
+          <p:txBody>
+            <a:bodyPr rtlCol="0" anchor="ctr"/>
+            <a:lstStyle/>
+            <a:p>
+              <a:pPr algn="ctr"/>
+              <a:endParaRPr lang="nl-BE"/>
+            </a:p>
+          </p:txBody>
+        </p:sp>
+        <p:pic>
+          <p:nvPicPr>
+            <p:cNvPr id="1030" name="Picture 6" descr="C:\Users\u0065575\AppData\Local\Microsoft\Windows\Temporary Internet Files\Content.IE5\1A39SXZC\MC900431566[1].png"/>
+            <p:cNvPicPr>
+              <a:picLocks noChangeAspect="1" noChangeArrowheads="1"/>
+            </p:cNvPicPr>
+            <p:nvPr/>
+          </p:nvPicPr>
+          <p:blipFill>
+            <a:blip r:embed="rId5" cstate="print"/>
+            <a:srcRect/>
+            <a:stretch>
+              <a:fillRect/>
+            </a:stretch>
+          </p:blipFill>
+          <p:spPr bwMode="auto">
+            <a:xfrm>
+              <a:off x="3851920" y="4725144"/>
+              <a:ext cx="1905000" cy="1917700"/>
+            </a:xfrm>
+            <a:prstGeom prst="rect">
+              <a:avLst/>
+            </a:prstGeom>
+            <a:noFill/>
+          </p:spPr>
+        </p:pic>
+      </p:grpSp>
+      <p:grpSp>
+        <p:nvGrpSpPr>
+          <p:cNvPr id="65" name="Group 64"/>
+          <p:cNvGrpSpPr/>
+          <p:nvPr/>
+        </p:nvGrpSpPr>
+        <p:grpSpPr>
+          <a:xfrm>
+            <a:off x="2483768" y="1556792"/>
+            <a:ext cx="5832648" cy="2160240"/>
+            <a:chOff x="2483768" y="1556792"/>
+            <a:chExt cx="5832648" cy="2160240"/>
+          </a:xfrm>
+        </p:grpSpPr>
+        <p:grpSp>
+          <p:nvGrpSpPr>
+            <p:cNvPr id="26" name="Group 25"/>
+            <p:cNvGrpSpPr/>
+            <p:nvPr/>
+          </p:nvGrpSpPr>
+          <p:grpSpPr>
+            <a:xfrm>
+              <a:off x="6228184" y="1556792"/>
+              <a:ext cx="2088232" cy="1440160"/>
+              <a:chOff x="4572000" y="2348880"/>
+              <a:chExt cx="2088232" cy="1440160"/>
+            </a:xfrm>
+          </p:grpSpPr>
+          <p:sp>
+            <p:nvSpPr>
+              <p:cNvPr id="27" name="Rounded Rectangle 26"/>
+              <p:cNvSpPr/>
+              <p:nvPr/>
+            </p:nvSpPr>
+            <p:spPr>
+              <a:xfrm>
+                <a:off x="4572000" y="2348880"/>
+                <a:ext cx="2088232" cy="1440160"/>
+              </a:xfrm>
+              <a:prstGeom prst="roundRect">
+                <a:avLst/>
+              </a:prstGeom>
+              <a:solidFill>
+                <a:schemeClr val="bg1"/>
+              </a:solidFill>
+              <a:ln>
+                <a:solidFill>
+                  <a:schemeClr val="tx1"/>
+                </a:solidFill>
+              </a:ln>
+            </p:spPr>
+            <p:style>
+              <a:lnRef idx="2">
+                <a:schemeClr val="accent1">
+                  <a:shade val="50000"/>
+                </a:schemeClr>
+              </a:lnRef>
+              <a:fillRef idx="1">
+                <a:schemeClr val="accent1"/>
+              </a:fillRef>
+              <a:effectRef idx="0">
+                <a:schemeClr val="accent1"/>
+              </a:effectRef>
+              <a:fontRef idx="minor">
+                <a:schemeClr val="lt1"/>
+              </a:fontRef>
+            </p:style>
+            <p:txBody>
+              <a:bodyPr rtlCol="0" anchor="ctr"/>
+              <a:lstStyle/>
+              <a:p>
+                <a:pPr algn="ctr"/>
+                <a:endParaRPr lang="nl-BE"/>
+              </a:p>
+            </p:txBody>
+          </p:sp>
+          <p:pic>
+            <p:nvPicPr>
+              <p:cNvPr id="28" name="Picture 2" descr="C:\Users\u0065575\AppData\Local\Microsoft\Windows\Temporary Internet Files\Content.IE5\WBWRXN3O\MC900432599[1].png"/>
+              <p:cNvPicPr>
+                <a:picLocks noChangeAspect="1" noChangeArrowheads="1"/>
+              </p:cNvPicPr>
+              <p:nvPr/>
+            </p:nvPicPr>
+            <p:blipFill>
+              <a:blip r:embed="rId2" cstate="print"/>
+              <a:srcRect/>
+              <a:stretch>
+                <a:fillRect/>
+              </a:stretch>
+            </p:blipFill>
+            <p:spPr bwMode="auto">
+              <a:xfrm>
+                <a:off x="4788024" y="2636912"/>
+                <a:ext cx="569962" cy="569962"/>
+              </a:xfrm>
+              <a:prstGeom prst="rect">
+                <a:avLst/>
+              </a:prstGeom>
+              <a:noFill/>
+            </p:spPr>
+          </p:pic>
+          <p:pic>
+            <p:nvPicPr>
+              <p:cNvPr id="29" name="Picture 2" descr="C:\Users\u0065575\AppData\Local\Microsoft\Windows\Temporary Internet Files\Content.IE5\WBWRXN3O\MC900432599[1].png"/>
+              <p:cNvPicPr>
+                <a:picLocks noChangeAspect="1" noChangeArrowheads="1"/>
+              </p:cNvPicPr>
+              <p:nvPr/>
+            </p:nvPicPr>
+            <p:blipFill>
+              <a:blip r:embed="rId2" cstate="print"/>
+              <a:srcRect/>
+              <a:stretch>
+                <a:fillRect/>
+              </a:stretch>
+            </p:blipFill>
+            <p:spPr bwMode="auto">
+              <a:xfrm>
+                <a:off x="4940424" y="2789312"/>
+                <a:ext cx="569962" cy="569962"/>
+              </a:xfrm>
+              <a:prstGeom prst="rect">
+                <a:avLst/>
+              </a:prstGeom>
+              <a:noFill/>
+            </p:spPr>
+          </p:pic>
+          <p:pic>
+            <p:nvPicPr>
+              <p:cNvPr id="30" name="Picture 2" descr="C:\Users\u0065575\AppData\Local\Microsoft\Windows\Temporary Internet Files\Content.IE5\WBWRXN3O\MC900432599[1].png"/>
+              <p:cNvPicPr>
+                <a:picLocks noChangeAspect="1" noChangeArrowheads="1"/>
+              </p:cNvPicPr>
+              <p:nvPr/>
+            </p:nvPicPr>
+            <p:blipFill>
+              <a:blip r:embed="rId2" cstate="print"/>
+              <a:srcRect/>
+              <a:stretch>
+                <a:fillRect/>
+              </a:stretch>
+            </p:blipFill>
+            <p:spPr bwMode="auto">
+              <a:xfrm>
+                <a:off x="4866134" y="3140968"/>
+                <a:ext cx="569962" cy="569962"/>
+              </a:xfrm>
+              <a:prstGeom prst="rect">
+                <a:avLst/>
+              </a:prstGeom>
+              <a:noFill/>
+            </p:spPr>
+          </p:pic>
+          <p:pic>
+            <p:nvPicPr>
+              <p:cNvPr id="31" name="Picture 3" descr="C:\Users\u0065575\AppData\Local\Microsoft\Windows\Temporary Internet Files\Content.IE5\WOTZA2QG\MC900433853[1].png"/>
+              <p:cNvPicPr>
+                <a:picLocks noChangeAspect="1" noChangeArrowheads="1"/>
+              </p:cNvPicPr>
+              <p:nvPr/>
+            </p:nvPicPr>
+            <p:blipFill>
+              <a:blip r:embed="rId3" cstate="print"/>
+              <a:srcRect/>
+              <a:stretch>
+                <a:fillRect/>
+              </a:stretch>
+            </p:blipFill>
+            <p:spPr bwMode="auto">
+              <a:xfrm>
+                <a:off x="5448299" y="2577107"/>
+                <a:ext cx="779885" cy="779885"/>
+              </a:xfrm>
+              <a:prstGeom prst="rect">
+                <a:avLst/>
+              </a:prstGeom>
+              <a:noFill/>
+            </p:spPr>
+          </p:pic>
+          <p:pic>
+            <p:nvPicPr>
+              <p:cNvPr id="32" name="Picture 3" descr="C:\Users\u0065575\AppData\Local\Microsoft\Windows\Temporary Internet Files\Content.IE5\WOTZA2QG\MC900433853[1].png"/>
+              <p:cNvPicPr>
+                <a:picLocks noChangeAspect="1" noChangeArrowheads="1"/>
+              </p:cNvPicPr>
+              <p:nvPr/>
+            </p:nvPicPr>
+            <p:blipFill>
+              <a:blip r:embed="rId3" cstate="print"/>
+              <a:srcRect/>
+              <a:stretch>
+                <a:fillRect/>
+              </a:stretch>
+            </p:blipFill>
+            <p:spPr bwMode="auto">
+              <a:xfrm>
+                <a:off x="5724128" y="2996952"/>
+                <a:ext cx="779885" cy="779885"/>
+              </a:xfrm>
+              <a:prstGeom prst="rect">
+                <a:avLst/>
+              </a:prstGeom>
+              <a:noFill/>
+            </p:spPr>
+          </p:pic>
+          <p:sp>
+            <p:nvSpPr>
+              <p:cNvPr id="33" name="TextBox 32"/>
+              <p:cNvSpPr txBox="1"/>
+              <p:nvPr/>
+            </p:nvSpPr>
+            <p:spPr>
+              <a:xfrm>
+                <a:off x="5129306" y="2359638"/>
+                <a:ext cx="1016112" cy="369332"/>
+              </a:xfrm>
+              <a:prstGeom prst="rect">
+                <a:avLst/>
+              </a:prstGeom>
+              <a:noFill/>
+            </p:spPr>
+            <p:txBody>
+              <a:bodyPr wrap="none" rtlCol="0">
+                <a:spAutoFit/>
+              </a:bodyPr>
+              <a:lstStyle/>
+              <a:p>
+                <a:r>
+                  <a:rPr lang="en-US" dirty="0" smtClean="0"/>
+                  <a:t>Project 1</a:t>
+                </a:r>
+                <a:endParaRPr lang="nl-BE" dirty="0"/>
+              </a:p>
+            </p:txBody>
+          </p:sp>
+        </p:grpSp>
+        <p:cxnSp>
+          <p:nvCxnSpPr>
+            <p:cNvPr id="55" name="Elbow Connector 54"/>
+            <p:cNvCxnSpPr>
+              <a:stCxn id="5" idx="3"/>
+              <a:endCxn id="27" idx="1"/>
+            </p:cNvCxnSpPr>
+            <p:nvPr/>
+          </p:nvCxnSpPr>
+          <p:spPr>
+            <a:xfrm flipV="1">
+              <a:off x="2483768" y="2276872"/>
+              <a:ext cx="3744416" cy="1440160"/>
+            </a:xfrm>
+            <a:prstGeom prst="bentConnector3">
+              <a:avLst>
+                <a:gd name="adj1" fmla="val 34199"/>
+              </a:avLst>
+            </a:prstGeom>
+            <a:ln w="63500">
+              <a:solidFill>
+                <a:srgbClr val="7030A0"/>
+              </a:solidFill>
+              <a:headEnd type="stealth" w="lg" len="lg"/>
+              <a:tailEnd type="stealth" w="lg" len="lg"/>
+            </a:ln>
+          </p:spPr>
+          <p:style>
+            <a:lnRef idx="1">
+              <a:schemeClr val="accent1"/>
+            </a:lnRef>
+            <a:fillRef idx="0">
+              <a:schemeClr val="accent1"/>
+            </a:fillRef>
+            <a:effectRef idx="0">
+              <a:schemeClr val="accent1"/>
+            </a:effectRef>
+            <a:fontRef idx="minor">
+              <a:schemeClr val="tx1"/>
+            </a:fontRef>
+          </p:style>
+        </p:cxnSp>
+      </p:grpSp>
+      <p:grpSp>
+        <p:nvGrpSpPr>
+          <p:cNvPr id="66" name="Group 65"/>
+          <p:cNvGrpSpPr/>
+          <p:nvPr/>
+        </p:nvGrpSpPr>
+        <p:grpSpPr>
+          <a:xfrm>
+            <a:off x="2483768" y="3717032"/>
+            <a:ext cx="5270276" cy="1152128"/>
+            <a:chOff x="2483768" y="3717032"/>
+            <a:chExt cx="5270276" cy="1152128"/>
+          </a:xfrm>
+        </p:grpSpPr>
+        <p:grpSp>
+          <p:nvGrpSpPr>
+            <p:cNvPr id="44" name="Group 43"/>
+            <p:cNvGrpSpPr/>
+            <p:nvPr/>
+          </p:nvGrpSpPr>
+          <p:grpSpPr>
+            <a:xfrm>
+              <a:off x="6084168" y="3789040"/>
+              <a:ext cx="1669876" cy="1080120"/>
+              <a:chOff x="4572000" y="2348880"/>
+              <a:chExt cx="2088232" cy="1440160"/>
+            </a:xfrm>
+          </p:grpSpPr>
+          <p:sp>
+            <p:nvSpPr>
+              <p:cNvPr id="45" name="Rounded Rectangle 44"/>
+              <p:cNvSpPr/>
+              <p:nvPr/>
+            </p:nvSpPr>
+            <p:spPr>
+              <a:xfrm>
+                <a:off x="4572000" y="2348880"/>
+                <a:ext cx="2088232" cy="1440160"/>
+              </a:xfrm>
+              <a:prstGeom prst="roundRect">
+                <a:avLst/>
+              </a:prstGeom>
+              <a:solidFill>
+                <a:schemeClr val="bg1"/>
+              </a:solidFill>
+              <a:ln>
+                <a:solidFill>
+                  <a:schemeClr val="tx1"/>
+                </a:solidFill>
+              </a:ln>
+            </p:spPr>
+            <p:style>
+              <a:lnRef idx="2">
+                <a:schemeClr val="accent1">
+                  <a:shade val="50000"/>
+                </a:schemeClr>
+              </a:lnRef>
+              <a:fillRef idx="1">
+                <a:schemeClr val="accent1"/>
+              </a:fillRef>
+              <a:effectRef idx="0">
+                <a:schemeClr val="accent1"/>
+              </a:effectRef>
+              <a:fontRef idx="minor">
+                <a:schemeClr val="lt1"/>
+              </a:fontRef>
+            </p:style>
+            <p:txBody>
+              <a:bodyPr rtlCol="0" anchor="ctr"/>
+              <a:lstStyle/>
+              <a:p>
+                <a:pPr algn="ctr"/>
+                <a:endParaRPr lang="nl-BE"/>
+              </a:p>
+            </p:txBody>
+          </p:sp>
+          <p:pic>
+            <p:nvPicPr>
+              <p:cNvPr id="46" name="Picture 2" descr="C:\Users\u0065575\AppData\Local\Microsoft\Windows\Temporary Internet Files\Content.IE5\WBWRXN3O\MC900432599[1].png"/>
+              <p:cNvPicPr>
+                <a:picLocks noChangeAspect="1" noChangeArrowheads="1"/>
+              </p:cNvPicPr>
+              <p:nvPr/>
+            </p:nvPicPr>
+            <p:blipFill>
+              <a:blip r:embed="rId6" cstate="print"/>
+              <a:srcRect/>
+              <a:stretch>
+                <a:fillRect/>
+              </a:stretch>
+            </p:blipFill>
+            <p:spPr bwMode="auto">
+              <a:xfrm>
+                <a:off x="4788024" y="2636912"/>
+                <a:ext cx="569962" cy="569962"/>
+              </a:xfrm>
+              <a:prstGeom prst="rect">
+                <a:avLst/>
+              </a:prstGeom>
+              <a:noFill/>
+            </p:spPr>
+          </p:pic>
+          <p:pic>
+            <p:nvPicPr>
+              <p:cNvPr id="47" name="Picture 2" descr="C:\Users\u0065575\AppData\Local\Microsoft\Windows\Temporary Internet Files\Content.IE5\WBWRXN3O\MC900432599[1].png"/>
+              <p:cNvPicPr>
+                <a:picLocks noChangeAspect="1" noChangeArrowheads="1"/>
+              </p:cNvPicPr>
+              <p:nvPr/>
+            </p:nvPicPr>
+            <p:blipFill>
+              <a:blip r:embed="rId6" cstate="print"/>
+              <a:srcRect/>
+              <a:stretch>
+                <a:fillRect/>
+              </a:stretch>
+            </p:blipFill>
+            <p:spPr bwMode="auto">
+              <a:xfrm>
+                <a:off x="4940424" y="2789312"/>
+                <a:ext cx="569962" cy="569962"/>
+              </a:xfrm>
+              <a:prstGeom prst="rect">
+                <a:avLst/>
+              </a:prstGeom>
+              <a:noFill/>
+            </p:spPr>
+          </p:pic>
+          <p:pic>
+            <p:nvPicPr>
+              <p:cNvPr id="48" name="Picture 2" descr="C:\Users\u0065575\AppData\Local\Microsoft\Windows\Temporary Internet Files\Content.IE5\WBWRXN3O\MC900432599[1].png"/>
+              <p:cNvPicPr>
+                <a:picLocks noChangeAspect="1" noChangeArrowheads="1"/>
+              </p:cNvPicPr>
+              <p:nvPr/>
+            </p:nvPicPr>
+            <p:blipFill>
+              <a:blip r:embed="rId6" cstate="print"/>
+              <a:srcRect/>
+              <a:stretch>
+                <a:fillRect/>
+              </a:stretch>
+            </p:blipFill>
+            <p:spPr bwMode="auto">
+              <a:xfrm>
+                <a:off x="4866134" y="3140968"/>
+                <a:ext cx="569962" cy="569962"/>
+              </a:xfrm>
+              <a:prstGeom prst="rect">
+                <a:avLst/>
+              </a:prstGeom>
+              <a:noFill/>
+            </p:spPr>
+          </p:pic>
+          <p:pic>
+            <p:nvPicPr>
+              <p:cNvPr id="49" name="Picture 3" descr="C:\Users\u0065575\AppData\Local\Microsoft\Windows\Temporary Internet Files\Content.IE5\WOTZA2QG\MC900433853[1].png"/>
+              <p:cNvPicPr>
+                <a:picLocks noChangeAspect="1" noChangeArrowheads="1"/>
+              </p:cNvPicPr>
+              <p:nvPr/>
+            </p:nvPicPr>
+            <p:blipFill>
+              <a:blip r:embed="rId3" cstate="print"/>
+              <a:srcRect/>
+              <a:stretch>
+                <a:fillRect/>
+              </a:stretch>
+            </p:blipFill>
+            <p:spPr bwMode="auto">
+              <a:xfrm>
+                <a:off x="5448299" y="2577107"/>
+                <a:ext cx="779885" cy="779885"/>
+              </a:xfrm>
+              <a:prstGeom prst="rect">
+                <a:avLst/>
+              </a:prstGeom>
+              <a:noFill/>
+            </p:spPr>
+          </p:pic>
+          <p:pic>
+            <p:nvPicPr>
+              <p:cNvPr id="50" name="Picture 3" descr="C:\Users\u0065575\AppData\Local\Microsoft\Windows\Temporary Internet Files\Content.IE5\WOTZA2QG\MC900433853[1].png"/>
+              <p:cNvPicPr>
+                <a:picLocks noChangeAspect="1" noChangeArrowheads="1"/>
+              </p:cNvPicPr>
+              <p:nvPr/>
+            </p:nvPicPr>
+            <p:blipFill>
+              <a:blip r:embed="rId3" cstate="print"/>
+              <a:srcRect/>
+              <a:stretch>
+                <a:fillRect/>
+              </a:stretch>
+            </p:blipFill>
+            <p:spPr bwMode="auto">
+              <a:xfrm>
+                <a:off x="5724128" y="2996952"/>
+                <a:ext cx="779885" cy="779885"/>
+              </a:xfrm>
+              <a:prstGeom prst="rect">
+                <a:avLst/>
+              </a:prstGeom>
+              <a:noFill/>
+            </p:spPr>
+          </p:pic>
+          <p:sp>
+            <p:nvSpPr>
+              <p:cNvPr id="51" name="TextBox 50"/>
+              <p:cNvSpPr txBox="1"/>
+              <p:nvPr/>
+            </p:nvSpPr>
+            <p:spPr>
+              <a:xfrm>
+                <a:off x="5129305" y="2359639"/>
+                <a:ext cx="927410" cy="369332"/>
+              </a:xfrm>
+              <a:prstGeom prst="rect">
+                <a:avLst/>
+              </a:prstGeom>
+              <a:noFill/>
+            </p:spPr>
+            <p:txBody>
+              <a:bodyPr wrap="none" rtlCol="0">
+                <a:spAutoFit/>
+              </a:bodyPr>
+              <a:lstStyle/>
+              <a:p>
+                <a:r>
+                  <a:rPr lang="en-US" sz="1200" dirty="0" smtClean="0"/>
+                  <a:t>Project 1</a:t>
+                </a:r>
+                <a:endParaRPr lang="nl-BE" sz="1200" dirty="0"/>
+              </a:p>
+            </p:txBody>
+          </p:sp>
+        </p:grpSp>
+        <p:cxnSp>
+          <p:nvCxnSpPr>
+            <p:cNvPr id="57" name="Elbow Connector 56"/>
+            <p:cNvCxnSpPr>
+              <a:stCxn id="5" idx="3"/>
+              <a:endCxn id="45" idx="1"/>
+            </p:cNvCxnSpPr>
+            <p:nvPr/>
+          </p:nvCxnSpPr>
+          <p:spPr>
+            <a:xfrm>
+              <a:off x="2483768" y="3717032"/>
+              <a:ext cx="3600400" cy="612068"/>
+            </a:xfrm>
+            <a:prstGeom prst="bentConnector3">
+              <a:avLst>
+                <a:gd name="adj1" fmla="val 35658"/>
+              </a:avLst>
+            </a:prstGeom>
+            <a:ln w="63500">
+              <a:solidFill>
+                <a:srgbClr val="7030A0"/>
+              </a:solidFill>
+              <a:headEnd type="stealth" w="lg" len="lg"/>
+              <a:tailEnd type="stealth" w="lg" len="lg"/>
+            </a:ln>
+          </p:spPr>
+          <p:style>
+            <a:lnRef idx="1">
+              <a:schemeClr val="accent1"/>
+            </a:lnRef>
+            <a:fillRef idx="0">
+              <a:schemeClr val="accent1"/>
+            </a:fillRef>
+            <a:effectRef idx="0">
+              <a:schemeClr val="accent1"/>
+            </a:effectRef>
+            <a:fontRef idx="minor">
+              <a:schemeClr val="tx1"/>
+            </a:fontRef>
+          </p:style>
+        </p:cxnSp>
+      </p:grpSp>
+      <p:grpSp>
+        <p:nvGrpSpPr>
+          <p:cNvPr id="67" name="Group 66"/>
+          <p:cNvGrpSpPr/>
+          <p:nvPr/>
+        </p:nvGrpSpPr>
+        <p:grpSpPr>
+          <a:xfrm>
+            <a:off x="2915816" y="4077072"/>
+            <a:ext cx="5472608" cy="1071736"/>
+            <a:chOff x="2915816" y="4077072"/>
+            <a:chExt cx="5472608" cy="1071736"/>
+          </a:xfrm>
+        </p:grpSpPr>
+        <p:cxnSp>
+          <p:nvCxnSpPr>
+            <p:cNvPr id="61" name="Elbow Connector 60"/>
+            <p:cNvCxnSpPr>
+              <a:stCxn id="12" idx="3"/>
+              <a:endCxn id="35" idx="1"/>
+            </p:cNvCxnSpPr>
+            <p:nvPr/>
+          </p:nvCxnSpPr>
+          <p:spPr>
+            <a:xfrm flipV="1">
+              <a:off x="2915816" y="4612940"/>
+              <a:ext cx="4032448" cy="328228"/>
+            </a:xfrm>
+            <a:prstGeom prst="bentConnector3">
+              <a:avLst>
+                <a:gd name="adj1" fmla="val 23056"/>
+              </a:avLst>
+            </a:prstGeom>
+            <a:ln w="63500">
+              <a:solidFill>
+                <a:srgbClr val="7030A0"/>
+              </a:solidFill>
+              <a:headEnd type="stealth" w="lg" len="lg"/>
+              <a:tailEnd type="stealth" w="lg" len="lg"/>
+            </a:ln>
+          </p:spPr>
+          <p:style>
+            <a:lnRef idx="1">
+              <a:schemeClr val="accent1"/>
+            </a:lnRef>
+            <a:fillRef idx="0">
+              <a:schemeClr val="accent1"/>
+            </a:fillRef>
+            <a:effectRef idx="0">
+              <a:schemeClr val="accent1"/>
+            </a:effectRef>
+            <a:fontRef idx="minor">
+              <a:schemeClr val="tx1"/>
+            </a:fontRef>
+          </p:style>
+        </p:cxnSp>
+        <p:grpSp>
+          <p:nvGrpSpPr>
+            <p:cNvPr id="34" name="Group 33"/>
+            <p:cNvGrpSpPr/>
+            <p:nvPr/>
+          </p:nvGrpSpPr>
+          <p:grpSpPr>
+            <a:xfrm>
+              <a:off x="6948264" y="4077072"/>
+              <a:ext cx="1440160" cy="1071736"/>
+              <a:chOff x="4139952" y="4581128"/>
+              <a:chExt cx="2088232" cy="1440160"/>
+            </a:xfrm>
+          </p:grpSpPr>
+          <p:sp>
+            <p:nvSpPr>
+              <p:cNvPr id="35" name="Rounded Rectangle 34"/>
+              <p:cNvSpPr/>
+              <p:nvPr/>
+            </p:nvSpPr>
+            <p:spPr>
+              <a:xfrm>
+                <a:off x="4139952" y="4581128"/>
+                <a:ext cx="2088232" cy="1440160"/>
+              </a:xfrm>
+              <a:prstGeom prst="roundRect">
+                <a:avLst/>
+              </a:prstGeom>
+              <a:solidFill>
+                <a:schemeClr val="bg1"/>
+              </a:solidFill>
+              <a:ln>
+                <a:solidFill>
+                  <a:schemeClr val="tx1"/>
+                </a:solidFill>
+              </a:ln>
+            </p:spPr>
+            <p:style>
+              <a:lnRef idx="2">
+                <a:schemeClr val="accent1">
+                  <a:shade val="50000"/>
+                </a:schemeClr>
+              </a:lnRef>
+              <a:fillRef idx="1">
+                <a:schemeClr val="accent1"/>
+              </a:fillRef>
+              <a:effectRef idx="0">
+                <a:schemeClr val="accent1"/>
+              </a:effectRef>
+              <a:fontRef idx="minor">
+                <a:schemeClr val="lt1"/>
+              </a:fontRef>
+            </p:style>
+            <p:txBody>
+              <a:bodyPr rtlCol="0" anchor="ctr"/>
+              <a:lstStyle/>
+              <a:p>
+                <a:pPr algn="ctr"/>
+                <a:endParaRPr lang="nl-BE"/>
+              </a:p>
+            </p:txBody>
+          </p:sp>
+          <p:pic>
+            <p:nvPicPr>
+              <p:cNvPr id="36" name="Picture 2" descr="C:\Users\u0065575\AppData\Local\Microsoft\Windows\Temporary Internet Files\Content.IE5\WBWRXN3O\MC900432599[1].png"/>
+              <p:cNvPicPr>
+                <a:picLocks noChangeAspect="1" noChangeArrowheads="1"/>
+              </p:cNvPicPr>
+              <p:nvPr/>
+            </p:nvPicPr>
+            <p:blipFill>
+              <a:blip r:embed="rId7" cstate="print"/>
+              <a:srcRect/>
+              <a:stretch>
+                <a:fillRect/>
+              </a:stretch>
+            </p:blipFill>
+            <p:spPr bwMode="auto">
+              <a:xfrm>
+                <a:off x="4355976" y="4869160"/>
+                <a:ext cx="569962" cy="569962"/>
+              </a:xfrm>
+              <a:prstGeom prst="rect">
+                <a:avLst/>
+              </a:prstGeom>
+              <a:noFill/>
+            </p:spPr>
+          </p:pic>
+          <p:pic>
+            <p:nvPicPr>
+              <p:cNvPr id="37" name="Picture 2" descr="C:\Users\u0065575\AppData\Local\Microsoft\Windows\Temporary Internet Files\Content.IE5\WBWRXN3O\MC900432599[1].png"/>
+              <p:cNvPicPr>
+                <a:picLocks noChangeAspect="1" noChangeArrowheads="1"/>
+              </p:cNvPicPr>
+              <p:nvPr/>
+            </p:nvPicPr>
+            <p:blipFill>
+              <a:blip r:embed="rId7" cstate="print"/>
+              <a:srcRect/>
+              <a:stretch>
+                <a:fillRect/>
+              </a:stretch>
+            </p:blipFill>
+            <p:spPr bwMode="auto">
+              <a:xfrm>
+                <a:off x="4508376" y="5021560"/>
+                <a:ext cx="569962" cy="569962"/>
+              </a:xfrm>
+              <a:prstGeom prst="rect">
+                <a:avLst/>
+              </a:prstGeom>
+              <a:noFill/>
+            </p:spPr>
+          </p:pic>
+          <p:pic>
+            <p:nvPicPr>
+              <p:cNvPr id="38" name="Picture 2" descr="C:\Users\u0065575\AppData\Local\Microsoft\Windows\Temporary Internet Files\Content.IE5\WBWRXN3O\MC900432599[1].png"/>
+              <p:cNvPicPr>
+                <a:picLocks noChangeAspect="1" noChangeArrowheads="1"/>
+              </p:cNvPicPr>
+              <p:nvPr/>
+            </p:nvPicPr>
+            <p:blipFill>
+              <a:blip r:embed="rId7" cstate="print"/>
+              <a:srcRect/>
+              <a:stretch>
+                <a:fillRect/>
+              </a:stretch>
+            </p:blipFill>
+            <p:spPr bwMode="auto">
+              <a:xfrm>
+                <a:off x="5580112" y="5373216"/>
+                <a:ext cx="569962" cy="569962"/>
+              </a:xfrm>
+              <a:prstGeom prst="rect">
+                <a:avLst/>
+              </a:prstGeom>
+              <a:noFill/>
+            </p:spPr>
+          </p:pic>
+          <p:pic>
+            <p:nvPicPr>
+              <p:cNvPr id="39" name="Picture 3" descr="C:\Users\u0065575\AppData\Local\Microsoft\Windows\Temporary Internet Files\Content.IE5\WOTZA2QG\MC900433853[1].png"/>
+              <p:cNvPicPr>
+                <a:picLocks noChangeAspect="1" noChangeArrowheads="1"/>
+              </p:cNvPicPr>
+              <p:nvPr/>
+            </p:nvPicPr>
+            <p:blipFill>
+              <a:blip r:embed="rId3" cstate="print"/>
+              <a:srcRect/>
+              <a:stretch>
+                <a:fillRect/>
+              </a:stretch>
+            </p:blipFill>
+            <p:spPr bwMode="auto">
+              <a:xfrm>
+                <a:off x="5016251" y="4809355"/>
+                <a:ext cx="779885" cy="779885"/>
+              </a:xfrm>
+              <a:prstGeom prst="rect">
+                <a:avLst/>
+              </a:prstGeom>
+              <a:noFill/>
+            </p:spPr>
+          </p:pic>
+          <p:pic>
+            <p:nvPicPr>
+              <p:cNvPr id="40" name="Picture 3" descr="C:\Users\u0065575\AppData\Local\Microsoft\Windows\Temporary Internet Files\Content.IE5\WOTZA2QG\MC900433853[1].png"/>
+              <p:cNvPicPr>
+                <a:picLocks noChangeAspect="1" noChangeArrowheads="1"/>
+              </p:cNvPicPr>
+              <p:nvPr/>
+            </p:nvPicPr>
+            <p:blipFill>
+              <a:blip r:embed="rId3" cstate="print"/>
+              <a:srcRect/>
+              <a:stretch>
+                <a:fillRect/>
+              </a:stretch>
+            </p:blipFill>
+            <p:spPr bwMode="auto">
+              <a:xfrm>
+                <a:off x="4572000" y="5229200"/>
+                <a:ext cx="779885" cy="779885"/>
+              </a:xfrm>
+              <a:prstGeom prst="rect">
+                <a:avLst/>
+              </a:prstGeom>
+              <a:noFill/>
+            </p:spPr>
+          </p:pic>
+          <p:sp>
+            <p:nvSpPr>
+              <p:cNvPr id="41" name="TextBox 40"/>
+              <p:cNvSpPr txBox="1"/>
+              <p:nvPr/>
+            </p:nvSpPr>
+            <p:spPr>
+              <a:xfrm>
+                <a:off x="4697258" y="4591886"/>
+                <a:ext cx="1075339" cy="372221"/>
+              </a:xfrm>
+              <a:prstGeom prst="rect">
+                <a:avLst/>
+              </a:prstGeom>
+              <a:noFill/>
+            </p:spPr>
+            <p:txBody>
+              <a:bodyPr wrap="none" rtlCol="0">
+                <a:spAutoFit/>
+              </a:bodyPr>
+              <a:lstStyle/>
+              <a:p>
+                <a:r>
+                  <a:rPr lang="en-US" sz="1200" dirty="0" smtClean="0"/>
+                  <a:t>Project 2</a:t>
+                </a:r>
+                <a:endParaRPr lang="nl-BE" sz="1200" dirty="0"/>
+              </a:p>
+            </p:txBody>
+          </p:sp>
+        </p:grpSp>
+      </p:grpSp>
       <p:sp>
         <p:nvSpPr>
-          <p:cNvPr id="3" name="Content Placeholder 2"/>
-          <p:cNvSpPr>
-            <a:spLocks noGrp="1"/>
-          </p:cNvSpPr>
-          <p:nvPr>
-            <p:ph idx="1"/>
-          </p:nvPr>
+          <p:cNvPr id="71" name="TextBox 70"/>
+          <p:cNvSpPr txBox="1"/>
+          <p:nvPr/>
         </p:nvSpPr>
-        <p:spPr/>
+        <p:spPr>
+          <a:xfrm>
+            <a:off x="6228184" y="5949280"/>
+            <a:ext cx="2095958" cy="461665"/>
+          </a:xfrm>
+          <a:prstGeom prst="rect">
+            <a:avLst/>
+          </a:prstGeom>
+          <a:noFill/>
+        </p:spPr>
         <p:txBody>
-          <a:bodyPr/>
+          <a:bodyPr wrap="none" rtlCol="0">
+            <a:spAutoFit/>
+          </a:bodyPr>
           <a:lstStyle/>
           <a:p>
             <a:r>
-              <a:rPr lang="en-US" dirty="0" smtClean="0"/>
-              <a:t>Repository</a:t>
-            </a:r>
-          </a:p>
-          <a:p>
-            <a:pPr lvl="1"/>
-            <a:r>
-              <a:rPr lang="en-US" dirty="0" smtClean="0"/>
-              <a:t>Contains files/directories + history (all versions)</a:t>
-            </a:r>
-          </a:p>
-          <a:p>
-            <a:pPr lvl="1"/>
-            <a:r>
-              <a:rPr lang="en-US" dirty="0" smtClean="0"/>
-              <a:t>"Server"-side</a:t>
-            </a:r>
-          </a:p>
-          <a:p>
-            <a:r>
-              <a:rPr lang="en-US" dirty="0" smtClean="0"/>
-              <a:t>Working copy</a:t>
-            </a:r>
-          </a:p>
-          <a:p>
-            <a:pPr lvl="1"/>
-            <a:r>
-              <a:rPr lang="en-US" dirty="0" smtClean="0"/>
-              <a:t>Contains copy you are working on</a:t>
-            </a:r>
-          </a:p>
-          <a:p>
-            <a:pPr lvl="1"/>
-            <a:r>
-              <a:rPr lang="en-US" dirty="0" smtClean="0"/>
-              <a:t>Client-side</a:t>
-            </a:r>
-          </a:p>
-          <a:p>
-            <a:pPr lvl="1"/>
-            <a:r>
-              <a:rPr lang="en-US" dirty="0" smtClean="0"/>
-              <a:t>One or more</a:t>
+              <a:rPr lang="en-US" sz="2400" dirty="0" smtClean="0"/>
+              <a:t>Working copies</a:t>
             </a:r>
             <a:endParaRPr lang="nl-BE" dirty="0"/>
           </a:p>
@@ -3591,6 +5090,125 @@
 </file>
 
 <file path=ppt/slides/slide11.xml><?xml version="1.0" encoding="utf-8"?>
+<p:sld xmlns:a="http://schemas.openxmlformats.org/drawingml/2006/main" xmlns:r="http://schemas.openxmlformats.org/officeDocument/2006/relationships" xmlns:p="http://schemas.openxmlformats.org/presentationml/2006/main">
+  <p:cSld>
+    <p:spTree>
+      <p:nvGrpSpPr>
+        <p:cNvPr id="1" name=""/>
+        <p:cNvGrpSpPr/>
+        <p:nvPr/>
+      </p:nvGrpSpPr>
+      <p:grpSpPr>
+        <a:xfrm>
+          <a:off x="0" y="0"/>
+          <a:ext cx="0" cy="0"/>
+          <a:chOff x="0" y="0"/>
+          <a:chExt cx="0" cy="0"/>
+        </a:xfrm>
+      </p:grpSpPr>
+      <p:sp>
+        <p:nvSpPr>
+          <p:cNvPr id="2" name="Title 1"/>
+          <p:cNvSpPr>
+            <a:spLocks noGrp="1"/>
+          </p:cNvSpPr>
+          <p:nvPr>
+            <p:ph type="title"/>
+          </p:nvPr>
+        </p:nvSpPr>
+        <p:spPr/>
+        <p:txBody>
+          <a:bodyPr/>
+          <a:lstStyle/>
+          <a:p>
+            <a:r>
+              <a:rPr lang="en-US" dirty="0" smtClean="0"/>
+              <a:t>Bird's eye view explained</a:t>
+            </a:r>
+            <a:endParaRPr lang="nl-BE" dirty="0"/>
+          </a:p>
+        </p:txBody>
+      </p:sp>
+      <p:sp>
+        <p:nvSpPr>
+          <p:cNvPr id="3" name="Content Placeholder 2"/>
+          <p:cNvSpPr>
+            <a:spLocks noGrp="1"/>
+          </p:cNvSpPr>
+          <p:nvPr>
+            <p:ph idx="1"/>
+          </p:nvPr>
+        </p:nvSpPr>
+        <p:spPr/>
+        <p:txBody>
+          <a:bodyPr/>
+          <a:lstStyle/>
+          <a:p>
+            <a:r>
+              <a:rPr lang="en-US" dirty="0" smtClean="0"/>
+              <a:t>Repository</a:t>
+            </a:r>
+          </a:p>
+          <a:p>
+            <a:pPr lvl="1"/>
+            <a:r>
+              <a:rPr lang="en-US" dirty="0" smtClean="0"/>
+              <a:t>Contains files/directories + history (all versions)</a:t>
+            </a:r>
+          </a:p>
+          <a:p>
+            <a:pPr lvl="1"/>
+            <a:r>
+              <a:rPr lang="en-US" dirty="0" smtClean="0"/>
+              <a:t>"Server"-side</a:t>
+            </a:r>
+          </a:p>
+          <a:p>
+            <a:r>
+              <a:rPr lang="en-US" dirty="0" smtClean="0"/>
+              <a:t>Working copy</a:t>
+            </a:r>
+          </a:p>
+          <a:p>
+            <a:pPr lvl="1"/>
+            <a:r>
+              <a:rPr lang="en-US" dirty="0" smtClean="0"/>
+              <a:t>Contains copy you are working on</a:t>
+            </a:r>
+          </a:p>
+          <a:p>
+            <a:pPr lvl="1"/>
+            <a:r>
+              <a:rPr lang="en-US" dirty="0" smtClean="0"/>
+              <a:t>Client-side</a:t>
+            </a:r>
+          </a:p>
+          <a:p>
+            <a:pPr lvl="1"/>
+            <a:r>
+              <a:rPr lang="en-US" dirty="0" smtClean="0"/>
+              <a:t>One or more</a:t>
+            </a:r>
+            <a:endParaRPr lang="nl-BE" dirty="0"/>
+          </a:p>
+        </p:txBody>
+      </p:sp>
+    </p:spTree>
+  </p:cSld>
+  <p:clrMapOvr>
+    <a:masterClrMapping/>
+  </p:clrMapOvr>
+  <p:timing>
+    <p:tnLst>
+      <p:par>
+        <p:cTn id="1" dur="indefinite" restart="never" nodeType="tmRoot"/>
+      </p:par>
+    </p:tnLst>
+  </p:timing>
+</p:sld>
+</file>
+
+<file path=ppt/slides/slide12.xml><?xml version="1.0" encoding="utf-8"?>
 <p:sld xmlns:a="http://schemas.openxmlformats.org/drawingml/2006/main" xmlns:r="http://schemas.openxmlformats.org/officeDocument/2006/relationships" xmlns:p="http://schemas.openxmlformats.org/presentationml/2006/main">
   <p:cSld>
     <p:spTree>
@@ -4196,7 +5814,7 @@
 </p:sld>
 </file>
 
-<file path=ppt/slides/slide12.xml><?xml version="1.0" encoding="utf-8"?>
+<file path=ppt/slides/slide13.xml><?xml version="1.0" encoding="utf-8"?>
 <p:sld xmlns:a="http://schemas.openxmlformats.org/drawingml/2006/main" xmlns:r="http://schemas.openxmlformats.org/officeDocument/2006/relationships" xmlns:p="http://schemas.openxmlformats.org/presentationml/2006/main">
   <p:cSld>
     <p:spTree>
@@ -6012,140 +7630,6 @@
 </p:sld>
 </file>
 
-<file path=ppt/slides/slide13.xml><?xml version="1.0" encoding="utf-8"?>
-<p:sld xmlns:a="http://schemas.openxmlformats.org/drawingml/2006/main" xmlns:r="http://schemas.openxmlformats.org/officeDocument/2006/relationships" xmlns:p="http://schemas.openxmlformats.org/presentationml/2006/main">
-  <p:cSld>
-    <p:spTree>
-      <p:nvGrpSpPr>
-        <p:cNvPr id="1" name=""/>
-        <p:cNvGrpSpPr/>
-        <p:nvPr/>
-      </p:nvGrpSpPr>
-      <p:grpSpPr>
-        <a:xfrm>
-          <a:off x="0" y="0"/>
-          <a:ext cx="0" cy="0"/>
-          <a:chOff x="0" y="0"/>
-          <a:chExt cx="0" cy="0"/>
-        </a:xfrm>
-      </p:grpSpPr>
-      <p:sp>
-        <p:nvSpPr>
-          <p:cNvPr id="2" name="Title 1"/>
-          <p:cNvSpPr>
-            <a:spLocks noGrp="1"/>
-          </p:cNvSpPr>
-          <p:nvPr>
-            <p:ph type="title"/>
-          </p:nvPr>
-        </p:nvSpPr>
-        <p:spPr/>
-        <p:txBody>
-          <a:bodyPr/>
-          <a:lstStyle/>
-          <a:p>
-            <a:r>
-              <a:rPr lang="en-US" dirty="0" smtClean="0"/>
-              <a:t>Bird's eye view explained</a:t>
-            </a:r>
-            <a:endParaRPr lang="nl-BE" dirty="0"/>
-          </a:p>
-        </p:txBody>
-      </p:sp>
-      <p:sp>
-        <p:nvSpPr>
-          <p:cNvPr id="3" name="Content Placeholder 2"/>
-          <p:cNvSpPr>
-            <a:spLocks noGrp="1"/>
-          </p:cNvSpPr>
-          <p:nvPr>
-            <p:ph idx="1"/>
-          </p:nvPr>
-        </p:nvSpPr>
-        <p:spPr/>
-        <p:txBody>
-          <a:bodyPr>
-            <a:normAutofit/>
-          </a:bodyPr>
-          <a:lstStyle/>
-          <a:p>
-            <a:r>
-              <a:rPr lang="en-US" dirty="0" smtClean="0"/>
-              <a:t>Repository</a:t>
-            </a:r>
-          </a:p>
-          <a:p>
-            <a:pPr lvl="1"/>
-            <a:r>
-              <a:rPr lang="en-US" dirty="0" smtClean="0"/>
-              <a:t>Contains files/directories + history (all versions)</a:t>
-            </a:r>
-          </a:p>
-          <a:p>
-            <a:pPr lvl="1"/>
-            <a:r>
-              <a:rPr lang="en-US" dirty="0" smtClean="0"/>
-              <a:t>Cloned, i.e., </a:t>
-            </a:r>
-            <a:r>
-              <a:rPr lang="en-US" i="1" dirty="0" smtClean="0"/>
-              <a:t>always</a:t>
-            </a:r>
-            <a:r>
-              <a:rPr lang="en-US" dirty="0" smtClean="0"/>
-              <a:t> work on local repository</a:t>
-            </a:r>
-          </a:p>
-          <a:p>
-            <a:r>
-              <a:rPr lang="en-US" dirty="0" smtClean="0"/>
-              <a:t>Synchronizing with remote repository</a:t>
-            </a:r>
-          </a:p>
-          <a:p>
-            <a:pPr lvl="1"/>
-            <a:r>
-              <a:rPr lang="en-US" dirty="0" smtClean="0"/>
-              <a:t>pull: get latest version from remote repository to local</a:t>
-            </a:r>
-          </a:p>
-          <a:p>
-            <a:pPr lvl="1"/>
-            <a:r>
-              <a:rPr lang="en-US" dirty="0" smtClean="0"/>
-              <a:t>push: put local version in remote repository</a:t>
-            </a:r>
-          </a:p>
-          <a:p>
-            <a:pPr lvl="1"/>
-            <a:r>
-              <a:rPr lang="en-US" dirty="0" smtClean="0"/>
-              <a:t>Can be single remote repository, or multiple</a:t>
-            </a:r>
-            <a:endParaRPr lang="nl-BE" dirty="0"/>
-          </a:p>
-        </p:txBody>
-      </p:sp>
-    </p:spTree>
-    <p:extLst>
-      <p:ext uri="{BB962C8B-B14F-4D97-AF65-F5344CB8AC3E}">
-        <p14:creationId xmlns:p14="http://schemas.microsoft.com/office/powerpoint/2010/main" val="1336736340"/>
-      </p:ext>
-    </p:extLst>
-  </p:cSld>
-  <p:clrMapOvr>
-    <a:masterClrMapping/>
-  </p:clrMapOvr>
-  <p:timing>
-    <p:tnLst>
-      <p:par>
-        <p:cTn id="1" dur="indefinite" restart="never" nodeType="tmRoot"/>
-      </p:par>
-    </p:tnLst>
-  </p:timing>
-</p:sld>
-</file>
-
 <file path=ppt/slides/slide14.xml><?xml version="1.0" encoding="utf-8"?>
 <p:sld xmlns:a="http://schemas.openxmlformats.org/drawingml/2006/main" xmlns:r="http://schemas.openxmlformats.org/officeDocument/2006/relationships" xmlns:p="http://schemas.openxmlformats.org/presentationml/2006/main">
   <p:cSld>
@@ -6180,7 +7664,7 @@
           <a:p>
             <a:r>
               <a:rPr lang="en-US" dirty="0" smtClean="0"/>
-              <a:t>Typographical conventions</a:t>
+              <a:t>Bird's eye view explained</a:t>
             </a:r>
             <a:endParaRPr lang="nl-BE" dirty="0"/>
           </a:p>
@@ -6198,154 +7682,72 @@
         </p:nvSpPr>
         <p:spPr/>
         <p:txBody>
-          <a:bodyPr/>
-          <a:lstStyle/>
-          <a:p>
-            <a:r>
-              <a:rPr lang="en-US" dirty="0" smtClean="0"/>
-              <a:t>Shell commands are rendered as</a:t>
-            </a:r>
-          </a:p>
-          <a:p>
-            <a:endParaRPr lang="en-US" dirty="0"/>
-          </a:p>
-          <a:p>
-            <a:pPr lvl="1"/>
-            <a:r>
-              <a:rPr lang="en-US" dirty="0" smtClean="0"/>
-              <a:t>Do </a:t>
-            </a:r>
-            <a:r>
-              <a:rPr lang="en-US" i="1" dirty="0" smtClean="0"/>
-              <a:t>not</a:t>
-            </a:r>
-            <a:r>
-              <a:rPr lang="en-US" dirty="0" smtClean="0"/>
-              <a:t> type </a:t>
-            </a:r>
-            <a:r>
-              <a:rPr lang="en-US" dirty="0" smtClean="0">
-                <a:latin typeface="Courier New" pitchFamily="49" charset="0"/>
-                <a:cs typeface="Courier New" pitchFamily="49" charset="0"/>
-              </a:rPr>
-              <a:t>$</a:t>
-            </a:r>
-            <a:r>
-              <a:rPr lang="en-US" dirty="0" smtClean="0"/>
-              <a:t>, it represents your shell prompt!</a:t>
-            </a:r>
-          </a:p>
-          <a:p>
-            <a:r>
-              <a:rPr lang="en-US" dirty="0" smtClean="0"/>
-              <a:t>Code and file names are also rendered as, e.g., </a:t>
-            </a:r>
-            <a:r>
-              <a:rPr lang="en-US" dirty="0" smtClean="0">
-                <a:latin typeface="Courier New" pitchFamily="49" charset="0"/>
-                <a:cs typeface="Courier New" pitchFamily="49" charset="0"/>
-              </a:rPr>
-              <a:t>.</a:t>
-            </a:r>
-            <a:r>
-              <a:rPr lang="en-US" dirty="0" err="1" smtClean="0">
-                <a:latin typeface="Courier New" pitchFamily="49" charset="0"/>
-                <a:cs typeface="Courier New" pitchFamily="49" charset="0"/>
-              </a:rPr>
-              <a:t>bashrc</a:t>
-            </a:r>
-            <a:endParaRPr lang="en-US" dirty="0" smtClean="0">
-              <a:latin typeface="Courier New" pitchFamily="49" charset="0"/>
-              <a:cs typeface="Courier New" pitchFamily="49" charset="0"/>
-            </a:endParaRPr>
-          </a:p>
-          <a:p>
-            <a:r>
-              <a:rPr lang="en-US" dirty="0" smtClean="0"/>
-              <a:t>Everything </a:t>
-            </a:r>
-            <a:r>
-              <a:rPr lang="en-US" dirty="0" smtClean="0">
-                <a:solidFill>
-                  <a:srgbClr val="FF0000"/>
-                </a:solidFill>
-              </a:rPr>
-              <a:t>specific to Thinking is rendered in red</a:t>
-            </a:r>
-            <a:endParaRPr lang="nl-BE" dirty="0">
-              <a:solidFill>
-                <a:srgbClr val="FF0000"/>
-              </a:solidFill>
-            </a:endParaRPr>
-          </a:p>
-        </p:txBody>
-      </p:sp>
-      <p:sp>
-        <p:nvSpPr>
-          <p:cNvPr id="4" name="TextBox 3"/>
-          <p:cNvSpPr txBox="1"/>
-          <p:nvPr/>
-        </p:nvSpPr>
-        <p:spPr>
-          <a:xfrm>
-            <a:off x="1763688" y="2276872"/>
-            <a:ext cx="1425390" cy="369332"/>
-          </a:xfrm>
-          <a:prstGeom prst="rect">
-            <a:avLst/>
-          </a:prstGeom>
-          <a:noFill/>
-          <a:ln>
-            <a:solidFill>
-              <a:schemeClr val="tx1"/>
-            </a:solidFill>
-          </a:ln>
-        </p:spPr>
-        <p:txBody>
-          <a:bodyPr wrap="none" rtlCol="0">
-            <a:spAutoFit/>
+          <a:bodyPr>
+            <a:normAutofit/>
           </a:bodyPr>
           <a:lstStyle/>
           <a:p>
             <a:r>
-              <a:rPr lang="en-US" dirty="0" smtClean="0">
-                <a:latin typeface="Courier New" pitchFamily="49" charset="0"/>
-                <a:cs typeface="Courier New" pitchFamily="49" charset="0"/>
-              </a:rPr>
-              <a:t>$ </a:t>
-            </a:r>
-            <a:r>
-              <a:rPr lang="en-US" dirty="0" err="1" smtClean="0">
-                <a:latin typeface="Courier New" pitchFamily="49" charset="0"/>
-                <a:cs typeface="Courier New" pitchFamily="49" charset="0"/>
-              </a:rPr>
-              <a:t>ls</a:t>
-            </a:r>
-            <a:r>
-              <a:rPr lang="en-US" dirty="0" smtClean="0">
-                <a:latin typeface="Courier New" pitchFamily="49" charset="0"/>
-                <a:cs typeface="Courier New" pitchFamily="49" charset="0"/>
-              </a:rPr>
-              <a:t> -</a:t>
-            </a:r>
-            <a:r>
-              <a:rPr lang="en-US" dirty="0" err="1" smtClean="0">
-                <a:latin typeface="Courier New" pitchFamily="49" charset="0"/>
-                <a:cs typeface="Courier New" pitchFamily="49" charset="0"/>
-              </a:rPr>
-              <a:t>als</a:t>
-            </a:r>
-            <a:endParaRPr lang="nl-BE" dirty="0">
-              <a:latin typeface="Courier New" pitchFamily="49" charset="0"/>
-              <a:cs typeface="Courier New" pitchFamily="49" charset="0"/>
-            </a:endParaRPr>
+              <a:rPr lang="en-US" dirty="0" smtClean="0"/>
+              <a:t>Repository</a:t>
+            </a:r>
+          </a:p>
+          <a:p>
+            <a:pPr lvl="1"/>
+            <a:r>
+              <a:rPr lang="en-US" dirty="0" smtClean="0"/>
+              <a:t>Contains files/directories + history (all versions)</a:t>
+            </a:r>
+          </a:p>
+          <a:p>
+            <a:pPr lvl="1"/>
+            <a:r>
+              <a:rPr lang="en-US" dirty="0" smtClean="0"/>
+              <a:t>Cloned, i.e., </a:t>
+            </a:r>
+            <a:r>
+              <a:rPr lang="en-US" i="1" dirty="0" smtClean="0"/>
+              <a:t>always</a:t>
+            </a:r>
+            <a:r>
+              <a:rPr lang="en-US" dirty="0" smtClean="0"/>
+              <a:t> work on local repository</a:t>
+            </a:r>
+          </a:p>
+          <a:p>
+            <a:r>
+              <a:rPr lang="en-US" dirty="0" smtClean="0"/>
+              <a:t>Synchronizing with remote repository</a:t>
+            </a:r>
+          </a:p>
+          <a:p>
+            <a:pPr lvl="1"/>
+            <a:r>
+              <a:rPr lang="en-US" dirty="0" smtClean="0"/>
+              <a:t>pull: get latest version from remote repository to local</a:t>
+            </a:r>
+          </a:p>
+          <a:p>
+            <a:pPr lvl="1"/>
+            <a:r>
+              <a:rPr lang="en-US" dirty="0" smtClean="0"/>
+              <a:t>push: put local version in remote repository</a:t>
+            </a:r>
+          </a:p>
+          <a:p>
+            <a:pPr lvl="1"/>
+            <a:r>
+              <a:rPr lang="en-US" dirty="0" smtClean="0"/>
+              <a:t>Can be single remote repository, or multiple</a:t>
+            </a:r>
+            <a:endParaRPr lang="nl-BE" dirty="0"/>
           </a:p>
         </p:txBody>
       </p:sp>
     </p:spTree>
     <p:extLst>
       <p:ext uri="{BB962C8B-B14F-4D97-AF65-F5344CB8AC3E}">
-        <p14:creationId xmlns:p14="http://schemas.microsoft.com/office/powerpoint/2010/main" val="3864185847"/>
+        <p14:creationId xmlns:p14="http://schemas.microsoft.com/office/powerpoint/2010/main" val="1336736340"/>
       </p:ext>
     </p:extLst>
   </p:cSld>
@@ -6395,12 +7797,8 @@
           <a:lstStyle/>
           <a:p>
             <a:r>
-              <a:rPr lang="en-US" dirty="0" err="1" smtClean="0"/>
-              <a:t>Svn</a:t>
-            </a:r>
-            <a:r>
-              <a:rPr lang="en-US" dirty="0" smtClean="0"/>
-              <a:t>: single user scenario</a:t>
+              <a:rPr lang="en-US" dirty="0" smtClean="0"/>
+              <a:t>Typographical conventions</a:t>
             </a:r>
             <a:endParaRPr lang="nl-BE" dirty="0"/>
           </a:p>
@@ -6408,12 +7806,12 @@
       </p:sp>
       <p:sp>
         <p:nvSpPr>
-          <p:cNvPr id="3" name="Text Placeholder 2"/>
+          <p:cNvPr id="3" name="Content Placeholder 2"/>
           <p:cNvSpPr>
             <a:spLocks noGrp="1"/>
           </p:cNvSpPr>
           <p:nvPr>
-            <p:ph type="body" idx="1"/>
+            <p:ph idx="1"/>
           </p:nvPr>
         </p:nvSpPr>
         <p:spPr/>
@@ -6421,11 +7819,153 @@
           <a:bodyPr/>
           <a:lstStyle/>
           <a:p>
-            <a:endParaRPr lang="nl-BE"/>
+            <a:r>
+              <a:rPr lang="en-US" dirty="0" smtClean="0"/>
+              <a:t>Shell commands are rendered as</a:t>
+            </a:r>
+          </a:p>
+          <a:p>
+            <a:endParaRPr lang="en-US" dirty="0"/>
+          </a:p>
+          <a:p>
+            <a:pPr lvl="1"/>
+            <a:r>
+              <a:rPr lang="en-US" dirty="0" smtClean="0"/>
+              <a:t>Do </a:t>
+            </a:r>
+            <a:r>
+              <a:rPr lang="en-US" i="1" dirty="0" smtClean="0"/>
+              <a:t>not</a:t>
+            </a:r>
+            <a:r>
+              <a:rPr lang="en-US" dirty="0" smtClean="0"/>
+              <a:t> type </a:t>
+            </a:r>
+            <a:r>
+              <a:rPr lang="en-US" dirty="0" smtClean="0">
+                <a:latin typeface="Courier New" pitchFamily="49" charset="0"/>
+                <a:cs typeface="Courier New" pitchFamily="49" charset="0"/>
+              </a:rPr>
+              <a:t>$</a:t>
+            </a:r>
+            <a:r>
+              <a:rPr lang="en-US" dirty="0" smtClean="0"/>
+              <a:t>, it represents your shell prompt!</a:t>
+            </a:r>
+          </a:p>
+          <a:p>
+            <a:r>
+              <a:rPr lang="en-US" dirty="0" smtClean="0"/>
+              <a:t>Code and file names are also rendered as, e.g., </a:t>
+            </a:r>
+            <a:r>
+              <a:rPr lang="en-US" dirty="0" smtClean="0">
+                <a:latin typeface="Courier New" pitchFamily="49" charset="0"/>
+                <a:cs typeface="Courier New" pitchFamily="49" charset="0"/>
+              </a:rPr>
+              <a:t>.</a:t>
+            </a:r>
+            <a:r>
+              <a:rPr lang="en-US" dirty="0" err="1" smtClean="0">
+                <a:latin typeface="Courier New" pitchFamily="49" charset="0"/>
+                <a:cs typeface="Courier New" pitchFamily="49" charset="0"/>
+              </a:rPr>
+              <a:t>bashrc</a:t>
+            </a:r>
+            <a:endParaRPr lang="en-US" dirty="0" smtClean="0">
+              <a:latin typeface="Courier New" pitchFamily="49" charset="0"/>
+              <a:cs typeface="Courier New" pitchFamily="49" charset="0"/>
+            </a:endParaRPr>
+          </a:p>
+          <a:p>
+            <a:r>
+              <a:rPr lang="en-US" dirty="0" smtClean="0"/>
+              <a:t>Everything </a:t>
+            </a:r>
+            <a:r>
+              <a:rPr lang="en-US" dirty="0" smtClean="0">
+                <a:solidFill>
+                  <a:srgbClr val="FF0000"/>
+                </a:solidFill>
+              </a:rPr>
+              <a:t>specific to Thinking is rendered in red</a:t>
+            </a:r>
+            <a:endParaRPr lang="nl-BE" dirty="0">
+              <a:solidFill>
+                <a:srgbClr val="FF0000"/>
+              </a:solidFill>
+            </a:endParaRPr>
+          </a:p>
+        </p:txBody>
+      </p:sp>
+      <p:sp>
+        <p:nvSpPr>
+          <p:cNvPr id="4" name="TextBox 3"/>
+          <p:cNvSpPr txBox="1"/>
+          <p:nvPr/>
+        </p:nvSpPr>
+        <p:spPr>
+          <a:xfrm>
+            <a:off x="1763688" y="2276872"/>
+            <a:ext cx="1425390" cy="369332"/>
+          </a:xfrm>
+          <a:prstGeom prst="rect">
+            <a:avLst/>
+          </a:prstGeom>
+          <a:noFill/>
+          <a:ln>
+            <a:solidFill>
+              <a:schemeClr val="tx1"/>
+            </a:solidFill>
+          </a:ln>
+        </p:spPr>
+        <p:txBody>
+          <a:bodyPr wrap="none" rtlCol="0">
+            <a:spAutoFit/>
+          </a:bodyPr>
+          <a:lstStyle/>
+          <a:p>
+            <a:r>
+              <a:rPr lang="en-US" dirty="0" smtClean="0">
+                <a:latin typeface="Courier New" pitchFamily="49" charset="0"/>
+                <a:cs typeface="Courier New" pitchFamily="49" charset="0"/>
+              </a:rPr>
+              <a:t>$ </a:t>
+            </a:r>
+            <a:r>
+              <a:rPr lang="en-US" dirty="0" err="1" smtClean="0">
+                <a:latin typeface="Courier New" pitchFamily="49" charset="0"/>
+                <a:cs typeface="Courier New" pitchFamily="49" charset="0"/>
+              </a:rPr>
+              <a:t>ls</a:t>
+            </a:r>
+            <a:r>
+              <a:rPr lang="en-US" dirty="0" smtClean="0">
+                <a:latin typeface="Courier New" pitchFamily="49" charset="0"/>
+                <a:cs typeface="Courier New" pitchFamily="49" charset="0"/>
+              </a:rPr>
+              <a:t> -</a:t>
+            </a:r>
+            <a:r>
+              <a:rPr lang="en-US" dirty="0" err="1" smtClean="0">
+                <a:latin typeface="Courier New" pitchFamily="49" charset="0"/>
+                <a:cs typeface="Courier New" pitchFamily="49" charset="0"/>
+              </a:rPr>
+              <a:t>als</a:t>
+            </a:r>
+            <a:endParaRPr lang="nl-BE" dirty="0">
+              <a:latin typeface="Courier New" pitchFamily="49" charset="0"/>
+              <a:cs typeface="Courier New" pitchFamily="49" charset="0"/>
+            </a:endParaRPr>
           </a:p>
         </p:txBody>
       </p:sp>
     </p:spTree>
+    <p:extLst>
+      <p:ext uri="{BB962C8B-B14F-4D97-AF65-F5344CB8AC3E}">
+        <p14:creationId xmlns:p14="http://schemas.microsoft.com/office/powerpoint/2010/main" val="3864185847"/>
+      </p:ext>
+    </p:extLst>
   </p:cSld>
   <p:clrMapOvr>
     <a:masterClrMapping/>
@@ -6473,6 +8013,84 @@
           <a:lstStyle/>
           <a:p>
             <a:r>
+              <a:rPr lang="en-US" dirty="0" err="1" smtClean="0"/>
+              <a:t>Svn</a:t>
+            </a:r>
+            <a:r>
+              <a:rPr lang="en-US" dirty="0" smtClean="0"/>
+              <a:t>: single user scenario</a:t>
+            </a:r>
+            <a:endParaRPr lang="nl-BE" dirty="0"/>
+          </a:p>
+        </p:txBody>
+      </p:sp>
+      <p:sp>
+        <p:nvSpPr>
+          <p:cNvPr id="3" name="Text Placeholder 2"/>
+          <p:cNvSpPr>
+            <a:spLocks noGrp="1"/>
+          </p:cNvSpPr>
+          <p:nvPr>
+            <p:ph type="body" idx="1"/>
+          </p:nvPr>
+        </p:nvSpPr>
+        <p:spPr/>
+        <p:txBody>
+          <a:bodyPr/>
+          <a:lstStyle/>
+          <a:p>
+            <a:endParaRPr lang="nl-BE"/>
+          </a:p>
+        </p:txBody>
+      </p:sp>
+    </p:spTree>
+  </p:cSld>
+  <p:clrMapOvr>
+    <a:masterClrMapping/>
+  </p:clrMapOvr>
+  <p:timing>
+    <p:tnLst>
+      <p:par>
+        <p:cTn id="1" dur="indefinite" restart="never" nodeType="tmRoot"/>
+      </p:par>
+    </p:tnLst>
+  </p:timing>
+</p:sld>
+</file>
+
+<file path=ppt/slides/slide17.xml><?xml version="1.0" encoding="utf-8"?>
+<p:sld xmlns:a="http://schemas.openxmlformats.org/drawingml/2006/main" xmlns:r="http://schemas.openxmlformats.org/officeDocument/2006/relationships" xmlns:p="http://schemas.openxmlformats.org/presentationml/2006/main">
+  <p:cSld>
+    <p:spTree>
+      <p:nvGrpSpPr>
+        <p:cNvPr id="1" name=""/>
+        <p:cNvGrpSpPr/>
+        <p:nvPr/>
+      </p:nvGrpSpPr>
+      <p:grpSpPr>
+        <a:xfrm>
+          <a:off x="0" y="0"/>
+          <a:ext cx="0" cy="0"/>
+          <a:chOff x="0" y="0"/>
+          <a:chExt cx="0" cy="0"/>
+        </a:xfrm>
+      </p:grpSpPr>
+      <p:sp>
+        <p:nvSpPr>
+          <p:cNvPr id="2" name="Title 1"/>
+          <p:cNvSpPr>
+            <a:spLocks noGrp="1"/>
+          </p:cNvSpPr>
+          <p:nvPr>
+            <p:ph type="title"/>
+          </p:nvPr>
+        </p:nvSpPr>
+        <p:spPr/>
+        <p:txBody>
+          <a:bodyPr/>
+          <a:lstStyle/>
+          <a:p>
+            <a:r>
               <a:rPr lang="en-US" dirty="0" smtClean="0"/>
               <a:t>Overview</a:t>
             </a:r>
@@ -6593,7 +8211,7 @@
 </p:sld>
 </file>
 
-<file path=ppt/slides/slide17.xml><?xml version="1.0" encoding="utf-8"?>
+<file path=ppt/slides/slide18.xml><?xml version="1.0" encoding="utf-8"?>
 <p:sld xmlns:a="http://schemas.openxmlformats.org/drawingml/2006/main" xmlns:r="http://schemas.openxmlformats.org/officeDocument/2006/relationships" xmlns:p="http://schemas.openxmlformats.org/presentationml/2006/main">
   <p:cSld>
     <p:spTree>
@@ -7227,7 +8845,7 @@
 </p:sld>
 </file>
 
-<file path=ppt/slides/slide18.xml><?xml version="1.0" encoding="utf-8"?>
+<file path=ppt/slides/slide19.xml><?xml version="1.0" encoding="utf-8"?>
 <p:sld xmlns:a="http://schemas.openxmlformats.org/drawingml/2006/main" xmlns:r="http://schemas.openxmlformats.org/officeDocument/2006/relationships" xmlns:p="http://schemas.openxmlformats.org/presentationml/2006/main">
   <p:cSld>
     <p:spTree>
@@ -7288,7 +8906,7 @@
         </p:spPr>
         <p:txBody>
           <a:bodyPr>
-            <a:normAutofit fontScale="92500" lnSpcReduction="10000"/>
+            <a:normAutofit/>
           </a:bodyPr>
           <a:lstStyle/>
           <a:p>
@@ -7315,37 +8933,17 @@
             <a:pPr lvl="1"/>
             <a:r>
               <a:rPr lang="en-US" dirty="0" smtClean="0"/>
-              <a:t>Backup of repository is useful</a:t>
-            </a:r>
-          </a:p>
-          <a:p>
-            <a:endParaRPr lang="en-US" dirty="0" smtClean="0"/>
-          </a:p>
-          <a:p>
-            <a:r>
-              <a:rPr lang="en-US" dirty="0" smtClean="0">
-                <a:solidFill>
-                  <a:srgbClr val="FF0000"/>
-                </a:solidFill>
-              </a:rPr>
-              <a:t>On </a:t>
-            </a:r>
-            <a:r>
-              <a:rPr lang="en-US" dirty="0" err="1" smtClean="0">
-                <a:solidFill>
-                  <a:srgbClr val="FF0000"/>
-                </a:solidFill>
-              </a:rPr>
-              <a:t>Thiinking</a:t>
-            </a:r>
-            <a:r>
-              <a:rPr lang="en-US" dirty="0" smtClean="0">
-                <a:solidFill>
-                  <a:srgbClr val="FF0000"/>
-                </a:solidFill>
-              </a:rPr>
-              <a:t>, load appropriate module</a:t>
-            </a:r>
+              <a:t>Backup of repository is </a:t>
+            </a:r>
+            <a:r>
+              <a:rPr lang="en-US" dirty="0" smtClean="0"/>
+              <a:t>useful</a:t>
+            </a:r>
+            <a:endParaRPr lang="en-US" dirty="0" smtClean="0">
+              <a:solidFill>
+                <a:srgbClr val="FF0000"/>
+              </a:solidFill>
+            </a:endParaRPr>
           </a:p>
           <a:p>
             <a:endParaRPr lang="en-US" dirty="0"/>
@@ -7367,7 +8965,7 @@
         </p:nvSpPr>
         <p:spPr>
           <a:xfrm>
-            <a:off x="2800516" y="3789040"/>
+            <a:off x="2649870" y="4208019"/>
             <a:ext cx="3993657" cy="461665"/>
           </a:xfrm>
           <a:prstGeom prst="rect">
@@ -7422,7 +9020,7 @@
         </p:nvSpPr>
         <p:spPr>
           <a:xfrm>
-            <a:off x="1331640" y="5951021"/>
+            <a:off x="1386194" y="5341497"/>
             <a:ext cx="3768980" cy="646331"/>
           </a:xfrm>
           <a:prstGeom prst="rect">
@@ -7515,155 +9113,6 @@
           </a:p>
         </p:txBody>
       </p:sp>
-      <p:sp>
-        <p:nvSpPr>
-          <p:cNvPr id="8" name="TextBox 7"/>
-          <p:cNvSpPr txBox="1"/>
-          <p:nvPr/>
-        </p:nvSpPr>
-        <p:spPr>
-          <a:xfrm>
-            <a:off x="1331640" y="4859868"/>
-            <a:ext cx="3493264" cy="369332"/>
-          </a:xfrm>
-          <a:prstGeom prst="rect">
-            <a:avLst/>
-          </a:prstGeom>
-          <a:noFill/>
-          <a:ln>
-            <a:solidFill>
-              <a:srgbClr val="FF0000"/>
-            </a:solidFill>
-          </a:ln>
-        </p:spPr>
-        <p:txBody>
-          <a:bodyPr wrap="none" rtlCol="0">
-            <a:spAutoFit/>
-          </a:bodyPr>
-          <a:lstStyle/>
-          <a:p>
-            <a:r>
-              <a:rPr lang="en-US" dirty="0" smtClean="0">
-                <a:solidFill>
-                  <a:srgbClr val="FF0000"/>
-                </a:solidFill>
-                <a:latin typeface="Courier New" pitchFamily="49" charset="0"/>
-                <a:cs typeface="Courier New" pitchFamily="49" charset="0"/>
-              </a:rPr>
-              <a:t>$ module load subversion</a:t>
-            </a:r>
-          </a:p>
-        </p:txBody>
-      </p:sp>
-      <p:grpSp>
-        <p:nvGrpSpPr>
-          <p:cNvPr id="13" name="Group 12"/>
-          <p:cNvGrpSpPr/>
-          <p:nvPr/>
-        </p:nvGrpSpPr>
-        <p:grpSpPr>
-          <a:xfrm>
-            <a:off x="4987342" y="4798893"/>
-            <a:ext cx="3617106" cy="646331"/>
-            <a:chOff x="4987342" y="4581128"/>
-            <a:chExt cx="3617106" cy="646331"/>
-          </a:xfrm>
-        </p:grpSpPr>
-        <p:sp>
-          <p:nvSpPr>
-            <p:cNvPr id="10" name="TextBox 9"/>
-            <p:cNvSpPr txBox="1"/>
-            <p:nvPr/>
-          </p:nvSpPr>
-          <p:spPr>
-            <a:xfrm>
-              <a:off x="6643527" y="4581128"/>
-              <a:ext cx="1960921" cy="646331"/>
-            </a:xfrm>
-            <a:prstGeom prst="rect">
-              <a:avLst/>
-            </a:prstGeom>
-            <a:noFill/>
-            <a:ln>
-              <a:solidFill>
-                <a:schemeClr val="tx1"/>
-              </a:solidFill>
-            </a:ln>
-          </p:spPr>
-          <p:txBody>
-            <a:bodyPr wrap="none" rtlCol="0">
-              <a:spAutoFit/>
-            </a:bodyPr>
-            <a:lstStyle/>
-            <a:p>
-              <a:r>
-                <a:rPr lang="en-US" dirty="0" smtClean="0"/>
-                <a:t>Optionally, put this</a:t>
-              </a:r>
-            </a:p>
-            <a:p>
-              <a:r>
-                <a:rPr lang="en-US" dirty="0" smtClean="0"/>
-                <a:t>in your </a:t>
-              </a:r>
-              <a:r>
-                <a:rPr lang="en-US" dirty="0" smtClean="0">
-                  <a:latin typeface="Courier New" pitchFamily="49" charset="0"/>
-                  <a:cs typeface="Courier New" pitchFamily="49" charset="0"/>
-                </a:rPr>
-                <a:t>.</a:t>
-              </a:r>
-              <a:r>
-                <a:rPr lang="en-US" dirty="0" err="1" smtClean="0">
-                  <a:latin typeface="Courier New" pitchFamily="49" charset="0"/>
-                  <a:cs typeface="Courier New" pitchFamily="49" charset="0"/>
-                </a:rPr>
-                <a:t>bashrc</a:t>
-              </a:r>
-              <a:endParaRPr lang="nl-BE" dirty="0">
-                <a:latin typeface="Courier New" pitchFamily="49" charset="0"/>
-                <a:cs typeface="Courier New" pitchFamily="49" charset="0"/>
-              </a:endParaRPr>
-            </a:p>
-          </p:txBody>
-        </p:sp>
-        <p:cxnSp>
-          <p:nvCxnSpPr>
-            <p:cNvPr id="11" name="Straight Arrow Connector 10"/>
-            <p:cNvCxnSpPr/>
-            <p:nvPr/>
-          </p:nvCxnSpPr>
-          <p:spPr>
-            <a:xfrm flipH="1" flipV="1">
-              <a:off x="4987342" y="4826769"/>
-              <a:ext cx="1512169" cy="187995"/>
-            </a:xfrm>
-            <a:prstGeom prst="straightConnector1">
-              <a:avLst/>
-            </a:prstGeom>
-            <a:ln w="38100">
-              <a:solidFill>
-                <a:schemeClr val="tx1"/>
-              </a:solidFill>
-              <a:tailEnd type="stealth" w="lg" len="lg"/>
-            </a:ln>
-          </p:spPr>
-          <p:style>
-            <a:lnRef idx="1">
-              <a:schemeClr val="accent1"/>
-            </a:lnRef>
-            <a:fillRef idx="0">
-              <a:schemeClr val="accent1"/>
-            </a:fillRef>
-            <a:effectRef idx="0">
-              <a:schemeClr val="accent1"/>
-            </a:effectRef>
-            <a:fontRef idx="minor">
-              <a:schemeClr val="tx1"/>
-            </a:fontRef>
-          </p:style>
-        </p:cxnSp>
-      </p:grpSp>
       <p:sp>
         <p:nvSpPr>
           <p:cNvPr id="12" name="TextBox 11"/>
@@ -7956,7 +9405,7 @@
                                           </p:stCondLst>
                                         </p:cTn>
                                         <p:tgtEl>
-                                          <p:spTgt spid="8"/>
+                                          <p:spTgt spid="7"/>
                                         </p:tgtEl>
                                         <p:attrNameLst>
                                           <p:attrName>style.visibility</p:attrName>
@@ -7988,7 +9437,7 @@
                             </p:stCondLst>
                             <p:childTnLst>
                               <p:par>
-                                <p:cTn id="25" presetID="1" presetClass="entr" presetSubtype="0" fill="hold" nodeType="clickEffect">
+                                <p:cTn id="25" presetID="1" presetClass="entr" presetSubtype="0" fill="hold" grpId="0" nodeType="clickEffect">
                                   <p:stCondLst>
                                     <p:cond delay="0"/>
                                   </p:stCondLst>
@@ -7996,127 +9445,6 @@
                                     <p:set>
                                       <p:cBhvr>
                                         <p:cTn id="26" dur="1" fill="hold">
-                                          <p:stCondLst>
-                                            <p:cond delay="0"/>
-                                          </p:stCondLst>
-                                        </p:cTn>
-                                        <p:tgtEl>
-                                          <p:spTgt spid="13"/>
-                                        </p:tgtEl>
-                                        <p:attrNameLst>
-                                          <p:attrName>style.visibility</p:attrName>
-                                        </p:attrNameLst>
-                                      </p:cBhvr>
-                                      <p:to>
-                                        <p:strVal val="visible"/>
-                                      </p:to>
-                                    </p:set>
-                                  </p:childTnLst>
-                                </p:cTn>
-                              </p:par>
-                            </p:childTnLst>
-                          </p:cTn>
-                        </p:par>
-                      </p:childTnLst>
-                    </p:cTn>
-                  </p:par>
-                  <p:par>
-                    <p:cTn id="27" fill="hold">
-                      <p:stCondLst>
-                        <p:cond delay="indefinite"/>
-                      </p:stCondLst>
-                      <p:childTnLst>
-                        <p:par>
-                          <p:cTn id="28" fill="hold">
-                            <p:stCondLst>
-                              <p:cond delay="0"/>
-                            </p:stCondLst>
-                            <p:childTnLst>
-                              <p:par>
-                                <p:cTn id="29" presetID="1" presetClass="entr" presetSubtype="0" fill="hold" grpId="0" nodeType="clickEffect">
-                                  <p:stCondLst>
-                                    <p:cond delay="0"/>
-                                  </p:stCondLst>
-                                  <p:childTnLst>
-                                    <p:set>
-                                      <p:cBhvr>
-                                        <p:cTn id="30" dur="1" fill="hold">
-                                          <p:stCondLst>
-                                            <p:cond delay="0"/>
-                                          </p:stCondLst>
-                                        </p:cTn>
-                                        <p:tgtEl>
-                                          <p:spTgt spid="5">
-                                            <p:txEl>
-                                              <p:pRg st="7" end="7"/>
-                                            </p:txEl>
-                                          </p:spTgt>
-                                        </p:tgtEl>
-                                        <p:attrNameLst>
-                                          <p:attrName>style.visibility</p:attrName>
-                                        </p:attrNameLst>
-                                      </p:cBhvr>
-                                      <p:to>
-                                        <p:strVal val="visible"/>
-                                      </p:to>
-                                    </p:set>
-                                  </p:childTnLst>
-                                </p:cTn>
-                              </p:par>
-                              <p:par>
-                                <p:cTn id="31" presetID="1" presetClass="entr" presetSubtype="0" fill="hold" grpId="0" nodeType="withEffect">
-                                  <p:stCondLst>
-                                    <p:cond delay="0"/>
-                                  </p:stCondLst>
-                                  <p:childTnLst>
-                                    <p:set>
-                                      <p:cBhvr>
-                                        <p:cTn id="32" dur="1" fill="hold">
-                                          <p:stCondLst>
-                                            <p:cond delay="0"/>
-                                          </p:stCondLst>
-                                        </p:cTn>
-                                        <p:tgtEl>
-                                          <p:spTgt spid="7"/>
-                                        </p:tgtEl>
-                                        <p:attrNameLst>
-                                          <p:attrName>style.visibility</p:attrName>
-                                        </p:attrNameLst>
-                                      </p:cBhvr>
-                                      <p:to>
-                                        <p:strVal val="visible"/>
-                                      </p:to>
-                                    </p:set>
-                                  </p:childTnLst>
-                                </p:cTn>
-                              </p:par>
-                            </p:childTnLst>
-                          </p:cTn>
-                        </p:par>
-                      </p:childTnLst>
-                    </p:cTn>
-                  </p:par>
-                  <p:par>
-                    <p:cTn id="33" fill="hold">
-                      <p:stCondLst>
-                        <p:cond delay="indefinite"/>
-                      </p:stCondLst>
-                      <p:childTnLst>
-                        <p:par>
-                          <p:cTn id="34" fill="hold">
-                            <p:stCondLst>
-                              <p:cond delay="0"/>
-                            </p:stCondLst>
-                            <p:childTnLst>
-                              <p:par>
-                                <p:cTn id="35" presetID="1" presetClass="entr" presetSubtype="0" fill="hold" grpId="0" nodeType="clickEffect">
-                                  <p:stCondLst>
-                                    <p:cond delay="0"/>
-                                  </p:stCondLst>
-                                  <p:childTnLst>
-                                    <p:set>
-                                      <p:cBhvr>
-                                        <p:cTn id="36" dur="1" fill="hold">
                                           <p:stCondLst>
                                             <p:cond delay="0"/>
                                           </p:stCondLst>
@@ -8166,14 +9494,122 @@
       <p:bldP spid="5" grpId="0" uiExpand="1" build="p"/>
       <p:bldP spid="6" grpId="0" animBg="1"/>
       <p:bldP spid="7" grpId="0" animBg="1"/>
-      <p:bldP spid="8" grpId="0" animBg="1"/>
       <p:bldP spid="12" grpId="0" animBg="1"/>
     </p:bldLst>
   </p:timing>
 </p:sld>
 </file>
 
-<file path=ppt/slides/slide19.xml><?xml version="1.0" encoding="utf-8"?>
+<file path=ppt/slides/slide2.xml><?xml version="1.0" encoding="utf-8"?>
+<p:sld xmlns:a="http://schemas.openxmlformats.org/drawingml/2006/main" xmlns:r="http://schemas.openxmlformats.org/officeDocument/2006/relationships" xmlns:p="http://schemas.openxmlformats.org/presentationml/2006/main">
+  <p:cSld>
+    <p:spTree>
+      <p:nvGrpSpPr>
+        <p:cNvPr id="1" name=""/>
+        <p:cNvGrpSpPr/>
+        <p:nvPr/>
+      </p:nvGrpSpPr>
+      <p:grpSpPr>
+        <a:xfrm>
+          <a:off x="0" y="0"/>
+          <a:ext cx="0" cy="0"/>
+          <a:chOff x="0" y="0"/>
+          <a:chExt cx="0" cy="0"/>
+        </a:xfrm>
+      </p:grpSpPr>
+      <p:sp>
+        <p:nvSpPr>
+          <p:cNvPr id="2" name="Title 1"/>
+          <p:cNvSpPr>
+            <a:spLocks noGrp="1"/>
+          </p:cNvSpPr>
+          <p:nvPr>
+            <p:ph type="title"/>
+          </p:nvPr>
+        </p:nvSpPr>
+        <p:spPr/>
+        <p:txBody>
+          <a:bodyPr/>
+          <a:lstStyle/>
+          <a:p>
+            <a:r>
+              <a:rPr lang="en-US" dirty="0" smtClean="0"/>
+              <a:t>Overview</a:t>
+            </a:r>
+            <a:endParaRPr lang="nl-BE" dirty="0"/>
+          </a:p>
+        </p:txBody>
+      </p:sp>
+      <p:sp>
+        <p:nvSpPr>
+          <p:cNvPr id="3" name="Content Placeholder 2"/>
+          <p:cNvSpPr>
+            <a:spLocks noGrp="1"/>
+          </p:cNvSpPr>
+          <p:nvPr>
+            <p:ph idx="1"/>
+          </p:nvPr>
+        </p:nvSpPr>
+        <p:spPr/>
+        <p:txBody>
+          <a:bodyPr/>
+          <a:lstStyle/>
+          <a:p>
+            <a:r>
+              <a:rPr lang="en-US" dirty="0" smtClean="0"/>
+              <a:t>Motivation</a:t>
+            </a:r>
+          </a:p>
+          <a:p>
+            <a:r>
+              <a:rPr lang="en-US" dirty="0" err="1" smtClean="0"/>
+              <a:t>svn</a:t>
+            </a:r>
+            <a:r>
+              <a:rPr lang="en-US" dirty="0" smtClean="0"/>
+              <a:t>: single user scenario</a:t>
+            </a:r>
+          </a:p>
+          <a:p>
+            <a:r>
+              <a:rPr lang="en-US" dirty="0" err="1" smtClean="0"/>
+              <a:t>svn</a:t>
+            </a:r>
+            <a:r>
+              <a:rPr lang="en-US" dirty="0" smtClean="0"/>
+              <a:t>: multiple user scenario</a:t>
+            </a:r>
+          </a:p>
+          <a:p>
+            <a:r>
+              <a:rPr lang="en-US" dirty="0" smtClean="0"/>
+              <a:t>Demo</a:t>
+            </a:r>
+          </a:p>
+          <a:p>
+            <a:r>
+              <a:rPr lang="en-US" dirty="0" smtClean="0"/>
+              <a:t>Getting more information</a:t>
+            </a:r>
+          </a:p>
+        </p:txBody>
+      </p:sp>
+    </p:spTree>
+  </p:cSld>
+  <p:clrMapOvr>
+    <a:masterClrMapping/>
+  </p:clrMapOvr>
+  <p:timing>
+    <p:tnLst>
+      <p:par>
+        <p:cTn id="1" dur="indefinite" restart="never" nodeType="tmRoot"/>
+      </p:par>
+    </p:tnLst>
+  </p:timing>
+</p:sld>
+</file>
+
+<file path=ppt/slides/slide20.xml><?xml version="1.0" encoding="utf-8"?>
 <p:sld xmlns:a="http://schemas.openxmlformats.org/drawingml/2006/main" xmlns:r="http://schemas.openxmlformats.org/officeDocument/2006/relationships" xmlns:p="http://schemas.openxmlformats.org/presentationml/2006/main">
   <p:cSld>
     <p:spTree>
@@ -9096,116 +10532,7 @@
 </p:sld>
 </file>
 
-<file path=ppt/slides/slide2.xml><?xml version="1.0" encoding="utf-8"?>
-<p:sld xmlns:a="http://schemas.openxmlformats.org/drawingml/2006/main" xmlns:r="http://schemas.openxmlformats.org/officeDocument/2006/relationships" xmlns:p="http://schemas.openxmlformats.org/presentationml/2006/main">
-  <p:cSld>
-    <p:spTree>
-      <p:nvGrpSpPr>
-        <p:cNvPr id="1" name=""/>
-        <p:cNvGrpSpPr/>
-        <p:nvPr/>
-      </p:nvGrpSpPr>
-      <p:grpSpPr>
-        <a:xfrm>
-          <a:off x="0" y="0"/>
-          <a:ext cx="0" cy="0"/>
-          <a:chOff x="0" y="0"/>
-          <a:chExt cx="0" cy="0"/>
-        </a:xfrm>
-      </p:grpSpPr>
-      <p:sp>
-        <p:nvSpPr>
-          <p:cNvPr id="2" name="Title 1"/>
-          <p:cNvSpPr>
-            <a:spLocks noGrp="1"/>
-          </p:cNvSpPr>
-          <p:nvPr>
-            <p:ph type="title"/>
-          </p:nvPr>
-        </p:nvSpPr>
-        <p:spPr/>
-        <p:txBody>
-          <a:bodyPr/>
-          <a:lstStyle/>
-          <a:p>
-            <a:r>
-              <a:rPr lang="en-US" dirty="0" smtClean="0"/>
-              <a:t>Overview</a:t>
-            </a:r>
-            <a:endParaRPr lang="nl-BE" dirty="0"/>
-          </a:p>
-        </p:txBody>
-      </p:sp>
-      <p:sp>
-        <p:nvSpPr>
-          <p:cNvPr id="3" name="Content Placeholder 2"/>
-          <p:cNvSpPr>
-            <a:spLocks noGrp="1"/>
-          </p:cNvSpPr>
-          <p:nvPr>
-            <p:ph idx="1"/>
-          </p:nvPr>
-        </p:nvSpPr>
-        <p:spPr/>
-        <p:txBody>
-          <a:bodyPr/>
-          <a:lstStyle/>
-          <a:p>
-            <a:r>
-              <a:rPr lang="en-US" dirty="0" smtClean="0"/>
-              <a:t>Motivation</a:t>
-            </a:r>
-          </a:p>
-          <a:p>
-            <a:r>
-              <a:rPr lang="en-US" dirty="0" err="1" smtClean="0"/>
-              <a:t>svn</a:t>
-            </a:r>
-            <a:r>
-              <a:rPr lang="en-US" dirty="0" smtClean="0"/>
-              <a:t>: single user scenario</a:t>
-            </a:r>
-          </a:p>
-          <a:p>
-            <a:r>
-              <a:rPr lang="en-US" dirty="0" err="1" smtClean="0"/>
-              <a:t>svn</a:t>
-            </a:r>
-            <a:r>
-              <a:rPr lang="en-US" dirty="0" smtClean="0"/>
-              <a:t>: multiple user scenario</a:t>
-            </a:r>
-          </a:p>
-          <a:p>
-            <a:r>
-              <a:rPr lang="en-US" dirty="0" smtClean="0"/>
-              <a:t>Demo</a:t>
-            </a:r>
-          </a:p>
-          <a:p>
-            <a:r>
-              <a:rPr lang="en-US" dirty="0" smtClean="0"/>
-              <a:t>Getting more information</a:t>
-            </a:r>
-          </a:p>
-        </p:txBody>
-      </p:sp>
-    </p:spTree>
-  </p:cSld>
-  <p:clrMapOvr>
-    <a:masterClrMapping/>
-  </p:clrMapOvr>
-  <p:timing>
-    <p:tnLst>
-      <p:par>
-        <p:cTn id="1" dur="indefinite" restart="never" nodeType="tmRoot"/>
-      </p:par>
-    </p:tnLst>
-  </p:timing>
-</p:sld>
-</file>
-
-<file path=ppt/slides/slide20.xml><?xml version="1.0" encoding="utf-8"?>
+<file path=ppt/slides/slide21.xml><?xml version="1.0" encoding="utf-8"?>
 <p:sld xmlns:a="http://schemas.openxmlformats.org/drawingml/2006/main" xmlns:r="http://schemas.openxmlformats.org/officeDocument/2006/relationships" xmlns:p="http://schemas.openxmlformats.org/presentationml/2006/main">
   <p:cSld>
     <p:spTree>
@@ -9595,7 +10922,7 @@
 </p:sld>
 </file>
 
-<file path=ppt/slides/slide21.xml><?xml version="1.0" encoding="utf-8"?>
+<file path=ppt/slides/slide22.xml><?xml version="1.0" encoding="utf-8"?>
 <p:sld xmlns:a="http://schemas.openxmlformats.org/drawingml/2006/main" xmlns:r="http://schemas.openxmlformats.org/officeDocument/2006/relationships" xmlns:p="http://schemas.openxmlformats.org/presentationml/2006/main">
   <p:cSld>
     <p:spTree>
@@ -9845,7 +11172,7 @@
 </p:sld>
 </file>
 
-<file path=ppt/slides/slide22.xml><?xml version="1.0" encoding="utf-8"?>
+<file path=ppt/slides/slide23.xml><?xml version="1.0" encoding="utf-8"?>
 <p:sld xmlns:a="http://schemas.openxmlformats.org/drawingml/2006/main" xmlns:r="http://schemas.openxmlformats.org/officeDocument/2006/relationships" xmlns:p="http://schemas.openxmlformats.org/presentationml/2006/main">
   <p:cSld>
     <p:spTree>
@@ -10453,7 +11780,7 @@
 </p:sld>
 </file>
 
-<file path=ppt/slides/slide23.xml><?xml version="1.0" encoding="utf-8"?>
+<file path=ppt/slides/slide24.xml><?xml version="1.0" encoding="utf-8"?>
 <p:sld xmlns:a="http://schemas.openxmlformats.org/drawingml/2006/main" xmlns:r="http://schemas.openxmlformats.org/officeDocument/2006/relationships" xmlns:p="http://schemas.openxmlformats.org/presentationml/2006/main">
   <p:cSld>
     <p:spTree>
@@ -10593,7 +11920,7 @@
 </p:sld>
 </file>
 
-<file path=ppt/slides/slide24.xml><?xml version="1.0" encoding="utf-8"?>
+<file path=ppt/slides/slide25.xml><?xml version="1.0" encoding="utf-8"?>
 <p:sld xmlns:a="http://schemas.openxmlformats.org/drawingml/2006/main" xmlns:r="http://schemas.openxmlformats.org/officeDocument/2006/relationships" xmlns:p="http://schemas.openxmlformats.org/presentationml/2006/main">
   <p:cSld>
     <p:spTree>
@@ -11354,7 +12681,7 @@
 </p:sld>
 </file>
 
-<file path=ppt/slides/slide25.xml><?xml version="1.0" encoding="utf-8"?>
+<file path=ppt/slides/slide26.xml><?xml version="1.0" encoding="utf-8"?>
 <p:sld xmlns:a="http://schemas.openxmlformats.org/drawingml/2006/main" xmlns:r="http://schemas.openxmlformats.org/officeDocument/2006/relationships" xmlns:p="http://schemas.openxmlformats.org/presentationml/2006/main">
   <p:cSld>
     <p:spTree>
@@ -12118,7 +13445,7 @@
 </p:sld>
 </file>
 
-<file path=ppt/slides/slide26.xml><?xml version="1.0" encoding="utf-8"?>
+<file path=ppt/slides/slide27.xml><?xml version="1.0" encoding="utf-8"?>
 <p:sld xmlns:a="http://schemas.openxmlformats.org/drawingml/2006/main" xmlns:r="http://schemas.openxmlformats.org/officeDocument/2006/relationships" xmlns:p="http://schemas.openxmlformats.org/presentationml/2006/main">
   <p:cSld>
     <p:spTree>
@@ -14251,7 +15578,7 @@
 </p:sld>
 </file>
 
-<file path=ppt/slides/slide27.xml><?xml version="1.0" encoding="utf-8"?>
+<file path=ppt/slides/slide28.xml><?xml version="1.0" encoding="utf-8"?>
 <p:sld xmlns:a="http://schemas.openxmlformats.org/drawingml/2006/main" xmlns:r="http://schemas.openxmlformats.org/officeDocument/2006/relationships" xmlns:p="http://schemas.openxmlformats.org/presentationml/2006/main">
   <p:cSld>
     <p:spTree>
@@ -15100,7 +16427,7 @@
 </p:sld>
 </file>
 
-<file path=ppt/slides/slide28.xml><?xml version="1.0" encoding="utf-8"?>
+<file path=ppt/slides/slide29.xml><?xml version="1.0" encoding="utf-8"?>
 <p:sld xmlns:a="http://schemas.openxmlformats.org/drawingml/2006/main" xmlns:r="http://schemas.openxmlformats.org/officeDocument/2006/relationships" xmlns:p="http://schemas.openxmlformats.org/presentationml/2006/main">
   <p:cSld>
     <p:spTree>
@@ -18237,7 +19564,81 @@
 </p:sld>
 </file>
 
-<file path=ppt/slides/slide29.xml><?xml version="1.0" encoding="utf-8"?>
+<file path=ppt/slides/slide3.xml><?xml version="1.0" encoding="utf-8"?>
+<p:sld xmlns:a="http://schemas.openxmlformats.org/drawingml/2006/main" xmlns:r="http://schemas.openxmlformats.org/officeDocument/2006/relationships" xmlns:p="http://schemas.openxmlformats.org/presentationml/2006/main">
+  <p:cSld>
+    <p:spTree>
+      <p:nvGrpSpPr>
+        <p:cNvPr id="1" name=""/>
+        <p:cNvGrpSpPr/>
+        <p:nvPr/>
+      </p:nvGrpSpPr>
+      <p:grpSpPr>
+        <a:xfrm>
+          <a:off x="0" y="0"/>
+          <a:ext cx="0" cy="0"/>
+          <a:chOff x="0" y="0"/>
+          <a:chExt cx="0" cy="0"/>
+        </a:xfrm>
+      </p:grpSpPr>
+      <p:sp>
+        <p:nvSpPr>
+          <p:cNvPr id="2" name="Title 1"/>
+          <p:cNvSpPr>
+            <a:spLocks noGrp="1"/>
+          </p:cNvSpPr>
+          <p:nvPr>
+            <p:ph type="title"/>
+          </p:nvPr>
+        </p:nvSpPr>
+        <p:spPr/>
+        <p:txBody>
+          <a:bodyPr/>
+          <a:lstStyle/>
+          <a:p>
+            <a:r>
+              <a:rPr lang="en-US" dirty="0" smtClean="0"/>
+              <a:t>Motivation</a:t>
+            </a:r>
+            <a:endParaRPr lang="nl-BE" dirty="0"/>
+          </a:p>
+        </p:txBody>
+      </p:sp>
+      <p:sp>
+        <p:nvSpPr>
+          <p:cNvPr id="3" name="Text Placeholder 2"/>
+          <p:cNvSpPr>
+            <a:spLocks noGrp="1"/>
+          </p:cNvSpPr>
+          <p:nvPr>
+            <p:ph type="body" idx="1"/>
+          </p:nvPr>
+        </p:nvSpPr>
+        <p:spPr/>
+        <p:txBody>
+          <a:bodyPr/>
+          <a:lstStyle/>
+          <a:p>
+            <a:endParaRPr lang="nl-BE"/>
+          </a:p>
+        </p:txBody>
+      </p:sp>
+    </p:spTree>
+  </p:cSld>
+  <p:clrMapOvr>
+    <a:masterClrMapping/>
+  </p:clrMapOvr>
+  <p:timing>
+    <p:tnLst>
+      <p:par>
+        <p:cTn id="1" dur="indefinite" restart="never" nodeType="tmRoot"/>
+      </p:par>
+    </p:tnLst>
+  </p:timing>
+</p:sld>
+</file>
+
+<file path=ppt/slides/slide30.xml><?xml version="1.0" encoding="utf-8"?>
 <p:sld xmlns:a="http://schemas.openxmlformats.org/drawingml/2006/main" xmlns:r="http://schemas.openxmlformats.org/officeDocument/2006/relationships" xmlns:p="http://schemas.openxmlformats.org/presentationml/2006/main">
   <p:cSld>
     <p:spTree>
@@ -18838,81 +20239,7 @@
 </p:sld>
 </file>
 
-<file path=ppt/slides/slide3.xml><?xml version="1.0" encoding="utf-8"?>
-<p:sld xmlns:a="http://schemas.openxmlformats.org/drawingml/2006/main" xmlns:r="http://schemas.openxmlformats.org/officeDocument/2006/relationships" xmlns:p="http://schemas.openxmlformats.org/presentationml/2006/main">
-  <p:cSld>
-    <p:spTree>
-      <p:nvGrpSpPr>
-        <p:cNvPr id="1" name=""/>
-        <p:cNvGrpSpPr/>
-        <p:nvPr/>
-      </p:nvGrpSpPr>
-      <p:grpSpPr>
-        <a:xfrm>
-          <a:off x="0" y="0"/>
-          <a:ext cx="0" cy="0"/>
-          <a:chOff x="0" y="0"/>
-          <a:chExt cx="0" cy="0"/>
-        </a:xfrm>
-      </p:grpSpPr>
-      <p:sp>
-        <p:nvSpPr>
-          <p:cNvPr id="2" name="Title 1"/>
-          <p:cNvSpPr>
-            <a:spLocks noGrp="1"/>
-          </p:cNvSpPr>
-          <p:nvPr>
-            <p:ph type="title"/>
-          </p:nvPr>
-        </p:nvSpPr>
-        <p:spPr/>
-        <p:txBody>
-          <a:bodyPr/>
-          <a:lstStyle/>
-          <a:p>
-            <a:r>
-              <a:rPr lang="en-US" dirty="0" smtClean="0"/>
-              <a:t>Motivation</a:t>
-            </a:r>
-            <a:endParaRPr lang="nl-BE" dirty="0"/>
-          </a:p>
-        </p:txBody>
-      </p:sp>
-      <p:sp>
-        <p:nvSpPr>
-          <p:cNvPr id="3" name="Text Placeholder 2"/>
-          <p:cNvSpPr>
-            <a:spLocks noGrp="1"/>
-          </p:cNvSpPr>
-          <p:nvPr>
-            <p:ph type="body" idx="1"/>
-          </p:nvPr>
-        </p:nvSpPr>
-        <p:spPr/>
-        <p:txBody>
-          <a:bodyPr/>
-          <a:lstStyle/>
-          <a:p>
-            <a:endParaRPr lang="nl-BE"/>
-          </a:p>
-        </p:txBody>
-      </p:sp>
-    </p:spTree>
-  </p:cSld>
-  <p:clrMapOvr>
-    <a:masterClrMapping/>
-  </p:clrMapOvr>
-  <p:timing>
-    <p:tnLst>
-      <p:par>
-        <p:cTn id="1" dur="indefinite" restart="never" nodeType="tmRoot"/>
-      </p:par>
-    </p:tnLst>
-  </p:timing>
-</p:sld>
-</file>
-
-<file path=ppt/slides/slide30.xml><?xml version="1.0" encoding="utf-8"?>
+<file path=ppt/slides/slide31.xml><?xml version="1.0" encoding="utf-8"?>
 <p:sld xmlns:a="http://schemas.openxmlformats.org/drawingml/2006/main" xmlns:r="http://schemas.openxmlformats.org/officeDocument/2006/relationships" xmlns:p="http://schemas.openxmlformats.org/presentationml/2006/main">
   <p:cSld>
     <p:spTree>
@@ -19614,7 +20941,7 @@
 </p:sld>
 </file>
 
-<file path=ppt/slides/slide31.xml><?xml version="1.0" encoding="utf-8"?>
+<file path=ppt/slides/slide32.xml><?xml version="1.0" encoding="utf-8"?>
 <p:sld xmlns:a="http://schemas.openxmlformats.org/drawingml/2006/main" xmlns:r="http://schemas.openxmlformats.org/officeDocument/2006/relationships" xmlns:p="http://schemas.openxmlformats.org/presentationml/2006/main">
   <p:cSld>
     <p:spTree>
@@ -20297,7 +21624,7 @@
 </p:sld>
 </file>
 
-<file path=ppt/slides/slide32.xml><?xml version="1.0" encoding="utf-8"?>
+<file path=ppt/slides/slide33.xml><?xml version="1.0" encoding="utf-8"?>
 <p:sld xmlns:a="http://schemas.openxmlformats.org/drawingml/2006/main" xmlns:r="http://schemas.openxmlformats.org/officeDocument/2006/relationships" xmlns:p="http://schemas.openxmlformats.org/presentationml/2006/main">
   <p:cSld>
     <p:spTree>
@@ -21032,7 +22359,7 @@
 </p:sld>
 </file>
 
-<file path=ppt/slides/slide33.xml><?xml version="1.0" encoding="utf-8"?>
+<file path=ppt/slides/slide34.xml><?xml version="1.0" encoding="utf-8"?>
 <p:sld xmlns:a="http://schemas.openxmlformats.org/drawingml/2006/main" xmlns:r="http://schemas.openxmlformats.org/officeDocument/2006/relationships" xmlns:p="http://schemas.openxmlformats.org/presentationml/2006/main">
   <p:cSld>
     <p:spTree>
@@ -21554,7 +22881,7 @@
 </p:sld>
 </file>
 
-<file path=ppt/slides/slide34.xml><?xml version="1.0" encoding="utf-8"?>
+<file path=ppt/slides/slide35.xml><?xml version="1.0" encoding="utf-8"?>
 <p:sld xmlns:a="http://schemas.openxmlformats.org/drawingml/2006/main" xmlns:r="http://schemas.openxmlformats.org/officeDocument/2006/relationships" xmlns:p="http://schemas.openxmlformats.org/presentationml/2006/main">
   <p:cSld>
     <p:spTree>
@@ -22196,7 +23523,7 @@
 </p:sld>
 </file>
 
-<file path=ppt/slides/slide35.xml><?xml version="1.0" encoding="utf-8"?>
+<file path=ppt/slides/slide36.xml><?xml version="1.0" encoding="utf-8"?>
 <p:sld xmlns:a="http://schemas.openxmlformats.org/drawingml/2006/main" xmlns:r="http://schemas.openxmlformats.org/officeDocument/2006/relationships" xmlns:p="http://schemas.openxmlformats.org/presentationml/2006/main">
   <p:cSld>
     <p:spTree>
@@ -23103,7 +24430,7 @@
 </p:sld>
 </file>
 
-<file path=ppt/slides/slide36.xml><?xml version="1.0" encoding="utf-8"?>
+<file path=ppt/slides/slide37.xml><?xml version="1.0" encoding="utf-8"?>
 <p:sld xmlns:a="http://schemas.openxmlformats.org/drawingml/2006/main" xmlns:r="http://schemas.openxmlformats.org/officeDocument/2006/relationships" xmlns:p="http://schemas.openxmlformats.org/presentationml/2006/main">
   <p:cSld>
     <p:spTree>
@@ -23806,7 +25133,7 @@
 </p:sld>
 </file>
 
-<file path=ppt/slides/slide37.xml><?xml version="1.0" encoding="utf-8"?>
+<file path=ppt/slides/slide38.xml><?xml version="1.0" encoding="utf-8"?>
 <p:sld xmlns:a="http://schemas.openxmlformats.org/drawingml/2006/main" xmlns:r="http://schemas.openxmlformats.org/officeDocument/2006/relationships" xmlns:p="http://schemas.openxmlformats.org/presentationml/2006/main">
   <p:cSld>
     <p:spTree>
@@ -24542,7 +25869,7 @@
 </p:sld>
 </file>
 
-<file path=ppt/slides/slide38.xml><?xml version="1.0" encoding="utf-8"?>
+<file path=ppt/slides/slide39.xml><?xml version="1.0" encoding="utf-8"?>
 <p:sld xmlns:a="http://schemas.openxmlformats.org/drawingml/2006/main" xmlns:r="http://schemas.openxmlformats.org/officeDocument/2006/relationships" xmlns:p="http://schemas.openxmlformats.org/presentationml/2006/main">
   <p:cSld>
     <p:spTree>
@@ -24978,7 +26305,108 @@
 </p:sld>
 </file>
 
-<file path=ppt/slides/slide39.xml><?xml version="1.0" encoding="utf-8"?>
+<file path=ppt/slides/slide4.xml><?xml version="1.0" encoding="utf-8"?>
+<p:sld xmlns:a="http://schemas.openxmlformats.org/drawingml/2006/main" xmlns:r="http://schemas.openxmlformats.org/officeDocument/2006/relationships" xmlns:p="http://schemas.openxmlformats.org/presentationml/2006/main">
+  <p:cSld>
+    <p:spTree>
+      <p:nvGrpSpPr>
+        <p:cNvPr id="1" name=""/>
+        <p:cNvGrpSpPr/>
+        <p:nvPr/>
+      </p:nvGrpSpPr>
+      <p:grpSpPr>
+        <a:xfrm>
+          <a:off x="0" y="0"/>
+          <a:ext cx="0" cy="0"/>
+          <a:chOff x="0" y="0"/>
+          <a:chExt cx="0" cy="0"/>
+        </a:xfrm>
+      </p:grpSpPr>
+      <p:sp>
+        <p:nvSpPr>
+          <p:cNvPr id="6" name="Title 5"/>
+          <p:cNvSpPr>
+            <a:spLocks noGrp="1"/>
+          </p:cNvSpPr>
+          <p:nvPr>
+            <p:ph type="title"/>
+          </p:nvPr>
+        </p:nvSpPr>
+        <p:spPr/>
+        <p:txBody>
+          <a:bodyPr/>
+          <a:lstStyle/>
+          <a:p>
+            <a:r>
+              <a:rPr lang="en-US" dirty="0" smtClean="0"/>
+              <a:t>It's a beautiful autumn day…</a:t>
+            </a:r>
+            <a:endParaRPr lang="nl-BE" dirty="0"/>
+          </a:p>
+        </p:txBody>
+      </p:sp>
+      <p:pic>
+        <p:nvPicPr>
+          <p:cNvPr id="1026" name="Picture 2" descr="C:\Users\lucg5005\Desktop\DSCF1116.jpg"/>
+          <p:cNvPicPr>
+            <a:picLocks noChangeAspect="1" noChangeArrowheads="1"/>
+          </p:cNvPicPr>
+          <p:nvPr/>
+        </p:nvPicPr>
+        <p:blipFill>
+          <a:blip r:embed="rId2" cstate="print">
+            <a:extLst>
+              <a:ext uri="{28A0092B-C50C-407E-A947-70E740481C1C}">
+                <a14:useLocalDpi xmlns:a14="http://schemas.microsoft.com/office/drawing/2010/main" val="0"/>
+              </a:ext>
+            </a:extLst>
+          </a:blip>
+          <a:srcRect/>
+          <a:stretch>
+            <a:fillRect/>
+          </a:stretch>
+        </p:blipFill>
+        <p:spPr bwMode="auto">
+          <a:xfrm>
+            <a:off x="1219795" y="1279015"/>
+            <a:ext cx="6736581" cy="5390345"/>
+          </a:xfrm>
+          <a:prstGeom prst="rect">
+            <a:avLst/>
+          </a:prstGeom>
+          <a:noFill/>
+          <a:extLst>
+            <a:ext uri="{909E8E84-426E-40DD-AFC4-6F175D3DCCD1}">
+              <a14:hiddenFill xmlns:a14="http://schemas.microsoft.com/office/drawing/2010/main">
+                <a:solidFill>
+                  <a:srgbClr val="FFFFFF"/>
+                </a:solidFill>
+              </a14:hiddenFill>
+            </a:ext>
+          </a:extLst>
+        </p:spPr>
+      </p:pic>
+    </p:spTree>
+    <p:extLst>
+      <p:ext uri="{BB962C8B-B14F-4D97-AF65-F5344CB8AC3E}">
+        <p14:creationId xmlns:p14="http://schemas.microsoft.com/office/powerpoint/2010/main" val="740230368"/>
+      </p:ext>
+    </p:extLst>
+  </p:cSld>
+  <p:clrMapOvr>
+    <a:masterClrMapping/>
+  </p:clrMapOvr>
+  <p:timing>
+    <p:tnLst>
+      <p:par>
+        <p:cTn id="1" dur="indefinite" restart="never" nodeType="tmRoot"/>
+      </p:par>
+    </p:tnLst>
+  </p:timing>
+</p:sld>
+</file>
+
+<file path=ppt/slides/slide40.xml><?xml version="1.0" encoding="utf-8"?>
 <p:sld xmlns:a="http://schemas.openxmlformats.org/drawingml/2006/main" xmlns:r="http://schemas.openxmlformats.org/officeDocument/2006/relationships" xmlns:p="http://schemas.openxmlformats.org/presentationml/2006/main">
   <p:cSld>
     <p:spTree>
@@ -25715,178 +27143,6 @@
 </p:sld>
 </file>
 
-<file path=ppt/slides/slide4.xml><?xml version="1.0" encoding="utf-8"?>
-<p:sld xmlns:a="http://schemas.openxmlformats.org/drawingml/2006/main" xmlns:r="http://schemas.openxmlformats.org/officeDocument/2006/relationships" xmlns:p="http://schemas.openxmlformats.org/presentationml/2006/main">
-  <p:cSld>
-    <p:spTree>
-      <p:nvGrpSpPr>
-        <p:cNvPr id="1" name=""/>
-        <p:cNvGrpSpPr/>
-        <p:nvPr/>
-      </p:nvGrpSpPr>
-      <p:grpSpPr>
-        <a:xfrm>
-          <a:off x="0" y="0"/>
-          <a:ext cx="0" cy="0"/>
-          <a:chOff x="0" y="0"/>
-          <a:chExt cx="0" cy="0"/>
-        </a:xfrm>
-      </p:grpSpPr>
-      <p:sp>
-        <p:nvSpPr>
-          <p:cNvPr id="6" name="Title 5"/>
-          <p:cNvSpPr>
-            <a:spLocks noGrp="1"/>
-          </p:cNvSpPr>
-          <p:nvPr>
-            <p:ph type="title"/>
-          </p:nvPr>
-        </p:nvSpPr>
-        <p:spPr/>
-        <p:txBody>
-          <a:bodyPr/>
-          <a:lstStyle/>
-          <a:p>
-            <a:r>
-              <a:rPr lang="en-US" dirty="0" smtClean="0"/>
-              <a:t>It's a beautiful autumn day…</a:t>
-            </a:r>
-            <a:endParaRPr lang="nl-BE" dirty="0"/>
-          </a:p>
-        </p:txBody>
-      </p:sp>
-      <p:pic>
-        <p:nvPicPr>
-          <p:cNvPr id="1026" name="Picture 2" descr="C:\Users\lucg5005\Desktop\DSCF1116.jpg"/>
-          <p:cNvPicPr>
-            <a:picLocks noChangeAspect="1" noChangeArrowheads="1"/>
-          </p:cNvPicPr>
-          <p:nvPr/>
-        </p:nvPicPr>
-        <p:blipFill>
-          <a:blip r:embed="rId2" cstate="print">
-            <a:extLst>
-              <a:ext uri="{28A0092B-C50C-407E-A947-70E740481C1C}">
-                <a14:useLocalDpi xmlns:a14="http://schemas.microsoft.com/office/drawing/2010/main" val="0"/>
-              </a:ext>
-            </a:extLst>
-          </a:blip>
-          <a:srcRect/>
-          <a:stretch>
-            <a:fillRect/>
-          </a:stretch>
-        </p:blipFill>
-        <p:spPr bwMode="auto">
-          <a:xfrm>
-            <a:off x="1219795" y="1279015"/>
-            <a:ext cx="6736581" cy="5390345"/>
-          </a:xfrm>
-          <a:prstGeom prst="rect">
-            <a:avLst/>
-          </a:prstGeom>
-          <a:noFill/>
-          <a:extLst>
-            <a:ext uri="{909E8E84-426E-40DD-AFC4-6F175D3DCCD1}">
-              <a14:hiddenFill xmlns:a14="http://schemas.microsoft.com/office/drawing/2010/main">
-                <a:solidFill>
-                  <a:srgbClr val="FFFFFF"/>
-                </a:solidFill>
-              </a14:hiddenFill>
-            </a:ext>
-          </a:extLst>
-        </p:spPr>
-      </p:pic>
-    </p:spTree>
-    <p:extLst>
-      <p:ext uri="{BB962C8B-B14F-4D97-AF65-F5344CB8AC3E}">
-        <p14:creationId xmlns:p14="http://schemas.microsoft.com/office/powerpoint/2010/main" val="740230368"/>
-      </p:ext>
-    </p:extLst>
-  </p:cSld>
-  <p:clrMapOvr>
-    <a:masterClrMapping/>
-  </p:clrMapOvr>
-</p:sld>
-</file>
-
-<file path=ppt/slides/slide40.xml><?xml version="1.0" encoding="utf-8"?>
-<p:sld xmlns:a="http://schemas.openxmlformats.org/drawingml/2006/main" xmlns:r="http://schemas.openxmlformats.org/officeDocument/2006/relationships" xmlns:p="http://schemas.openxmlformats.org/presentationml/2006/main">
-  <p:cSld>
-    <p:spTree>
-      <p:nvGrpSpPr>
-        <p:cNvPr id="1" name=""/>
-        <p:cNvGrpSpPr/>
-        <p:nvPr/>
-      </p:nvGrpSpPr>
-      <p:grpSpPr>
-        <a:xfrm>
-          <a:off x="0" y="0"/>
-          <a:ext cx="0" cy="0"/>
-          <a:chOff x="0" y="0"/>
-          <a:chExt cx="0" cy="0"/>
-        </a:xfrm>
-      </p:grpSpPr>
-      <p:sp>
-        <p:nvSpPr>
-          <p:cNvPr id="2" name="Title 1"/>
-          <p:cNvSpPr>
-            <a:spLocks noGrp="1"/>
-          </p:cNvSpPr>
-          <p:nvPr>
-            <p:ph type="title"/>
-          </p:nvPr>
-        </p:nvSpPr>
-        <p:spPr/>
-        <p:txBody>
-          <a:bodyPr/>
-          <a:lstStyle/>
-          <a:p>
-            <a:r>
-              <a:rPr lang="en-US" dirty="0" err="1" smtClean="0"/>
-              <a:t>Svn</a:t>
-            </a:r>
-            <a:r>
-              <a:rPr lang="en-US" dirty="0" smtClean="0"/>
-              <a:t>: multiple user scenario</a:t>
-            </a:r>
-            <a:endParaRPr lang="nl-BE" dirty="0"/>
-          </a:p>
-        </p:txBody>
-      </p:sp>
-      <p:sp>
-        <p:nvSpPr>
-          <p:cNvPr id="3" name="Text Placeholder 2"/>
-          <p:cNvSpPr>
-            <a:spLocks noGrp="1"/>
-          </p:cNvSpPr>
-          <p:nvPr>
-            <p:ph type="body" idx="1"/>
-          </p:nvPr>
-        </p:nvSpPr>
-        <p:spPr/>
-        <p:txBody>
-          <a:bodyPr/>
-          <a:lstStyle/>
-          <a:p>
-            <a:endParaRPr lang="nl-BE"/>
-          </a:p>
-        </p:txBody>
-      </p:sp>
-    </p:spTree>
-  </p:cSld>
-  <p:clrMapOvr>
-    <a:masterClrMapping/>
-  </p:clrMapOvr>
-  <p:timing>
-    <p:tnLst>
-      <p:par>
-        <p:cTn id="1" dur="indefinite" restart="never" nodeType="tmRoot"/>
-      </p:par>
-    </p:tnLst>
-  </p:timing>
-</p:sld>
-</file>
-
 <file path=ppt/slides/slide41.xml><?xml version="1.0" encoding="utf-8"?>
 <p:sld xmlns:a="http://schemas.openxmlformats.org/drawingml/2006/main" xmlns:r="http://schemas.openxmlformats.org/officeDocument/2006/relationships" xmlns:p="http://schemas.openxmlformats.org/presentationml/2006/main">
   <p:cSld>
@@ -25920,6 +27176,84 @@
           <a:lstStyle/>
           <a:p>
             <a:r>
+              <a:rPr lang="en-US" dirty="0" err="1" smtClean="0"/>
+              <a:t>Svn</a:t>
+            </a:r>
+            <a:r>
+              <a:rPr lang="en-US" dirty="0" smtClean="0"/>
+              <a:t>: multiple user scenario</a:t>
+            </a:r>
+            <a:endParaRPr lang="nl-BE" dirty="0"/>
+          </a:p>
+        </p:txBody>
+      </p:sp>
+      <p:sp>
+        <p:nvSpPr>
+          <p:cNvPr id="3" name="Text Placeholder 2"/>
+          <p:cNvSpPr>
+            <a:spLocks noGrp="1"/>
+          </p:cNvSpPr>
+          <p:nvPr>
+            <p:ph type="body" idx="1"/>
+          </p:nvPr>
+        </p:nvSpPr>
+        <p:spPr/>
+        <p:txBody>
+          <a:bodyPr/>
+          <a:lstStyle/>
+          <a:p>
+            <a:endParaRPr lang="nl-BE"/>
+          </a:p>
+        </p:txBody>
+      </p:sp>
+    </p:spTree>
+  </p:cSld>
+  <p:clrMapOvr>
+    <a:masterClrMapping/>
+  </p:clrMapOvr>
+  <p:timing>
+    <p:tnLst>
+      <p:par>
+        <p:cTn id="1" dur="indefinite" restart="never" nodeType="tmRoot"/>
+      </p:par>
+    </p:tnLst>
+  </p:timing>
+</p:sld>
+</file>
+
+<file path=ppt/slides/slide42.xml><?xml version="1.0" encoding="utf-8"?>
+<p:sld xmlns:a="http://schemas.openxmlformats.org/drawingml/2006/main" xmlns:r="http://schemas.openxmlformats.org/officeDocument/2006/relationships" xmlns:p="http://schemas.openxmlformats.org/presentationml/2006/main">
+  <p:cSld>
+    <p:spTree>
+      <p:nvGrpSpPr>
+        <p:cNvPr id="1" name=""/>
+        <p:cNvGrpSpPr/>
+        <p:nvPr/>
+      </p:nvGrpSpPr>
+      <p:grpSpPr>
+        <a:xfrm>
+          <a:off x="0" y="0"/>
+          <a:ext cx="0" cy="0"/>
+          <a:chOff x="0" y="0"/>
+          <a:chExt cx="0" cy="0"/>
+        </a:xfrm>
+      </p:grpSpPr>
+      <p:sp>
+        <p:nvSpPr>
+          <p:cNvPr id="2" name="Title 1"/>
+          <p:cNvSpPr>
+            <a:spLocks noGrp="1"/>
+          </p:cNvSpPr>
+          <p:nvPr>
+            <p:ph type="title"/>
+          </p:nvPr>
+        </p:nvSpPr>
+        <p:spPr/>
+        <p:txBody>
+          <a:bodyPr/>
+          <a:lstStyle/>
+          <a:p>
+            <a:r>
               <a:rPr lang="en-US" dirty="0" smtClean="0"/>
               <a:t>Overview</a:t>
             </a:r>
@@ -26026,7 +27360,7 @@
 </p:sld>
 </file>
 
-<file path=ppt/slides/slide42.xml><?xml version="1.0" encoding="utf-8"?>
+<file path=ppt/slides/slide43.xml><?xml version="1.0" encoding="utf-8"?>
 <p:sld xmlns:a="http://schemas.openxmlformats.org/drawingml/2006/main" xmlns:r="http://schemas.openxmlformats.org/officeDocument/2006/relationships" xmlns:p="http://schemas.openxmlformats.org/presentationml/2006/main">
   <p:cSld>
     <p:bg>
@@ -26827,7 +28161,7 @@
 </p:sld>
 </file>
 
-<file path=ppt/slides/slide43.xml><?xml version="1.0" encoding="utf-8"?>
+<file path=ppt/slides/slide44.xml><?xml version="1.0" encoding="utf-8"?>
 <p:sld xmlns:a="http://schemas.openxmlformats.org/drawingml/2006/main" xmlns:r="http://schemas.openxmlformats.org/officeDocument/2006/relationships" xmlns:p="http://schemas.openxmlformats.org/presentationml/2006/main">
   <p:cSld>
     <p:spTree>
@@ -28803,7 +30137,7 @@
 </p:sld>
 </file>
 
-<file path=ppt/slides/slide44.xml><?xml version="1.0" encoding="utf-8"?>
+<file path=ppt/slides/slide45.xml><?xml version="1.0" encoding="utf-8"?>
 <p:sld xmlns:a="http://schemas.openxmlformats.org/drawingml/2006/main" xmlns:r="http://schemas.openxmlformats.org/officeDocument/2006/relationships" xmlns:p="http://schemas.openxmlformats.org/presentationml/2006/main">
   <p:cSld>
     <p:spTree>
@@ -29705,7 +31039,7 @@
 </p:sld>
 </file>
 
-<file path=ppt/slides/slide45.xml><?xml version="1.0" encoding="utf-8"?>
+<file path=ppt/slides/slide46.xml><?xml version="1.0" encoding="utf-8"?>
 <p:sld xmlns:a="http://schemas.openxmlformats.org/drawingml/2006/main" xmlns:r="http://schemas.openxmlformats.org/officeDocument/2006/relationships" xmlns:p="http://schemas.openxmlformats.org/presentationml/2006/main">
   <p:cSld>
     <p:spTree>
@@ -30741,7 +32075,7 @@
 </p:sld>
 </file>
 
-<file path=ppt/slides/slide46.xml><?xml version="1.0" encoding="utf-8"?>
+<file path=ppt/slides/slide47.xml><?xml version="1.0" encoding="utf-8"?>
 <p:sld xmlns:a="http://schemas.openxmlformats.org/drawingml/2006/main" xmlns:r="http://schemas.openxmlformats.org/officeDocument/2006/relationships" xmlns:p="http://schemas.openxmlformats.org/presentationml/2006/main">
   <p:cSld>
     <p:bg>
@@ -30841,7 +32175,7 @@
 </p:sld>
 </file>
 
-<file path=ppt/slides/slide47.xml><?xml version="1.0" encoding="utf-8"?>
+<file path=ppt/slides/slide48.xml><?xml version="1.0" encoding="utf-8"?>
 <p:sld xmlns:a="http://schemas.openxmlformats.org/drawingml/2006/main" xmlns:r="http://schemas.openxmlformats.org/officeDocument/2006/relationships" xmlns:p="http://schemas.openxmlformats.org/presentationml/2006/main">
   <p:cSld>
     <p:spTree>
@@ -31848,7 +33182,7 @@
 </p:sld>
 </file>
 
-<file path=ppt/slides/slide48.xml><?xml version="1.0" encoding="utf-8"?>
+<file path=ppt/slides/slide49.xml><?xml version="1.0" encoding="utf-8"?>
 <p:sld xmlns:a="http://schemas.openxmlformats.org/drawingml/2006/main" xmlns:r="http://schemas.openxmlformats.org/officeDocument/2006/relationships" xmlns:p="http://schemas.openxmlformats.org/presentationml/2006/main">
   <p:cSld>
     <p:spTree>
@@ -32647,7 +33981,229 @@
 </p:sld>
 </file>
 
-<file path=ppt/slides/slide49.xml><?xml version="1.0" encoding="utf-8"?>
+<file path=ppt/slides/slide5.xml><?xml version="1.0" encoding="utf-8"?>
+<p:sld xmlns:a="http://schemas.openxmlformats.org/drawingml/2006/main" xmlns:r="http://schemas.openxmlformats.org/officeDocument/2006/relationships" xmlns:p="http://schemas.openxmlformats.org/presentationml/2006/main">
+  <p:cSld>
+    <p:spTree>
+      <p:nvGrpSpPr>
+        <p:cNvPr id="1" name=""/>
+        <p:cNvGrpSpPr/>
+        <p:nvPr/>
+      </p:nvGrpSpPr>
+      <p:grpSpPr>
+        <a:xfrm>
+          <a:off x="0" y="0"/>
+          <a:ext cx="0" cy="0"/>
+          <a:chOff x="0" y="0"/>
+          <a:chExt cx="0" cy="0"/>
+        </a:xfrm>
+      </p:grpSpPr>
+      <p:sp>
+        <p:nvSpPr>
+          <p:cNvPr id="2" name="Slide Number Placeholder 1"/>
+          <p:cNvSpPr>
+            <a:spLocks noGrp="1"/>
+          </p:cNvSpPr>
+          <p:nvPr>
+            <p:ph type="sldNum" sz="quarter" idx="12"/>
+          </p:nvPr>
+        </p:nvSpPr>
+        <p:spPr/>
+        <p:txBody>
+          <a:bodyPr/>
+          <a:lstStyle/>
+          <a:p>
+            <a:fld id="{BB52A05A-A776-4391-ACD7-D6BC34D3145C}" type="slidenum">
+              <a:rPr lang="nl-BE" smtClean="0"/>
+              <a:t>5</a:t>
+            </a:fld>
+            <a:endParaRPr lang="nl-BE"/>
+          </a:p>
+        </p:txBody>
+      </p:sp>
+      <p:pic>
+        <p:nvPicPr>
+          <p:cNvPr id="3" name="Picture 2"/>
+          <p:cNvPicPr>
+            <a:picLocks noChangeAspect="1"/>
+          </p:cNvPicPr>
+          <p:nvPr/>
+        </p:nvPicPr>
+        <p:blipFill>
+          <a:blip r:embed="rId2"/>
+          <a:stretch>
+            <a:fillRect/>
+          </a:stretch>
+        </p:blipFill>
+        <p:spPr>
+          <a:xfrm>
+            <a:off x="201044" y="620688"/>
+            <a:ext cx="8741912" cy="5616623"/>
+          </a:xfrm>
+          <a:prstGeom prst="rect">
+            <a:avLst/>
+          </a:prstGeom>
+        </p:spPr>
+      </p:pic>
+      <p:sp>
+        <p:nvSpPr>
+          <p:cNvPr id="4" name="Rounded Rectangle 3"/>
+          <p:cNvSpPr/>
+          <p:nvPr/>
+        </p:nvSpPr>
+        <p:spPr>
+          <a:xfrm>
+            <a:off x="1331640" y="1196752"/>
+            <a:ext cx="936104" cy="216024"/>
+          </a:xfrm>
+          <a:prstGeom prst="roundRect">
+            <a:avLst/>
+          </a:prstGeom>
+          <a:solidFill>
+            <a:schemeClr val="tx1"/>
+          </a:solidFill>
+          <a:ln>
+            <a:noFill/>
+          </a:ln>
+        </p:spPr>
+        <p:style>
+          <a:lnRef idx="2">
+            <a:schemeClr val="accent1">
+              <a:shade val="50000"/>
+            </a:schemeClr>
+          </a:lnRef>
+          <a:fillRef idx="1">
+            <a:schemeClr val="accent1"/>
+          </a:fillRef>
+          <a:effectRef idx="0">
+            <a:schemeClr val="accent1"/>
+          </a:effectRef>
+          <a:fontRef idx="minor">
+            <a:schemeClr val="lt1"/>
+          </a:fontRef>
+        </p:style>
+        <p:txBody>
+          <a:bodyPr rtlCol="0" anchor="ctr"/>
+          <a:lstStyle/>
+          <a:p>
+            <a:pPr algn="ctr"/>
+            <a:endParaRPr lang="en-US"/>
+          </a:p>
+        </p:txBody>
+      </p:sp>
+      <p:sp>
+        <p:nvSpPr>
+          <p:cNvPr id="5" name="Rounded Rectangle 4"/>
+          <p:cNvSpPr/>
+          <p:nvPr/>
+        </p:nvSpPr>
+        <p:spPr>
+          <a:xfrm>
+            <a:off x="1198015" y="2020013"/>
+            <a:ext cx="936104" cy="216024"/>
+          </a:xfrm>
+          <a:prstGeom prst="roundRect">
+            <a:avLst/>
+          </a:prstGeom>
+          <a:solidFill>
+            <a:schemeClr val="tx1"/>
+          </a:solidFill>
+          <a:ln>
+            <a:noFill/>
+          </a:ln>
+        </p:spPr>
+        <p:style>
+          <a:lnRef idx="2">
+            <a:schemeClr val="accent1">
+              <a:shade val="50000"/>
+            </a:schemeClr>
+          </a:lnRef>
+          <a:fillRef idx="1">
+            <a:schemeClr val="accent1"/>
+          </a:fillRef>
+          <a:effectRef idx="0">
+            <a:schemeClr val="accent1"/>
+          </a:effectRef>
+          <a:fontRef idx="minor">
+            <a:schemeClr val="lt1"/>
+          </a:fontRef>
+        </p:style>
+        <p:txBody>
+          <a:bodyPr rtlCol="0" anchor="ctr"/>
+          <a:lstStyle/>
+          <a:p>
+            <a:pPr algn="ctr"/>
+            <a:endParaRPr lang="en-US"/>
+          </a:p>
+        </p:txBody>
+      </p:sp>
+      <p:sp>
+        <p:nvSpPr>
+          <p:cNvPr id="6" name="Rounded Rectangle 5"/>
+          <p:cNvSpPr/>
+          <p:nvPr/>
+        </p:nvSpPr>
+        <p:spPr>
+          <a:xfrm>
+            <a:off x="411498" y="1963591"/>
+            <a:ext cx="288032" cy="112843"/>
+          </a:xfrm>
+          <a:prstGeom prst="roundRect">
+            <a:avLst/>
+          </a:prstGeom>
+          <a:solidFill>
+            <a:schemeClr val="tx1"/>
+          </a:solidFill>
+          <a:ln>
+            <a:noFill/>
+          </a:ln>
+        </p:spPr>
+        <p:style>
+          <a:lnRef idx="2">
+            <a:schemeClr val="accent1">
+              <a:shade val="50000"/>
+            </a:schemeClr>
+          </a:lnRef>
+          <a:fillRef idx="1">
+            <a:schemeClr val="accent1"/>
+          </a:fillRef>
+          <a:effectRef idx="0">
+            <a:schemeClr val="accent1"/>
+          </a:effectRef>
+          <a:fontRef idx="minor">
+            <a:schemeClr val="lt1"/>
+          </a:fontRef>
+        </p:style>
+        <p:txBody>
+          <a:bodyPr rtlCol="0" anchor="ctr"/>
+          <a:lstStyle/>
+          <a:p>
+            <a:pPr algn="ctr"/>
+            <a:endParaRPr lang="en-US"/>
+          </a:p>
+        </p:txBody>
+      </p:sp>
+    </p:spTree>
+    <p:extLst>
+      <p:ext uri="{BB962C8B-B14F-4D97-AF65-F5344CB8AC3E}">
+        <p14:creationId xmlns:p14="http://schemas.microsoft.com/office/powerpoint/2010/main" val="3396997086"/>
+      </p:ext>
+    </p:extLst>
+  </p:cSld>
+  <p:clrMapOvr>
+    <a:masterClrMapping/>
+  </p:clrMapOvr>
+  <p:timing>
+    <p:tnLst>
+      <p:par>
+        <p:cTn id="1" dur="indefinite" restart="never" nodeType="tmRoot"/>
+      </p:par>
+    </p:tnLst>
+  </p:timing>
+</p:sld>
+</file>
+
+<file path=ppt/slides/slide50.xml><?xml version="1.0" encoding="utf-8"?>
 <p:sld xmlns:a="http://schemas.openxmlformats.org/drawingml/2006/main" xmlns:r="http://schemas.openxmlformats.org/officeDocument/2006/relationships" xmlns:p="http://schemas.openxmlformats.org/presentationml/2006/main">
   <p:cSld>
     <p:spTree>
@@ -33285,481 +34841,7 @@
 </p:sld>
 </file>
 
-<file path=ppt/slides/slide5.xml><?xml version="1.0" encoding="utf-8"?>
-<p:sld xmlns:a="http://schemas.openxmlformats.org/drawingml/2006/main" xmlns:r="http://schemas.openxmlformats.org/officeDocument/2006/relationships" xmlns:p="http://schemas.openxmlformats.org/presentationml/2006/main">
-  <p:cSld>
-    <p:spTree>
-      <p:nvGrpSpPr>
-        <p:cNvPr id="1" name=""/>
-        <p:cNvGrpSpPr/>
-        <p:nvPr/>
-      </p:nvGrpSpPr>
-      <p:grpSpPr>
-        <a:xfrm>
-          <a:off x="0" y="0"/>
-          <a:ext cx="0" cy="0"/>
-          <a:chOff x="0" y="0"/>
-          <a:chExt cx="0" cy="0"/>
-        </a:xfrm>
-      </p:grpSpPr>
-      <p:sp>
-        <p:nvSpPr>
-          <p:cNvPr id="2" name="Title 1"/>
-          <p:cNvSpPr>
-            <a:spLocks noGrp="1"/>
-          </p:cNvSpPr>
-          <p:nvPr>
-            <p:ph type="title"/>
-          </p:nvPr>
-        </p:nvSpPr>
-        <p:spPr/>
-        <p:txBody>
-          <a:bodyPr/>
-          <a:lstStyle/>
-          <a:p>
-            <a:r>
-              <a:rPr lang="en-US" dirty="0" smtClean="0"/>
-              <a:t>Why version control?</a:t>
-            </a:r>
-            <a:endParaRPr lang="nl-BE" dirty="0"/>
-          </a:p>
-        </p:txBody>
-      </p:sp>
-      <p:sp>
-        <p:nvSpPr>
-          <p:cNvPr id="3" name="Content Placeholder 2"/>
-          <p:cNvSpPr>
-            <a:spLocks noGrp="1"/>
-          </p:cNvSpPr>
-          <p:nvPr>
-            <p:ph idx="1"/>
-          </p:nvPr>
-        </p:nvSpPr>
-        <p:spPr/>
-        <p:txBody>
-          <a:bodyPr>
-            <a:normAutofit fontScale="85000" lnSpcReduction="20000"/>
-          </a:bodyPr>
-          <a:lstStyle/>
-          <a:p>
-            <a:r>
-              <a:rPr lang="en-US" dirty="0" smtClean="0"/>
-              <a:t>Who needs it anyway?</a:t>
-            </a:r>
-          </a:p>
-          <a:p>
-            <a:pPr lvl="1"/>
-            <a:r>
-              <a:rPr lang="en-US" dirty="0" smtClean="0"/>
-              <a:t>Anyone who produces something that changes over time (e.g., texts, code, slides, bibliographies,…)</a:t>
-            </a:r>
-          </a:p>
-          <a:p>
-            <a:r>
-              <a:rPr lang="en-US" dirty="0" smtClean="0"/>
-              <a:t>History of a project is important</a:t>
-            </a:r>
-          </a:p>
-          <a:p>
-            <a:pPr lvl="1"/>
-            <a:r>
-              <a:rPr lang="en-US" dirty="0" smtClean="0"/>
-              <a:t>Which version of a program generated data using in publication </a:t>
-            </a:r>
-            <a:r>
-              <a:rPr lang="en-US" i="1" dirty="0" smtClean="0"/>
-              <a:t>x</a:t>
-            </a:r>
-            <a:r>
-              <a:rPr lang="en-US" dirty="0" smtClean="0"/>
-              <a:t>?</a:t>
-            </a:r>
-          </a:p>
-          <a:p>
-            <a:pPr lvl="1"/>
-            <a:r>
-              <a:rPr lang="en-US" dirty="0" smtClean="0"/>
-              <a:t>A modification to code was a </a:t>
-            </a:r>
-            <a:r>
-              <a:rPr lang="en-US" i="1" dirty="0" smtClean="0"/>
-              <a:t>Really Bad Idea</a:t>
-            </a:r>
-            <a:r>
-              <a:rPr lang="en-US" dirty="0" smtClean="0"/>
-              <a:t>™, when was this "feature" introduced, and can I go back?</a:t>
-            </a:r>
-          </a:p>
-          <a:p>
-            <a:r>
-              <a:rPr lang="en-US" dirty="0" smtClean="0"/>
-              <a:t>Collaboration</a:t>
-            </a:r>
-          </a:p>
-          <a:p>
-            <a:pPr lvl="1"/>
-            <a:r>
-              <a:rPr lang="en-US" dirty="0" smtClean="0"/>
-              <a:t>How to ensure that everyone is working with the latest version?</a:t>
-            </a:r>
-          </a:p>
-          <a:p>
-            <a:pPr lvl="1"/>
-            <a:r>
-              <a:rPr lang="en-US" dirty="0" smtClean="0"/>
-              <a:t>How to develop independently and safely?</a:t>
-            </a:r>
-          </a:p>
-          <a:p>
-            <a:pPr lvl="1"/>
-            <a:endParaRPr lang="nl-BE" dirty="0"/>
-          </a:p>
-        </p:txBody>
-      </p:sp>
-    </p:spTree>
-  </p:cSld>
-  <p:clrMapOvr>
-    <a:masterClrMapping/>
-  </p:clrMapOvr>
-  <p:timing>
-    <p:tnLst>
-      <p:par>
-        <p:cTn id="1" dur="indefinite" restart="never" nodeType="tmRoot">
-          <p:childTnLst>
-            <p:seq concurrent="1" nextAc="seek">
-              <p:cTn id="2" dur="indefinite" nodeType="mainSeq">
-                <p:childTnLst>
-                  <p:par>
-                    <p:cTn id="3" fill="hold">
-                      <p:stCondLst>
-                        <p:cond delay="indefinite"/>
-                      </p:stCondLst>
-                      <p:childTnLst>
-                        <p:par>
-                          <p:cTn id="4" fill="hold">
-                            <p:stCondLst>
-                              <p:cond delay="0"/>
-                            </p:stCondLst>
-                            <p:childTnLst>
-                              <p:par>
-                                <p:cTn id="5" presetID="1" presetClass="entr" presetSubtype="0" fill="hold" grpId="0" nodeType="clickEffect">
-                                  <p:stCondLst>
-                                    <p:cond delay="0"/>
-                                  </p:stCondLst>
-                                  <p:childTnLst>
-                                    <p:set>
-                                      <p:cBhvr>
-                                        <p:cTn id="6" dur="1" fill="hold">
-                                          <p:stCondLst>
-                                            <p:cond delay="0"/>
-                                          </p:stCondLst>
-                                        </p:cTn>
-                                        <p:tgtEl>
-                                          <p:spTgt spid="3">
-                                            <p:txEl>
-                                              <p:pRg st="0" end="0"/>
-                                            </p:txEl>
-                                          </p:spTgt>
-                                        </p:tgtEl>
-                                        <p:attrNameLst>
-                                          <p:attrName>style.visibility</p:attrName>
-                                        </p:attrNameLst>
-                                      </p:cBhvr>
-                                      <p:to>
-                                        <p:strVal val="visible"/>
-                                      </p:to>
-                                    </p:set>
-                                  </p:childTnLst>
-                                </p:cTn>
-                              </p:par>
-                              <p:par>
-                                <p:cTn id="7" presetID="1" presetClass="entr" presetSubtype="0" fill="hold" grpId="0" nodeType="withEffect">
-                                  <p:stCondLst>
-                                    <p:cond delay="0"/>
-                                  </p:stCondLst>
-                                  <p:childTnLst>
-                                    <p:set>
-                                      <p:cBhvr>
-                                        <p:cTn id="8" dur="1" fill="hold">
-                                          <p:stCondLst>
-                                            <p:cond delay="0"/>
-                                          </p:stCondLst>
-                                        </p:cTn>
-                                        <p:tgtEl>
-                                          <p:spTgt spid="3">
-                                            <p:txEl>
-                                              <p:pRg st="1" end="1"/>
-                                            </p:txEl>
-                                          </p:spTgt>
-                                        </p:tgtEl>
-                                        <p:attrNameLst>
-                                          <p:attrName>style.visibility</p:attrName>
-                                        </p:attrNameLst>
-                                      </p:cBhvr>
-                                      <p:to>
-                                        <p:strVal val="visible"/>
-                                      </p:to>
-                                    </p:set>
-                                  </p:childTnLst>
-                                </p:cTn>
-                              </p:par>
-                            </p:childTnLst>
-                          </p:cTn>
-                        </p:par>
-                      </p:childTnLst>
-                    </p:cTn>
-                  </p:par>
-                  <p:par>
-                    <p:cTn id="9" fill="hold">
-                      <p:stCondLst>
-                        <p:cond delay="indefinite"/>
-                      </p:stCondLst>
-                      <p:childTnLst>
-                        <p:par>
-                          <p:cTn id="10" fill="hold">
-                            <p:stCondLst>
-                              <p:cond delay="0"/>
-                            </p:stCondLst>
-                            <p:childTnLst>
-                              <p:par>
-                                <p:cTn id="11" presetID="1" presetClass="entr" presetSubtype="0" fill="hold" grpId="0" nodeType="clickEffect">
-                                  <p:stCondLst>
-                                    <p:cond delay="0"/>
-                                  </p:stCondLst>
-                                  <p:childTnLst>
-                                    <p:set>
-                                      <p:cBhvr>
-                                        <p:cTn id="12" dur="1" fill="hold">
-                                          <p:stCondLst>
-                                            <p:cond delay="0"/>
-                                          </p:stCondLst>
-                                        </p:cTn>
-                                        <p:tgtEl>
-                                          <p:spTgt spid="3">
-                                            <p:txEl>
-                                              <p:pRg st="2" end="2"/>
-                                            </p:txEl>
-                                          </p:spTgt>
-                                        </p:tgtEl>
-                                        <p:attrNameLst>
-                                          <p:attrName>style.visibility</p:attrName>
-                                        </p:attrNameLst>
-                                      </p:cBhvr>
-                                      <p:to>
-                                        <p:strVal val="visible"/>
-                                      </p:to>
-                                    </p:set>
-                                  </p:childTnLst>
-                                </p:cTn>
-                              </p:par>
-                              <p:par>
-                                <p:cTn id="13" presetID="1" presetClass="entr" presetSubtype="0" fill="hold" grpId="0" nodeType="withEffect">
-                                  <p:stCondLst>
-                                    <p:cond delay="0"/>
-                                  </p:stCondLst>
-                                  <p:childTnLst>
-                                    <p:set>
-                                      <p:cBhvr>
-                                        <p:cTn id="14" dur="1" fill="hold">
-                                          <p:stCondLst>
-                                            <p:cond delay="0"/>
-                                          </p:stCondLst>
-                                        </p:cTn>
-                                        <p:tgtEl>
-                                          <p:spTgt spid="3">
-                                            <p:txEl>
-                                              <p:pRg st="3" end="3"/>
-                                            </p:txEl>
-                                          </p:spTgt>
-                                        </p:tgtEl>
-                                        <p:attrNameLst>
-                                          <p:attrName>style.visibility</p:attrName>
-                                        </p:attrNameLst>
-                                      </p:cBhvr>
-                                      <p:to>
-                                        <p:strVal val="visible"/>
-                                      </p:to>
-                                    </p:set>
-                                  </p:childTnLst>
-                                </p:cTn>
-                              </p:par>
-                              <p:par>
-                                <p:cTn id="15" presetID="1" presetClass="entr" presetSubtype="0" fill="hold" grpId="0" nodeType="withEffect">
-                                  <p:stCondLst>
-                                    <p:cond delay="0"/>
-                                  </p:stCondLst>
-                                  <p:childTnLst>
-                                    <p:set>
-                                      <p:cBhvr>
-                                        <p:cTn id="16" dur="1" fill="hold">
-                                          <p:stCondLst>
-                                            <p:cond delay="0"/>
-                                          </p:stCondLst>
-                                        </p:cTn>
-                                        <p:tgtEl>
-                                          <p:spTgt spid="3">
-                                            <p:txEl>
-                                              <p:pRg st="4" end="4"/>
-                                            </p:txEl>
-                                          </p:spTgt>
-                                        </p:tgtEl>
-                                        <p:attrNameLst>
-                                          <p:attrName>style.visibility</p:attrName>
-                                        </p:attrNameLst>
-                                      </p:cBhvr>
-                                      <p:to>
-                                        <p:strVal val="visible"/>
-                                      </p:to>
-                                    </p:set>
-                                  </p:childTnLst>
-                                </p:cTn>
-                              </p:par>
-                            </p:childTnLst>
-                          </p:cTn>
-                        </p:par>
-                      </p:childTnLst>
-                    </p:cTn>
-                  </p:par>
-                  <p:par>
-                    <p:cTn id="17" fill="hold">
-                      <p:stCondLst>
-                        <p:cond delay="indefinite"/>
-                      </p:stCondLst>
-                      <p:childTnLst>
-                        <p:par>
-                          <p:cTn id="18" fill="hold">
-                            <p:stCondLst>
-                              <p:cond delay="0"/>
-                            </p:stCondLst>
-                            <p:childTnLst>
-                              <p:par>
-                                <p:cTn id="19" presetID="1" presetClass="entr" presetSubtype="0" fill="hold" grpId="0" nodeType="clickEffect">
-                                  <p:stCondLst>
-                                    <p:cond delay="0"/>
-                                  </p:stCondLst>
-                                  <p:childTnLst>
-                                    <p:set>
-                                      <p:cBhvr>
-                                        <p:cTn id="20" dur="1" fill="hold">
-                                          <p:stCondLst>
-                                            <p:cond delay="0"/>
-                                          </p:stCondLst>
-                                        </p:cTn>
-                                        <p:tgtEl>
-                                          <p:spTgt spid="3">
-                                            <p:txEl>
-                                              <p:pRg st="5" end="5"/>
-                                            </p:txEl>
-                                          </p:spTgt>
-                                        </p:tgtEl>
-                                        <p:attrNameLst>
-                                          <p:attrName>style.visibility</p:attrName>
-                                        </p:attrNameLst>
-                                      </p:cBhvr>
-                                      <p:to>
-                                        <p:strVal val="visible"/>
-                                      </p:to>
-                                    </p:set>
-                                  </p:childTnLst>
-                                </p:cTn>
-                              </p:par>
-                              <p:par>
-                                <p:cTn id="21" presetID="1" presetClass="entr" presetSubtype="0" fill="hold" grpId="0" nodeType="withEffect">
-                                  <p:stCondLst>
-                                    <p:cond delay="0"/>
-                                  </p:stCondLst>
-                                  <p:childTnLst>
-                                    <p:set>
-                                      <p:cBhvr>
-                                        <p:cTn id="22" dur="1" fill="hold">
-                                          <p:stCondLst>
-                                            <p:cond delay="0"/>
-                                          </p:stCondLst>
-                                        </p:cTn>
-                                        <p:tgtEl>
-                                          <p:spTgt spid="3">
-                                            <p:txEl>
-                                              <p:pRg st="6" end="6"/>
-                                            </p:txEl>
-                                          </p:spTgt>
-                                        </p:tgtEl>
-                                        <p:attrNameLst>
-                                          <p:attrName>style.visibility</p:attrName>
-                                        </p:attrNameLst>
-                                      </p:cBhvr>
-                                      <p:to>
-                                        <p:strVal val="visible"/>
-                                      </p:to>
-                                    </p:set>
-                                  </p:childTnLst>
-                                </p:cTn>
-                              </p:par>
-                              <p:par>
-                                <p:cTn id="23" presetID="1" presetClass="entr" presetSubtype="0" fill="hold" grpId="0" nodeType="withEffect">
-                                  <p:stCondLst>
-                                    <p:cond delay="0"/>
-                                  </p:stCondLst>
-                                  <p:childTnLst>
-                                    <p:set>
-                                      <p:cBhvr>
-                                        <p:cTn id="24" dur="1" fill="hold">
-                                          <p:stCondLst>
-                                            <p:cond delay="0"/>
-                                          </p:stCondLst>
-                                        </p:cTn>
-                                        <p:tgtEl>
-                                          <p:spTgt spid="3">
-                                            <p:txEl>
-                                              <p:pRg st="7" end="7"/>
-                                            </p:txEl>
-                                          </p:spTgt>
-                                        </p:tgtEl>
-                                        <p:attrNameLst>
-                                          <p:attrName>style.visibility</p:attrName>
-                                        </p:attrNameLst>
-                                      </p:cBhvr>
-                                      <p:to>
-                                        <p:strVal val="visible"/>
-                                      </p:to>
-                                    </p:set>
-                                  </p:childTnLst>
-                                </p:cTn>
-                              </p:par>
-                            </p:childTnLst>
-                          </p:cTn>
-                        </p:par>
-                      </p:childTnLst>
-                    </p:cTn>
-                  </p:par>
-                </p:childTnLst>
-              </p:cTn>
-              <p:prevCondLst>
-                <p:cond evt="onPrev" delay="0">
-                  <p:tgtEl>
-                    <p:sldTgt/>
-                  </p:tgtEl>
-                </p:cond>
-              </p:prevCondLst>
-              <p:nextCondLst>
-                <p:cond evt="onNext" delay="0">
-                  <p:tgtEl>
-                    <p:sldTgt/>
-                  </p:tgtEl>
-                </p:cond>
-              </p:nextCondLst>
-            </p:seq>
-          </p:childTnLst>
-        </p:cTn>
-      </p:par>
-    </p:tnLst>
-    <p:bldLst>
-      <p:bldP spid="3" grpId="0" build="p"/>
-    </p:bldLst>
-  </p:timing>
-</p:sld>
-</file>
-
-<file path=ppt/slides/slide50.xml><?xml version="1.0" encoding="utf-8"?>
+<file path=ppt/slides/slide51.xml><?xml version="1.0" encoding="utf-8"?>
 <p:sld xmlns:a="http://schemas.openxmlformats.org/drawingml/2006/main" xmlns:r="http://schemas.openxmlformats.org/officeDocument/2006/relationships" xmlns:p="http://schemas.openxmlformats.org/presentationml/2006/main">
   <p:cSld>
     <p:bg>
@@ -33859,7 +34941,7 @@
 </p:sld>
 </file>
 
-<file path=ppt/slides/slide51.xml><?xml version="1.0" encoding="utf-8"?>
+<file path=ppt/slides/slide52.xml><?xml version="1.0" encoding="utf-8"?>
 <p:sld xmlns:a="http://schemas.openxmlformats.org/drawingml/2006/main" xmlns:r="http://schemas.openxmlformats.org/officeDocument/2006/relationships" xmlns:p="http://schemas.openxmlformats.org/presentationml/2006/main">
   <p:cSld>
     <p:spTree>
@@ -34293,7 +35375,7 @@
 </p:sld>
 </file>
 
-<file path=ppt/slides/slide52.xml><?xml version="1.0" encoding="utf-8"?>
+<file path=ppt/slides/slide53.xml><?xml version="1.0" encoding="utf-8"?>
 <p:sld xmlns:a="http://schemas.openxmlformats.org/drawingml/2006/main" xmlns:r="http://schemas.openxmlformats.org/officeDocument/2006/relationships" xmlns:p="http://schemas.openxmlformats.org/presentationml/2006/main">
   <p:cSld>
     <p:spTree>
@@ -34817,7 +35899,7 @@
 </p:sld>
 </file>
 
-<file path=ppt/slides/slide53.xml><?xml version="1.0" encoding="utf-8"?>
+<file path=ppt/slides/slide54.xml><?xml version="1.0" encoding="utf-8"?>
 <p:sld xmlns:a="http://schemas.openxmlformats.org/drawingml/2006/main" xmlns:r="http://schemas.openxmlformats.org/officeDocument/2006/relationships" xmlns:p="http://schemas.openxmlformats.org/presentationml/2006/main">
   <p:cSld>
     <p:spTree>
@@ -36534,7 +37616,7 @@
 </p:sld>
 </file>
 
-<file path=ppt/slides/slide54.xml><?xml version="1.0" encoding="utf-8"?>
+<file path=ppt/slides/slide55.xml><?xml version="1.0" encoding="utf-8"?>
 <p:sld xmlns:a="http://schemas.openxmlformats.org/drawingml/2006/main" xmlns:r="http://schemas.openxmlformats.org/officeDocument/2006/relationships" xmlns:p="http://schemas.openxmlformats.org/presentationml/2006/main">
   <p:cSld>
     <p:spTree>
@@ -38666,7 +39748,7 @@
 </p:sld>
 </file>
 
-<file path=ppt/slides/slide55.xml><?xml version="1.0" encoding="utf-8"?>
+<file path=ppt/slides/slide56.xml><?xml version="1.0" encoding="utf-8"?>
 <p:sld xmlns:a="http://schemas.openxmlformats.org/drawingml/2006/main" xmlns:r="http://schemas.openxmlformats.org/officeDocument/2006/relationships" xmlns:p="http://schemas.openxmlformats.org/presentationml/2006/main">
   <p:cSld>
     <p:spTree>
@@ -39072,7 +40154,7 @@
 </p:sld>
 </file>
 
-<file path=ppt/slides/slide56.xml><?xml version="1.0" encoding="utf-8"?>
+<file path=ppt/slides/slide57.xml><?xml version="1.0" encoding="utf-8"?>
 <p:sld xmlns:a="http://schemas.openxmlformats.org/drawingml/2006/main" xmlns:r="http://schemas.openxmlformats.org/officeDocument/2006/relationships" xmlns:p="http://schemas.openxmlformats.org/presentationml/2006/main">
   <p:cSld>
     <p:spTree>
@@ -39720,7 +40802,7 @@
 </p:sld>
 </file>
 
-<file path=ppt/slides/slide57.xml><?xml version="1.0" encoding="utf-8"?>
+<file path=ppt/slides/slide58.xml><?xml version="1.0" encoding="utf-8"?>
 <p:sld xmlns:a="http://schemas.openxmlformats.org/drawingml/2006/main" xmlns:r="http://schemas.openxmlformats.org/officeDocument/2006/relationships" xmlns:p="http://schemas.openxmlformats.org/presentationml/2006/main">
   <p:cSld>
     <p:spTree>
@@ -40480,7 +41562,7 @@
 </p:sld>
 </file>
 
-<file path=ppt/slides/slide58.xml><?xml version="1.0" encoding="utf-8"?>
+<file path=ppt/slides/slide59.xml><?xml version="1.0" encoding="utf-8"?>
 <p:sld xmlns:a="http://schemas.openxmlformats.org/drawingml/2006/main" xmlns:r="http://schemas.openxmlformats.org/officeDocument/2006/relationships" xmlns:p="http://schemas.openxmlformats.org/presentationml/2006/main">
   <p:cSld>
     <p:spTree>
@@ -41204,7 +42286,481 @@
 </p:sld>
 </file>
 
-<file path=ppt/slides/slide59.xml><?xml version="1.0" encoding="utf-8"?>
+<file path=ppt/slides/slide6.xml><?xml version="1.0" encoding="utf-8"?>
+<p:sld xmlns:a="http://schemas.openxmlformats.org/drawingml/2006/main" xmlns:r="http://schemas.openxmlformats.org/officeDocument/2006/relationships" xmlns:p="http://schemas.openxmlformats.org/presentationml/2006/main">
+  <p:cSld>
+    <p:spTree>
+      <p:nvGrpSpPr>
+        <p:cNvPr id="1" name=""/>
+        <p:cNvGrpSpPr/>
+        <p:nvPr/>
+      </p:nvGrpSpPr>
+      <p:grpSpPr>
+        <a:xfrm>
+          <a:off x="0" y="0"/>
+          <a:ext cx="0" cy="0"/>
+          <a:chOff x="0" y="0"/>
+          <a:chExt cx="0" cy="0"/>
+        </a:xfrm>
+      </p:grpSpPr>
+      <p:sp>
+        <p:nvSpPr>
+          <p:cNvPr id="2" name="Title 1"/>
+          <p:cNvSpPr>
+            <a:spLocks noGrp="1"/>
+          </p:cNvSpPr>
+          <p:nvPr>
+            <p:ph type="title"/>
+          </p:nvPr>
+        </p:nvSpPr>
+        <p:spPr/>
+        <p:txBody>
+          <a:bodyPr/>
+          <a:lstStyle/>
+          <a:p>
+            <a:r>
+              <a:rPr lang="en-US" dirty="0" smtClean="0"/>
+              <a:t>Why version control?</a:t>
+            </a:r>
+            <a:endParaRPr lang="nl-BE" dirty="0"/>
+          </a:p>
+        </p:txBody>
+      </p:sp>
+      <p:sp>
+        <p:nvSpPr>
+          <p:cNvPr id="3" name="Content Placeholder 2"/>
+          <p:cNvSpPr>
+            <a:spLocks noGrp="1"/>
+          </p:cNvSpPr>
+          <p:nvPr>
+            <p:ph idx="1"/>
+          </p:nvPr>
+        </p:nvSpPr>
+        <p:spPr/>
+        <p:txBody>
+          <a:bodyPr>
+            <a:normAutofit fontScale="85000" lnSpcReduction="20000"/>
+          </a:bodyPr>
+          <a:lstStyle/>
+          <a:p>
+            <a:r>
+              <a:rPr lang="en-US" dirty="0" smtClean="0"/>
+              <a:t>Who needs it anyway?</a:t>
+            </a:r>
+          </a:p>
+          <a:p>
+            <a:pPr lvl="1"/>
+            <a:r>
+              <a:rPr lang="en-US" dirty="0" smtClean="0"/>
+              <a:t>Anyone who produces something that changes over time (e.g., texts, code, slides, bibliographies,…)</a:t>
+            </a:r>
+          </a:p>
+          <a:p>
+            <a:r>
+              <a:rPr lang="en-US" dirty="0" smtClean="0"/>
+              <a:t>History of a project is important</a:t>
+            </a:r>
+          </a:p>
+          <a:p>
+            <a:pPr lvl="1"/>
+            <a:r>
+              <a:rPr lang="en-US" dirty="0" smtClean="0"/>
+              <a:t>Which version of a program generated data using in publication </a:t>
+            </a:r>
+            <a:r>
+              <a:rPr lang="en-US" i="1" dirty="0" smtClean="0"/>
+              <a:t>x</a:t>
+            </a:r>
+            <a:r>
+              <a:rPr lang="en-US" dirty="0" smtClean="0"/>
+              <a:t>?</a:t>
+            </a:r>
+          </a:p>
+          <a:p>
+            <a:pPr lvl="1"/>
+            <a:r>
+              <a:rPr lang="en-US" dirty="0" smtClean="0"/>
+              <a:t>A modification to code was a </a:t>
+            </a:r>
+            <a:r>
+              <a:rPr lang="en-US" i="1" dirty="0" smtClean="0"/>
+              <a:t>Really Bad Idea</a:t>
+            </a:r>
+            <a:r>
+              <a:rPr lang="en-US" dirty="0" smtClean="0"/>
+              <a:t>™, when was this "feature" introduced, and can I go back?</a:t>
+            </a:r>
+          </a:p>
+          <a:p>
+            <a:r>
+              <a:rPr lang="en-US" dirty="0" smtClean="0"/>
+              <a:t>Collaboration</a:t>
+            </a:r>
+          </a:p>
+          <a:p>
+            <a:pPr lvl="1"/>
+            <a:r>
+              <a:rPr lang="en-US" dirty="0" smtClean="0"/>
+              <a:t>How to ensure that everyone is working with the latest version?</a:t>
+            </a:r>
+          </a:p>
+          <a:p>
+            <a:pPr lvl="1"/>
+            <a:r>
+              <a:rPr lang="en-US" dirty="0" smtClean="0"/>
+              <a:t>How to develop independently and safely?</a:t>
+            </a:r>
+          </a:p>
+          <a:p>
+            <a:pPr lvl="1"/>
+            <a:endParaRPr lang="nl-BE" dirty="0"/>
+          </a:p>
+        </p:txBody>
+      </p:sp>
+    </p:spTree>
+  </p:cSld>
+  <p:clrMapOvr>
+    <a:masterClrMapping/>
+  </p:clrMapOvr>
+  <p:timing>
+    <p:tnLst>
+      <p:par>
+        <p:cTn id="1" dur="indefinite" restart="never" nodeType="tmRoot">
+          <p:childTnLst>
+            <p:seq concurrent="1" nextAc="seek">
+              <p:cTn id="2" dur="indefinite" nodeType="mainSeq">
+                <p:childTnLst>
+                  <p:par>
+                    <p:cTn id="3" fill="hold">
+                      <p:stCondLst>
+                        <p:cond delay="indefinite"/>
+                      </p:stCondLst>
+                      <p:childTnLst>
+                        <p:par>
+                          <p:cTn id="4" fill="hold">
+                            <p:stCondLst>
+                              <p:cond delay="0"/>
+                            </p:stCondLst>
+                            <p:childTnLst>
+                              <p:par>
+                                <p:cTn id="5" presetID="1" presetClass="entr" presetSubtype="0" fill="hold" grpId="0" nodeType="clickEffect">
+                                  <p:stCondLst>
+                                    <p:cond delay="0"/>
+                                  </p:stCondLst>
+                                  <p:childTnLst>
+                                    <p:set>
+                                      <p:cBhvr>
+                                        <p:cTn id="6" dur="1" fill="hold">
+                                          <p:stCondLst>
+                                            <p:cond delay="0"/>
+                                          </p:stCondLst>
+                                        </p:cTn>
+                                        <p:tgtEl>
+                                          <p:spTgt spid="3">
+                                            <p:txEl>
+                                              <p:pRg st="0" end="0"/>
+                                            </p:txEl>
+                                          </p:spTgt>
+                                        </p:tgtEl>
+                                        <p:attrNameLst>
+                                          <p:attrName>style.visibility</p:attrName>
+                                        </p:attrNameLst>
+                                      </p:cBhvr>
+                                      <p:to>
+                                        <p:strVal val="visible"/>
+                                      </p:to>
+                                    </p:set>
+                                  </p:childTnLst>
+                                </p:cTn>
+                              </p:par>
+                              <p:par>
+                                <p:cTn id="7" presetID="1" presetClass="entr" presetSubtype="0" fill="hold" grpId="0" nodeType="withEffect">
+                                  <p:stCondLst>
+                                    <p:cond delay="0"/>
+                                  </p:stCondLst>
+                                  <p:childTnLst>
+                                    <p:set>
+                                      <p:cBhvr>
+                                        <p:cTn id="8" dur="1" fill="hold">
+                                          <p:stCondLst>
+                                            <p:cond delay="0"/>
+                                          </p:stCondLst>
+                                        </p:cTn>
+                                        <p:tgtEl>
+                                          <p:spTgt spid="3">
+                                            <p:txEl>
+                                              <p:pRg st="1" end="1"/>
+                                            </p:txEl>
+                                          </p:spTgt>
+                                        </p:tgtEl>
+                                        <p:attrNameLst>
+                                          <p:attrName>style.visibility</p:attrName>
+                                        </p:attrNameLst>
+                                      </p:cBhvr>
+                                      <p:to>
+                                        <p:strVal val="visible"/>
+                                      </p:to>
+                                    </p:set>
+                                  </p:childTnLst>
+                                </p:cTn>
+                              </p:par>
+                            </p:childTnLst>
+                          </p:cTn>
+                        </p:par>
+                      </p:childTnLst>
+                    </p:cTn>
+                  </p:par>
+                  <p:par>
+                    <p:cTn id="9" fill="hold">
+                      <p:stCondLst>
+                        <p:cond delay="indefinite"/>
+                      </p:stCondLst>
+                      <p:childTnLst>
+                        <p:par>
+                          <p:cTn id="10" fill="hold">
+                            <p:stCondLst>
+                              <p:cond delay="0"/>
+                            </p:stCondLst>
+                            <p:childTnLst>
+                              <p:par>
+                                <p:cTn id="11" presetID="1" presetClass="entr" presetSubtype="0" fill="hold" grpId="0" nodeType="clickEffect">
+                                  <p:stCondLst>
+                                    <p:cond delay="0"/>
+                                  </p:stCondLst>
+                                  <p:childTnLst>
+                                    <p:set>
+                                      <p:cBhvr>
+                                        <p:cTn id="12" dur="1" fill="hold">
+                                          <p:stCondLst>
+                                            <p:cond delay="0"/>
+                                          </p:stCondLst>
+                                        </p:cTn>
+                                        <p:tgtEl>
+                                          <p:spTgt spid="3">
+                                            <p:txEl>
+                                              <p:pRg st="2" end="2"/>
+                                            </p:txEl>
+                                          </p:spTgt>
+                                        </p:tgtEl>
+                                        <p:attrNameLst>
+                                          <p:attrName>style.visibility</p:attrName>
+                                        </p:attrNameLst>
+                                      </p:cBhvr>
+                                      <p:to>
+                                        <p:strVal val="visible"/>
+                                      </p:to>
+                                    </p:set>
+                                  </p:childTnLst>
+                                </p:cTn>
+                              </p:par>
+                              <p:par>
+                                <p:cTn id="13" presetID="1" presetClass="entr" presetSubtype="0" fill="hold" grpId="0" nodeType="withEffect">
+                                  <p:stCondLst>
+                                    <p:cond delay="0"/>
+                                  </p:stCondLst>
+                                  <p:childTnLst>
+                                    <p:set>
+                                      <p:cBhvr>
+                                        <p:cTn id="14" dur="1" fill="hold">
+                                          <p:stCondLst>
+                                            <p:cond delay="0"/>
+                                          </p:stCondLst>
+                                        </p:cTn>
+                                        <p:tgtEl>
+                                          <p:spTgt spid="3">
+                                            <p:txEl>
+                                              <p:pRg st="3" end="3"/>
+                                            </p:txEl>
+                                          </p:spTgt>
+                                        </p:tgtEl>
+                                        <p:attrNameLst>
+                                          <p:attrName>style.visibility</p:attrName>
+                                        </p:attrNameLst>
+                                      </p:cBhvr>
+                                      <p:to>
+                                        <p:strVal val="visible"/>
+                                      </p:to>
+                                    </p:set>
+                                  </p:childTnLst>
+                                </p:cTn>
+                              </p:par>
+                              <p:par>
+                                <p:cTn id="15" presetID="1" presetClass="entr" presetSubtype="0" fill="hold" grpId="0" nodeType="withEffect">
+                                  <p:stCondLst>
+                                    <p:cond delay="0"/>
+                                  </p:stCondLst>
+                                  <p:childTnLst>
+                                    <p:set>
+                                      <p:cBhvr>
+                                        <p:cTn id="16" dur="1" fill="hold">
+                                          <p:stCondLst>
+                                            <p:cond delay="0"/>
+                                          </p:stCondLst>
+                                        </p:cTn>
+                                        <p:tgtEl>
+                                          <p:spTgt spid="3">
+                                            <p:txEl>
+                                              <p:pRg st="4" end="4"/>
+                                            </p:txEl>
+                                          </p:spTgt>
+                                        </p:tgtEl>
+                                        <p:attrNameLst>
+                                          <p:attrName>style.visibility</p:attrName>
+                                        </p:attrNameLst>
+                                      </p:cBhvr>
+                                      <p:to>
+                                        <p:strVal val="visible"/>
+                                      </p:to>
+                                    </p:set>
+                                  </p:childTnLst>
+                                </p:cTn>
+                              </p:par>
+                            </p:childTnLst>
+                          </p:cTn>
+                        </p:par>
+                      </p:childTnLst>
+                    </p:cTn>
+                  </p:par>
+                  <p:par>
+                    <p:cTn id="17" fill="hold">
+                      <p:stCondLst>
+                        <p:cond delay="indefinite"/>
+                      </p:stCondLst>
+                      <p:childTnLst>
+                        <p:par>
+                          <p:cTn id="18" fill="hold">
+                            <p:stCondLst>
+                              <p:cond delay="0"/>
+                            </p:stCondLst>
+                            <p:childTnLst>
+                              <p:par>
+                                <p:cTn id="19" presetID="1" presetClass="entr" presetSubtype="0" fill="hold" grpId="0" nodeType="clickEffect">
+                                  <p:stCondLst>
+                                    <p:cond delay="0"/>
+                                  </p:stCondLst>
+                                  <p:childTnLst>
+                                    <p:set>
+                                      <p:cBhvr>
+                                        <p:cTn id="20" dur="1" fill="hold">
+                                          <p:stCondLst>
+                                            <p:cond delay="0"/>
+                                          </p:stCondLst>
+                                        </p:cTn>
+                                        <p:tgtEl>
+                                          <p:spTgt spid="3">
+                                            <p:txEl>
+                                              <p:pRg st="5" end="5"/>
+                                            </p:txEl>
+                                          </p:spTgt>
+                                        </p:tgtEl>
+                                        <p:attrNameLst>
+                                          <p:attrName>style.visibility</p:attrName>
+                                        </p:attrNameLst>
+                                      </p:cBhvr>
+                                      <p:to>
+                                        <p:strVal val="visible"/>
+                                      </p:to>
+                                    </p:set>
+                                  </p:childTnLst>
+                                </p:cTn>
+                              </p:par>
+                              <p:par>
+                                <p:cTn id="21" presetID="1" presetClass="entr" presetSubtype="0" fill="hold" grpId="0" nodeType="withEffect">
+                                  <p:stCondLst>
+                                    <p:cond delay="0"/>
+                                  </p:stCondLst>
+                                  <p:childTnLst>
+                                    <p:set>
+                                      <p:cBhvr>
+                                        <p:cTn id="22" dur="1" fill="hold">
+                                          <p:stCondLst>
+                                            <p:cond delay="0"/>
+                                          </p:stCondLst>
+                                        </p:cTn>
+                                        <p:tgtEl>
+                                          <p:spTgt spid="3">
+                                            <p:txEl>
+                                              <p:pRg st="6" end="6"/>
+                                            </p:txEl>
+                                          </p:spTgt>
+                                        </p:tgtEl>
+                                        <p:attrNameLst>
+                                          <p:attrName>style.visibility</p:attrName>
+                                        </p:attrNameLst>
+                                      </p:cBhvr>
+                                      <p:to>
+                                        <p:strVal val="visible"/>
+                                      </p:to>
+                                    </p:set>
+                                  </p:childTnLst>
+                                </p:cTn>
+                              </p:par>
+                              <p:par>
+                                <p:cTn id="23" presetID="1" presetClass="entr" presetSubtype="0" fill="hold" grpId="0" nodeType="withEffect">
+                                  <p:stCondLst>
+                                    <p:cond delay="0"/>
+                                  </p:stCondLst>
+                                  <p:childTnLst>
+                                    <p:set>
+                                      <p:cBhvr>
+                                        <p:cTn id="24" dur="1" fill="hold">
+                                          <p:stCondLst>
+                                            <p:cond delay="0"/>
+                                          </p:stCondLst>
+                                        </p:cTn>
+                                        <p:tgtEl>
+                                          <p:spTgt spid="3">
+                                            <p:txEl>
+                                              <p:pRg st="7" end="7"/>
+                                            </p:txEl>
+                                          </p:spTgt>
+                                        </p:tgtEl>
+                                        <p:attrNameLst>
+                                          <p:attrName>style.visibility</p:attrName>
+                                        </p:attrNameLst>
+                                      </p:cBhvr>
+                                      <p:to>
+                                        <p:strVal val="visible"/>
+                                      </p:to>
+                                    </p:set>
+                                  </p:childTnLst>
+                                </p:cTn>
+                              </p:par>
+                            </p:childTnLst>
+                          </p:cTn>
+                        </p:par>
+                      </p:childTnLst>
+                    </p:cTn>
+                  </p:par>
+                </p:childTnLst>
+              </p:cTn>
+              <p:prevCondLst>
+                <p:cond evt="onPrev" delay="0">
+                  <p:tgtEl>
+                    <p:sldTgt/>
+                  </p:tgtEl>
+                </p:cond>
+              </p:prevCondLst>
+              <p:nextCondLst>
+                <p:cond evt="onNext" delay="0">
+                  <p:tgtEl>
+                    <p:sldTgt/>
+                  </p:tgtEl>
+                </p:cond>
+              </p:nextCondLst>
+            </p:seq>
+          </p:childTnLst>
+        </p:cTn>
+      </p:par>
+    </p:tnLst>
+    <p:bldLst>
+      <p:bldP spid="3" grpId="0" build="p"/>
+    </p:bldLst>
+  </p:timing>
+</p:sld>
+</file>
+
+<file path=ppt/slides/slide60.xml><?xml version="1.0" encoding="utf-8"?>
 <p:sld xmlns:a="http://schemas.openxmlformats.org/drawingml/2006/main" xmlns:r="http://schemas.openxmlformats.org/officeDocument/2006/relationships" xmlns:p="http://schemas.openxmlformats.org/presentationml/2006/main">
   <p:cSld>
     <p:spTree>
@@ -42220,7 +43776,667 @@
 </p:sld>
 </file>
 
-<file path=ppt/slides/slide6.xml><?xml version="1.0" encoding="utf-8"?>
+<file path=ppt/slides/slide61.xml><?xml version="1.0" encoding="utf-8"?>
+<p:sld xmlns:a="http://schemas.openxmlformats.org/drawingml/2006/main" xmlns:r="http://schemas.openxmlformats.org/officeDocument/2006/relationships" xmlns:p="http://schemas.openxmlformats.org/presentationml/2006/main">
+  <p:cSld>
+    <p:spTree>
+      <p:nvGrpSpPr>
+        <p:cNvPr id="1" name=""/>
+        <p:cNvGrpSpPr/>
+        <p:nvPr/>
+      </p:nvGrpSpPr>
+      <p:grpSpPr>
+        <a:xfrm>
+          <a:off x="0" y="0"/>
+          <a:ext cx="0" cy="0"/>
+          <a:chOff x="0" y="0"/>
+          <a:chExt cx="0" cy="0"/>
+        </a:xfrm>
+      </p:grpSpPr>
+      <p:sp>
+        <p:nvSpPr>
+          <p:cNvPr id="2" name="Title 1"/>
+          <p:cNvSpPr>
+            <a:spLocks noGrp="1"/>
+          </p:cNvSpPr>
+          <p:nvPr>
+            <p:ph type="title"/>
+          </p:nvPr>
+        </p:nvSpPr>
+        <p:spPr/>
+        <p:txBody>
+          <a:bodyPr/>
+          <a:lstStyle/>
+          <a:p>
+            <a:r>
+              <a:rPr lang="en-US" dirty="0" smtClean="0"/>
+              <a:t>Getting More information</a:t>
+            </a:r>
+            <a:endParaRPr lang="en-US" dirty="0"/>
+          </a:p>
+        </p:txBody>
+      </p:sp>
+      <p:sp>
+        <p:nvSpPr>
+          <p:cNvPr id="3" name="Text Placeholder 2"/>
+          <p:cNvSpPr>
+            <a:spLocks noGrp="1"/>
+          </p:cNvSpPr>
+          <p:nvPr>
+            <p:ph type="body" idx="1"/>
+          </p:nvPr>
+        </p:nvSpPr>
+        <p:spPr/>
+        <p:txBody>
+          <a:bodyPr/>
+          <a:lstStyle/>
+          <a:p>
+            <a:endParaRPr lang="en-US"/>
+          </a:p>
+        </p:txBody>
+      </p:sp>
+    </p:spTree>
+  </p:cSld>
+  <p:clrMapOvr>
+    <a:masterClrMapping/>
+  </p:clrMapOvr>
+  <p:timing>
+    <p:tnLst>
+      <p:par>
+        <p:cTn id="1" dur="indefinite" restart="never" nodeType="tmRoot"/>
+      </p:par>
+    </p:tnLst>
+  </p:timing>
+</p:sld>
+</file>
+
+<file path=ppt/slides/slide62.xml><?xml version="1.0" encoding="utf-8"?>
+<p:sld xmlns:a="http://schemas.openxmlformats.org/drawingml/2006/main" xmlns:r="http://schemas.openxmlformats.org/officeDocument/2006/relationships" xmlns:p="http://schemas.openxmlformats.org/presentationml/2006/main">
+  <p:cSld>
+    <p:spTree>
+      <p:nvGrpSpPr>
+        <p:cNvPr id="1" name=""/>
+        <p:cNvGrpSpPr/>
+        <p:nvPr/>
+      </p:nvGrpSpPr>
+      <p:grpSpPr>
+        <a:xfrm>
+          <a:off x="0" y="0"/>
+          <a:ext cx="0" cy="0"/>
+          <a:chOff x="0" y="0"/>
+          <a:chExt cx="0" cy="0"/>
+        </a:xfrm>
+      </p:grpSpPr>
+      <p:sp>
+        <p:nvSpPr>
+          <p:cNvPr id="2" name="Title 1"/>
+          <p:cNvSpPr>
+            <a:spLocks noGrp="1"/>
+          </p:cNvSpPr>
+          <p:nvPr>
+            <p:ph type="title"/>
+          </p:nvPr>
+        </p:nvSpPr>
+        <p:spPr/>
+        <p:txBody>
+          <a:bodyPr/>
+          <a:lstStyle/>
+          <a:p>
+            <a:r>
+              <a:rPr lang="en-US" dirty="0" smtClean="0"/>
+              <a:t>While waiting for the </a:t>
+            </a:r>
+            <a:r>
+              <a:rPr lang="en-US" dirty="0" err="1" smtClean="0"/>
+              <a:t>svn</a:t>
+            </a:r>
+            <a:r>
+              <a:rPr lang="en-US" dirty="0" smtClean="0"/>
+              <a:t> movie…</a:t>
+            </a:r>
+            <a:endParaRPr lang="en-US" dirty="0"/>
+          </a:p>
+        </p:txBody>
+      </p:sp>
+      <p:sp>
+        <p:nvSpPr>
+          <p:cNvPr id="3" name="Content Placeholder 2"/>
+          <p:cNvSpPr>
+            <a:spLocks noGrp="1"/>
+          </p:cNvSpPr>
+          <p:nvPr>
+            <p:ph idx="1"/>
+          </p:nvPr>
+        </p:nvSpPr>
+        <p:spPr/>
+        <p:txBody>
+          <a:bodyPr>
+            <a:normAutofit fontScale="92500" lnSpcReduction="10000"/>
+          </a:bodyPr>
+          <a:lstStyle/>
+          <a:p>
+            <a:r>
+              <a:rPr lang="en-US" dirty="0" smtClean="0"/>
+              <a:t>Subversion </a:t>
+            </a:r>
+            <a:r>
+              <a:rPr lang="en-US" strike="dblStrike" dirty="0" smtClean="0"/>
+              <a:t>bible</a:t>
+            </a:r>
+            <a:r>
+              <a:rPr lang="en-US" dirty="0" smtClean="0"/>
+              <a:t> book</a:t>
+            </a:r>
+          </a:p>
+          <a:p>
+            <a:pPr lvl="1"/>
+            <a:r>
+              <a:rPr lang="en-US" dirty="0" smtClean="0"/>
+              <a:t>Version 1.7 (stable docs):</a:t>
+            </a:r>
+            <a:br>
+              <a:rPr lang="en-US" dirty="0" smtClean="0"/>
+            </a:br>
+            <a:r>
+              <a:rPr lang="nl-BE" dirty="0">
+                <a:hlinkClick r:id="rId2"/>
+              </a:rPr>
+              <a:t>http://svnbook.red-bean.com/en/1.7/index.html</a:t>
+            </a:r>
+            <a:endParaRPr lang="en-US" dirty="0" smtClean="0"/>
+          </a:p>
+          <a:p>
+            <a:pPr lvl="1"/>
+            <a:r>
+              <a:rPr lang="en-US" dirty="0" smtClean="0"/>
+              <a:t>Version 1.8 (draft docs):</a:t>
+            </a:r>
+            <a:br>
+              <a:rPr lang="en-US" dirty="0" smtClean="0"/>
+            </a:br>
+            <a:r>
+              <a:rPr lang="nl-BE" dirty="0">
+                <a:hlinkClick r:id="rId3"/>
+              </a:rPr>
+              <a:t>http://svnbook.red-bean.com/nightly/en/index.html</a:t>
+            </a:r>
+            <a:endParaRPr lang="en-US" sz="2400" dirty="0" smtClean="0"/>
+          </a:p>
+          <a:p>
+            <a:pPr lvl="1"/>
+            <a:r>
+              <a:rPr lang="en-US" dirty="0" smtClean="0"/>
+              <a:t>Best practices:</a:t>
+            </a:r>
+            <a:br>
+              <a:rPr lang="en-US" dirty="0" smtClean="0"/>
+            </a:br>
+            <a:r>
+              <a:rPr lang="nl-BE" sz="2400" dirty="0" smtClean="0">
+                <a:hlinkClick r:id="rId4"/>
+              </a:rPr>
+              <a:t>http://svn.apache.org/repos/asf/subversion/trunk/doc/user/svn-best-practices.html</a:t>
+            </a:r>
+            <a:endParaRPr lang="en-US" sz="2400" dirty="0" smtClean="0"/>
+          </a:p>
+          <a:p>
+            <a:r>
+              <a:rPr lang="en-US" dirty="0" smtClean="0"/>
+              <a:t>Subversion web site</a:t>
+            </a:r>
+            <a:br>
+              <a:rPr lang="en-US" dirty="0" smtClean="0"/>
+            </a:br>
+            <a:r>
+              <a:rPr lang="nl-BE" dirty="0">
+                <a:hlinkClick r:id="rId5"/>
+              </a:rPr>
+              <a:t>http://subversion.apache.org/</a:t>
+            </a:r>
+            <a:r>
+              <a:rPr lang="en-US" dirty="0" smtClean="0"/>
+              <a:t/>
+            </a:r>
+            <a:br>
+              <a:rPr lang="en-US" dirty="0" smtClean="0"/>
+            </a:br>
+            <a:endParaRPr lang="en-US" dirty="0"/>
+          </a:p>
+        </p:txBody>
+      </p:sp>
+    </p:spTree>
+    <p:extLst>
+      <p:ext uri="{BB962C8B-B14F-4D97-AF65-F5344CB8AC3E}">
+        <p14:creationId xmlns:p14="http://schemas.microsoft.com/office/powerpoint/2010/main" val="3204422307"/>
+      </p:ext>
+    </p:extLst>
+  </p:cSld>
+  <p:clrMapOvr>
+    <a:masterClrMapping/>
+  </p:clrMapOvr>
+  <p:timing>
+    <p:tnLst>
+      <p:par>
+        <p:cTn id="1" dur="indefinite" restart="never" nodeType="tmRoot">
+          <p:childTnLst>
+            <p:seq concurrent="1" nextAc="seek">
+              <p:cTn id="2" dur="indefinite" nodeType="mainSeq">
+                <p:childTnLst>
+                  <p:par>
+                    <p:cTn id="3" fill="hold">
+                      <p:stCondLst>
+                        <p:cond delay="indefinite"/>
+                      </p:stCondLst>
+                      <p:childTnLst>
+                        <p:par>
+                          <p:cTn id="4" fill="hold">
+                            <p:stCondLst>
+                              <p:cond delay="0"/>
+                            </p:stCondLst>
+                            <p:childTnLst>
+                              <p:par>
+                                <p:cTn id="5" presetID="1" presetClass="entr" presetSubtype="0" fill="hold" grpId="0" nodeType="clickEffect">
+                                  <p:stCondLst>
+                                    <p:cond delay="0"/>
+                                  </p:stCondLst>
+                                  <p:childTnLst>
+                                    <p:set>
+                                      <p:cBhvr>
+                                        <p:cTn id="6" dur="1" fill="hold">
+                                          <p:stCondLst>
+                                            <p:cond delay="0"/>
+                                          </p:stCondLst>
+                                        </p:cTn>
+                                        <p:tgtEl>
+                                          <p:spTgt spid="3">
+                                            <p:txEl>
+                                              <p:pRg st="0" end="0"/>
+                                            </p:txEl>
+                                          </p:spTgt>
+                                        </p:tgtEl>
+                                        <p:attrNameLst>
+                                          <p:attrName>style.visibility</p:attrName>
+                                        </p:attrNameLst>
+                                      </p:cBhvr>
+                                      <p:to>
+                                        <p:strVal val="visible"/>
+                                      </p:to>
+                                    </p:set>
+                                  </p:childTnLst>
+                                </p:cTn>
+                              </p:par>
+                              <p:par>
+                                <p:cTn id="7" presetID="1" presetClass="entr" presetSubtype="0" fill="hold" grpId="0" nodeType="withEffect">
+                                  <p:stCondLst>
+                                    <p:cond delay="0"/>
+                                  </p:stCondLst>
+                                  <p:childTnLst>
+                                    <p:set>
+                                      <p:cBhvr>
+                                        <p:cTn id="8" dur="1" fill="hold">
+                                          <p:stCondLst>
+                                            <p:cond delay="0"/>
+                                          </p:stCondLst>
+                                        </p:cTn>
+                                        <p:tgtEl>
+                                          <p:spTgt spid="3">
+                                            <p:txEl>
+                                              <p:pRg st="1" end="1"/>
+                                            </p:txEl>
+                                          </p:spTgt>
+                                        </p:tgtEl>
+                                        <p:attrNameLst>
+                                          <p:attrName>style.visibility</p:attrName>
+                                        </p:attrNameLst>
+                                      </p:cBhvr>
+                                      <p:to>
+                                        <p:strVal val="visible"/>
+                                      </p:to>
+                                    </p:set>
+                                  </p:childTnLst>
+                                </p:cTn>
+                              </p:par>
+                              <p:par>
+                                <p:cTn id="9" presetID="1" presetClass="entr" presetSubtype="0" fill="hold" grpId="0" nodeType="withEffect">
+                                  <p:stCondLst>
+                                    <p:cond delay="0"/>
+                                  </p:stCondLst>
+                                  <p:childTnLst>
+                                    <p:set>
+                                      <p:cBhvr>
+                                        <p:cTn id="10" dur="1" fill="hold">
+                                          <p:stCondLst>
+                                            <p:cond delay="0"/>
+                                          </p:stCondLst>
+                                        </p:cTn>
+                                        <p:tgtEl>
+                                          <p:spTgt spid="3">
+                                            <p:txEl>
+                                              <p:pRg st="2" end="2"/>
+                                            </p:txEl>
+                                          </p:spTgt>
+                                        </p:tgtEl>
+                                        <p:attrNameLst>
+                                          <p:attrName>style.visibility</p:attrName>
+                                        </p:attrNameLst>
+                                      </p:cBhvr>
+                                      <p:to>
+                                        <p:strVal val="visible"/>
+                                      </p:to>
+                                    </p:set>
+                                  </p:childTnLst>
+                                </p:cTn>
+                              </p:par>
+                              <p:par>
+                                <p:cTn id="11" presetID="1" presetClass="entr" presetSubtype="0" fill="hold" grpId="0" nodeType="withEffect">
+                                  <p:stCondLst>
+                                    <p:cond delay="0"/>
+                                  </p:stCondLst>
+                                  <p:childTnLst>
+                                    <p:set>
+                                      <p:cBhvr>
+                                        <p:cTn id="12" dur="1" fill="hold">
+                                          <p:stCondLst>
+                                            <p:cond delay="0"/>
+                                          </p:stCondLst>
+                                        </p:cTn>
+                                        <p:tgtEl>
+                                          <p:spTgt spid="3">
+                                            <p:txEl>
+                                              <p:pRg st="3" end="3"/>
+                                            </p:txEl>
+                                          </p:spTgt>
+                                        </p:tgtEl>
+                                        <p:attrNameLst>
+                                          <p:attrName>style.visibility</p:attrName>
+                                        </p:attrNameLst>
+                                      </p:cBhvr>
+                                      <p:to>
+                                        <p:strVal val="visible"/>
+                                      </p:to>
+                                    </p:set>
+                                  </p:childTnLst>
+                                </p:cTn>
+                              </p:par>
+                            </p:childTnLst>
+                          </p:cTn>
+                        </p:par>
+                      </p:childTnLst>
+                    </p:cTn>
+                  </p:par>
+                  <p:par>
+                    <p:cTn id="13" fill="hold">
+                      <p:stCondLst>
+                        <p:cond delay="indefinite"/>
+                      </p:stCondLst>
+                      <p:childTnLst>
+                        <p:par>
+                          <p:cTn id="14" fill="hold">
+                            <p:stCondLst>
+                              <p:cond delay="0"/>
+                            </p:stCondLst>
+                            <p:childTnLst>
+                              <p:par>
+                                <p:cTn id="15" presetID="1" presetClass="entr" presetSubtype="0" fill="hold" grpId="0" nodeType="clickEffect">
+                                  <p:stCondLst>
+                                    <p:cond delay="0"/>
+                                  </p:stCondLst>
+                                  <p:childTnLst>
+                                    <p:set>
+                                      <p:cBhvr>
+                                        <p:cTn id="16" dur="1" fill="hold">
+                                          <p:stCondLst>
+                                            <p:cond delay="0"/>
+                                          </p:stCondLst>
+                                        </p:cTn>
+                                        <p:tgtEl>
+                                          <p:spTgt spid="3">
+                                            <p:txEl>
+                                              <p:pRg st="4" end="4"/>
+                                            </p:txEl>
+                                          </p:spTgt>
+                                        </p:tgtEl>
+                                        <p:attrNameLst>
+                                          <p:attrName>style.visibility</p:attrName>
+                                        </p:attrNameLst>
+                                      </p:cBhvr>
+                                      <p:to>
+                                        <p:strVal val="visible"/>
+                                      </p:to>
+                                    </p:set>
+                                  </p:childTnLst>
+                                </p:cTn>
+                              </p:par>
+                            </p:childTnLst>
+                          </p:cTn>
+                        </p:par>
+                      </p:childTnLst>
+                    </p:cTn>
+                  </p:par>
+                </p:childTnLst>
+              </p:cTn>
+              <p:prevCondLst>
+                <p:cond evt="onPrev" delay="0">
+                  <p:tgtEl>
+                    <p:sldTgt/>
+                  </p:tgtEl>
+                </p:cond>
+              </p:prevCondLst>
+              <p:nextCondLst>
+                <p:cond evt="onNext" delay="0">
+                  <p:tgtEl>
+                    <p:sldTgt/>
+                  </p:tgtEl>
+                </p:cond>
+              </p:nextCondLst>
+            </p:seq>
+          </p:childTnLst>
+        </p:cTn>
+      </p:par>
+    </p:tnLst>
+    <p:bldLst>
+      <p:bldP spid="3" grpId="0" build="p"/>
+    </p:bldLst>
+  </p:timing>
+</p:sld>
+</file>
+
+<file path=ppt/slides/slide63.xml><?xml version="1.0" encoding="utf-8"?>
+<p:sld xmlns:a="http://schemas.openxmlformats.org/drawingml/2006/main" xmlns:r="http://schemas.openxmlformats.org/officeDocument/2006/relationships" xmlns:p="http://schemas.openxmlformats.org/presentationml/2006/main">
+  <p:cSld>
+    <p:spTree>
+      <p:nvGrpSpPr>
+        <p:cNvPr id="1" name=""/>
+        <p:cNvGrpSpPr/>
+        <p:nvPr/>
+      </p:nvGrpSpPr>
+      <p:grpSpPr>
+        <a:xfrm>
+          <a:off x="0" y="0"/>
+          <a:ext cx="0" cy="0"/>
+          <a:chOff x="0" y="0"/>
+          <a:chExt cx="0" cy="0"/>
+        </a:xfrm>
+      </p:grpSpPr>
+      <p:sp>
+        <p:nvSpPr>
+          <p:cNvPr id="2" name="Title 1"/>
+          <p:cNvSpPr>
+            <a:spLocks noGrp="1"/>
+          </p:cNvSpPr>
+          <p:nvPr>
+            <p:ph type="title"/>
+          </p:nvPr>
+        </p:nvSpPr>
+        <p:spPr/>
+        <p:txBody>
+          <a:bodyPr/>
+          <a:lstStyle/>
+          <a:p>
+            <a:r>
+              <a:rPr lang="en-US" dirty="0" err="1"/>
+              <a:t>g</a:t>
+            </a:r>
+            <a:r>
+              <a:rPr lang="en-US" dirty="0" err="1" smtClean="0"/>
+              <a:t>it</a:t>
+            </a:r>
+            <a:r>
+              <a:rPr lang="en-US" dirty="0" smtClean="0"/>
+              <a:t>: the movie</a:t>
+            </a:r>
+            <a:endParaRPr lang="nl-BE" dirty="0"/>
+          </a:p>
+        </p:txBody>
+      </p:sp>
+      <p:sp>
+        <p:nvSpPr>
+          <p:cNvPr id="3" name="Content Placeholder 2"/>
+          <p:cNvSpPr>
+            <a:spLocks noGrp="1"/>
+          </p:cNvSpPr>
+          <p:nvPr>
+            <p:ph idx="1"/>
+          </p:nvPr>
+        </p:nvSpPr>
+        <p:spPr/>
+        <p:txBody>
+          <a:bodyPr>
+            <a:normAutofit fontScale="92500"/>
+          </a:bodyPr>
+          <a:lstStyle/>
+          <a:p>
+            <a:r>
+              <a:rPr lang="en-US" dirty="0" smtClean="0"/>
+              <a:t>Online documentation (including movies)</a:t>
+            </a:r>
+          </a:p>
+          <a:p>
+            <a:pPr lvl="1"/>
+            <a:r>
+              <a:rPr lang="nl-BE" dirty="0" smtClean="0">
+                <a:hlinkClick r:id="rId2"/>
+              </a:rPr>
+              <a:t>http://git-scm.com/documentation</a:t>
+            </a:r>
+            <a:endParaRPr lang="nl-BE" dirty="0" smtClean="0"/>
+          </a:p>
+          <a:p>
+            <a:r>
+              <a:rPr lang="en-US" dirty="0" err="1"/>
+              <a:t>g</a:t>
+            </a:r>
+            <a:r>
+              <a:rPr lang="en-US" dirty="0" err="1" smtClean="0"/>
+              <a:t>it</a:t>
+            </a:r>
+            <a:r>
+              <a:rPr lang="en-US" dirty="0" smtClean="0"/>
+              <a:t> web site</a:t>
+            </a:r>
+          </a:p>
+          <a:p>
+            <a:pPr lvl="1"/>
+            <a:r>
+              <a:rPr lang="nl-BE" dirty="0" smtClean="0">
+                <a:hlinkClick r:id="rId3"/>
+              </a:rPr>
+              <a:t>http://git-scm.com/</a:t>
+            </a:r>
+            <a:endParaRPr lang="nl-BE" dirty="0" smtClean="0"/>
+          </a:p>
+          <a:p>
+            <a:r>
+              <a:rPr lang="en-US" dirty="0" smtClean="0"/>
+              <a:t>Why (the author thinks) you should switch to </a:t>
+            </a:r>
+            <a:r>
+              <a:rPr lang="en-US" dirty="0" err="1" smtClean="0"/>
+              <a:t>git</a:t>
+            </a:r>
+            <a:endParaRPr lang="en-US" dirty="0" smtClean="0"/>
+          </a:p>
+          <a:p>
+            <a:pPr lvl="1"/>
+            <a:r>
+              <a:rPr lang="nl-BE" dirty="0" smtClean="0">
+                <a:hlinkClick r:id="rId4"/>
+              </a:rPr>
+              <a:t>http://blog.teamtreehouse.com/why-you-should-switch-from-subversion-to-git</a:t>
+            </a:r>
+            <a:endParaRPr lang="nl-BE" dirty="0" smtClean="0"/>
+          </a:p>
+          <a:p>
+            <a:r>
+              <a:rPr lang="nl-BE" dirty="0" smtClean="0"/>
+              <a:t>An </a:t>
+            </a:r>
+            <a:r>
+              <a:rPr lang="nl-BE" dirty="0" err="1" smtClean="0"/>
+              <a:t>overview</a:t>
+            </a:r>
+            <a:r>
+              <a:rPr lang="nl-BE" dirty="0" smtClean="0"/>
+              <a:t> of </a:t>
+            </a:r>
+            <a:r>
+              <a:rPr lang="nl-BE" dirty="0" err="1" smtClean="0"/>
+              <a:t>frequently</a:t>
+            </a:r>
+            <a:r>
+              <a:rPr lang="nl-BE" dirty="0" smtClean="0"/>
+              <a:t> </a:t>
+            </a:r>
+            <a:r>
+              <a:rPr lang="nl-BE" dirty="0" err="1" smtClean="0"/>
+              <a:t>used</a:t>
+            </a:r>
+            <a:r>
+              <a:rPr lang="nl-BE" dirty="0" smtClean="0"/>
+              <a:t> git </a:t>
+            </a:r>
+            <a:r>
+              <a:rPr lang="nl-BE" dirty="0" err="1" smtClean="0"/>
+              <a:t>workflows</a:t>
+            </a:r>
+            <a:endParaRPr lang="nl-BE" dirty="0" smtClean="0"/>
+          </a:p>
+          <a:p>
+            <a:pPr lvl="1"/>
+            <a:r>
+              <a:rPr lang="en-US" dirty="0">
+                <a:hlinkClick r:id="rId5"/>
+              </a:rPr>
+              <a:t>https://www.atlassian.com/git/workflows</a:t>
+            </a:r>
+            <a:endParaRPr lang="nl-BE" dirty="0" smtClean="0"/>
+          </a:p>
+          <a:p>
+            <a:endParaRPr lang="nl-BE" dirty="0"/>
+          </a:p>
+        </p:txBody>
+      </p:sp>
+    </p:spTree>
+    <p:extLst>
+      <p:ext uri="{BB962C8B-B14F-4D97-AF65-F5344CB8AC3E}">
+        <p14:creationId xmlns:p14="http://schemas.microsoft.com/office/powerpoint/2010/main" val="3865014332"/>
+      </p:ext>
+    </p:extLst>
+  </p:cSld>
+  <p:clrMapOvr>
+    <a:masterClrMapping/>
+  </p:clrMapOvr>
+  <p:timing>
+    <p:tnLst>
+      <p:par>
+        <p:cTn id="1" dur="indefinite" restart="never" nodeType="tmRoot"/>
+      </p:par>
+    </p:tnLst>
+  </p:timing>
+</p:sld>
+</file>
+
+<file path=ppt/slides/slide7.xml><?xml version="1.0" encoding="utf-8"?>
 <p:sld xmlns:a="http://schemas.openxmlformats.org/drawingml/2006/main" xmlns:r="http://schemas.openxmlformats.org/officeDocument/2006/relationships" xmlns:p="http://schemas.openxmlformats.org/presentationml/2006/main">
   <p:cSld>
     <p:spTree>
@@ -42718,667 +44934,7 @@
 </p:sld>
 </file>
 
-<file path=ppt/slides/slide60.xml><?xml version="1.0" encoding="utf-8"?>
-<p:sld xmlns:a="http://schemas.openxmlformats.org/drawingml/2006/main" xmlns:r="http://schemas.openxmlformats.org/officeDocument/2006/relationships" xmlns:p="http://schemas.openxmlformats.org/presentationml/2006/main">
-  <p:cSld>
-    <p:spTree>
-      <p:nvGrpSpPr>
-        <p:cNvPr id="1" name=""/>
-        <p:cNvGrpSpPr/>
-        <p:nvPr/>
-      </p:nvGrpSpPr>
-      <p:grpSpPr>
-        <a:xfrm>
-          <a:off x="0" y="0"/>
-          <a:ext cx="0" cy="0"/>
-          <a:chOff x="0" y="0"/>
-          <a:chExt cx="0" cy="0"/>
-        </a:xfrm>
-      </p:grpSpPr>
-      <p:sp>
-        <p:nvSpPr>
-          <p:cNvPr id="2" name="Title 1"/>
-          <p:cNvSpPr>
-            <a:spLocks noGrp="1"/>
-          </p:cNvSpPr>
-          <p:nvPr>
-            <p:ph type="title"/>
-          </p:nvPr>
-        </p:nvSpPr>
-        <p:spPr/>
-        <p:txBody>
-          <a:bodyPr/>
-          <a:lstStyle/>
-          <a:p>
-            <a:r>
-              <a:rPr lang="en-US" dirty="0" smtClean="0"/>
-              <a:t>Getting More information</a:t>
-            </a:r>
-            <a:endParaRPr lang="en-US" dirty="0"/>
-          </a:p>
-        </p:txBody>
-      </p:sp>
-      <p:sp>
-        <p:nvSpPr>
-          <p:cNvPr id="3" name="Text Placeholder 2"/>
-          <p:cNvSpPr>
-            <a:spLocks noGrp="1"/>
-          </p:cNvSpPr>
-          <p:nvPr>
-            <p:ph type="body" idx="1"/>
-          </p:nvPr>
-        </p:nvSpPr>
-        <p:spPr/>
-        <p:txBody>
-          <a:bodyPr/>
-          <a:lstStyle/>
-          <a:p>
-            <a:endParaRPr lang="en-US"/>
-          </a:p>
-        </p:txBody>
-      </p:sp>
-    </p:spTree>
-  </p:cSld>
-  <p:clrMapOvr>
-    <a:masterClrMapping/>
-  </p:clrMapOvr>
-  <p:timing>
-    <p:tnLst>
-      <p:par>
-        <p:cTn id="1" dur="indefinite" restart="never" nodeType="tmRoot"/>
-      </p:par>
-    </p:tnLst>
-  </p:timing>
-</p:sld>
-</file>
-
-<file path=ppt/slides/slide61.xml><?xml version="1.0" encoding="utf-8"?>
-<p:sld xmlns:a="http://schemas.openxmlformats.org/drawingml/2006/main" xmlns:r="http://schemas.openxmlformats.org/officeDocument/2006/relationships" xmlns:p="http://schemas.openxmlformats.org/presentationml/2006/main">
-  <p:cSld>
-    <p:spTree>
-      <p:nvGrpSpPr>
-        <p:cNvPr id="1" name=""/>
-        <p:cNvGrpSpPr/>
-        <p:nvPr/>
-      </p:nvGrpSpPr>
-      <p:grpSpPr>
-        <a:xfrm>
-          <a:off x="0" y="0"/>
-          <a:ext cx="0" cy="0"/>
-          <a:chOff x="0" y="0"/>
-          <a:chExt cx="0" cy="0"/>
-        </a:xfrm>
-      </p:grpSpPr>
-      <p:sp>
-        <p:nvSpPr>
-          <p:cNvPr id="2" name="Title 1"/>
-          <p:cNvSpPr>
-            <a:spLocks noGrp="1"/>
-          </p:cNvSpPr>
-          <p:nvPr>
-            <p:ph type="title"/>
-          </p:nvPr>
-        </p:nvSpPr>
-        <p:spPr/>
-        <p:txBody>
-          <a:bodyPr/>
-          <a:lstStyle/>
-          <a:p>
-            <a:r>
-              <a:rPr lang="en-US" dirty="0" smtClean="0"/>
-              <a:t>While waiting for the </a:t>
-            </a:r>
-            <a:r>
-              <a:rPr lang="en-US" dirty="0" err="1" smtClean="0"/>
-              <a:t>svn</a:t>
-            </a:r>
-            <a:r>
-              <a:rPr lang="en-US" dirty="0" smtClean="0"/>
-              <a:t> movie…</a:t>
-            </a:r>
-            <a:endParaRPr lang="en-US" dirty="0"/>
-          </a:p>
-        </p:txBody>
-      </p:sp>
-      <p:sp>
-        <p:nvSpPr>
-          <p:cNvPr id="3" name="Content Placeholder 2"/>
-          <p:cNvSpPr>
-            <a:spLocks noGrp="1"/>
-          </p:cNvSpPr>
-          <p:nvPr>
-            <p:ph idx="1"/>
-          </p:nvPr>
-        </p:nvSpPr>
-        <p:spPr/>
-        <p:txBody>
-          <a:bodyPr>
-            <a:normAutofit fontScale="92500" lnSpcReduction="10000"/>
-          </a:bodyPr>
-          <a:lstStyle/>
-          <a:p>
-            <a:r>
-              <a:rPr lang="en-US" dirty="0" smtClean="0"/>
-              <a:t>Subversion </a:t>
-            </a:r>
-            <a:r>
-              <a:rPr lang="en-US" strike="dblStrike" dirty="0" smtClean="0"/>
-              <a:t>bible</a:t>
-            </a:r>
-            <a:r>
-              <a:rPr lang="en-US" dirty="0" smtClean="0"/>
-              <a:t> book</a:t>
-            </a:r>
-          </a:p>
-          <a:p>
-            <a:pPr lvl="1"/>
-            <a:r>
-              <a:rPr lang="en-US" dirty="0" smtClean="0"/>
-              <a:t>Version 1.7 (stable docs):</a:t>
-            </a:r>
-            <a:br>
-              <a:rPr lang="en-US" dirty="0" smtClean="0"/>
-            </a:br>
-            <a:r>
-              <a:rPr lang="nl-BE" dirty="0">
-                <a:hlinkClick r:id="rId2"/>
-              </a:rPr>
-              <a:t>http://svnbook.red-bean.com/en/1.7/index.html</a:t>
-            </a:r>
-            <a:endParaRPr lang="en-US" dirty="0" smtClean="0"/>
-          </a:p>
-          <a:p>
-            <a:pPr lvl="1"/>
-            <a:r>
-              <a:rPr lang="en-US" dirty="0" smtClean="0"/>
-              <a:t>Version 1.8 (draft docs):</a:t>
-            </a:r>
-            <a:br>
-              <a:rPr lang="en-US" dirty="0" smtClean="0"/>
-            </a:br>
-            <a:r>
-              <a:rPr lang="nl-BE" dirty="0">
-                <a:hlinkClick r:id="rId3"/>
-              </a:rPr>
-              <a:t>http://svnbook.red-bean.com/nightly/en/index.html</a:t>
-            </a:r>
-            <a:endParaRPr lang="en-US" sz="2400" dirty="0" smtClean="0"/>
-          </a:p>
-          <a:p>
-            <a:pPr lvl="1"/>
-            <a:r>
-              <a:rPr lang="en-US" dirty="0" smtClean="0"/>
-              <a:t>Best practices:</a:t>
-            </a:r>
-            <a:br>
-              <a:rPr lang="en-US" dirty="0" smtClean="0"/>
-            </a:br>
-            <a:r>
-              <a:rPr lang="nl-BE" sz="2400" dirty="0" smtClean="0">
-                <a:hlinkClick r:id="rId4"/>
-              </a:rPr>
-              <a:t>http://svn.apache.org/repos/asf/subversion/trunk/doc/user/svn-best-practices.html</a:t>
-            </a:r>
-            <a:endParaRPr lang="en-US" sz="2400" dirty="0" smtClean="0"/>
-          </a:p>
-          <a:p>
-            <a:r>
-              <a:rPr lang="en-US" dirty="0" smtClean="0"/>
-              <a:t>Subversion web site</a:t>
-            </a:r>
-            <a:br>
-              <a:rPr lang="en-US" dirty="0" smtClean="0"/>
-            </a:br>
-            <a:r>
-              <a:rPr lang="nl-BE" dirty="0">
-                <a:hlinkClick r:id="rId5"/>
-              </a:rPr>
-              <a:t>http://subversion.apache.org/</a:t>
-            </a:r>
-            <a:r>
-              <a:rPr lang="en-US" dirty="0" smtClean="0"/>
-              <a:t/>
-            </a:r>
-            <a:br>
-              <a:rPr lang="en-US" dirty="0" smtClean="0"/>
-            </a:br>
-            <a:endParaRPr lang="en-US" dirty="0"/>
-          </a:p>
-        </p:txBody>
-      </p:sp>
-    </p:spTree>
-    <p:extLst>
-      <p:ext uri="{BB962C8B-B14F-4D97-AF65-F5344CB8AC3E}">
-        <p14:creationId xmlns:p14="http://schemas.microsoft.com/office/powerpoint/2010/main" val="3204422307"/>
-      </p:ext>
-    </p:extLst>
-  </p:cSld>
-  <p:clrMapOvr>
-    <a:masterClrMapping/>
-  </p:clrMapOvr>
-  <p:timing>
-    <p:tnLst>
-      <p:par>
-        <p:cTn id="1" dur="indefinite" restart="never" nodeType="tmRoot">
-          <p:childTnLst>
-            <p:seq concurrent="1" nextAc="seek">
-              <p:cTn id="2" dur="indefinite" nodeType="mainSeq">
-                <p:childTnLst>
-                  <p:par>
-                    <p:cTn id="3" fill="hold">
-                      <p:stCondLst>
-                        <p:cond delay="indefinite"/>
-                      </p:stCondLst>
-                      <p:childTnLst>
-                        <p:par>
-                          <p:cTn id="4" fill="hold">
-                            <p:stCondLst>
-                              <p:cond delay="0"/>
-                            </p:stCondLst>
-                            <p:childTnLst>
-                              <p:par>
-                                <p:cTn id="5" presetID="1" presetClass="entr" presetSubtype="0" fill="hold" grpId="0" nodeType="clickEffect">
-                                  <p:stCondLst>
-                                    <p:cond delay="0"/>
-                                  </p:stCondLst>
-                                  <p:childTnLst>
-                                    <p:set>
-                                      <p:cBhvr>
-                                        <p:cTn id="6" dur="1" fill="hold">
-                                          <p:stCondLst>
-                                            <p:cond delay="0"/>
-                                          </p:stCondLst>
-                                        </p:cTn>
-                                        <p:tgtEl>
-                                          <p:spTgt spid="3">
-                                            <p:txEl>
-                                              <p:pRg st="0" end="0"/>
-                                            </p:txEl>
-                                          </p:spTgt>
-                                        </p:tgtEl>
-                                        <p:attrNameLst>
-                                          <p:attrName>style.visibility</p:attrName>
-                                        </p:attrNameLst>
-                                      </p:cBhvr>
-                                      <p:to>
-                                        <p:strVal val="visible"/>
-                                      </p:to>
-                                    </p:set>
-                                  </p:childTnLst>
-                                </p:cTn>
-                              </p:par>
-                              <p:par>
-                                <p:cTn id="7" presetID="1" presetClass="entr" presetSubtype="0" fill="hold" grpId="0" nodeType="withEffect">
-                                  <p:stCondLst>
-                                    <p:cond delay="0"/>
-                                  </p:stCondLst>
-                                  <p:childTnLst>
-                                    <p:set>
-                                      <p:cBhvr>
-                                        <p:cTn id="8" dur="1" fill="hold">
-                                          <p:stCondLst>
-                                            <p:cond delay="0"/>
-                                          </p:stCondLst>
-                                        </p:cTn>
-                                        <p:tgtEl>
-                                          <p:spTgt spid="3">
-                                            <p:txEl>
-                                              <p:pRg st="1" end="1"/>
-                                            </p:txEl>
-                                          </p:spTgt>
-                                        </p:tgtEl>
-                                        <p:attrNameLst>
-                                          <p:attrName>style.visibility</p:attrName>
-                                        </p:attrNameLst>
-                                      </p:cBhvr>
-                                      <p:to>
-                                        <p:strVal val="visible"/>
-                                      </p:to>
-                                    </p:set>
-                                  </p:childTnLst>
-                                </p:cTn>
-                              </p:par>
-                              <p:par>
-                                <p:cTn id="9" presetID="1" presetClass="entr" presetSubtype="0" fill="hold" grpId="0" nodeType="withEffect">
-                                  <p:stCondLst>
-                                    <p:cond delay="0"/>
-                                  </p:stCondLst>
-                                  <p:childTnLst>
-                                    <p:set>
-                                      <p:cBhvr>
-                                        <p:cTn id="10" dur="1" fill="hold">
-                                          <p:stCondLst>
-                                            <p:cond delay="0"/>
-                                          </p:stCondLst>
-                                        </p:cTn>
-                                        <p:tgtEl>
-                                          <p:spTgt spid="3">
-                                            <p:txEl>
-                                              <p:pRg st="2" end="2"/>
-                                            </p:txEl>
-                                          </p:spTgt>
-                                        </p:tgtEl>
-                                        <p:attrNameLst>
-                                          <p:attrName>style.visibility</p:attrName>
-                                        </p:attrNameLst>
-                                      </p:cBhvr>
-                                      <p:to>
-                                        <p:strVal val="visible"/>
-                                      </p:to>
-                                    </p:set>
-                                  </p:childTnLst>
-                                </p:cTn>
-                              </p:par>
-                              <p:par>
-                                <p:cTn id="11" presetID="1" presetClass="entr" presetSubtype="0" fill="hold" grpId="0" nodeType="withEffect">
-                                  <p:stCondLst>
-                                    <p:cond delay="0"/>
-                                  </p:stCondLst>
-                                  <p:childTnLst>
-                                    <p:set>
-                                      <p:cBhvr>
-                                        <p:cTn id="12" dur="1" fill="hold">
-                                          <p:stCondLst>
-                                            <p:cond delay="0"/>
-                                          </p:stCondLst>
-                                        </p:cTn>
-                                        <p:tgtEl>
-                                          <p:spTgt spid="3">
-                                            <p:txEl>
-                                              <p:pRg st="3" end="3"/>
-                                            </p:txEl>
-                                          </p:spTgt>
-                                        </p:tgtEl>
-                                        <p:attrNameLst>
-                                          <p:attrName>style.visibility</p:attrName>
-                                        </p:attrNameLst>
-                                      </p:cBhvr>
-                                      <p:to>
-                                        <p:strVal val="visible"/>
-                                      </p:to>
-                                    </p:set>
-                                  </p:childTnLst>
-                                </p:cTn>
-                              </p:par>
-                            </p:childTnLst>
-                          </p:cTn>
-                        </p:par>
-                      </p:childTnLst>
-                    </p:cTn>
-                  </p:par>
-                  <p:par>
-                    <p:cTn id="13" fill="hold">
-                      <p:stCondLst>
-                        <p:cond delay="indefinite"/>
-                      </p:stCondLst>
-                      <p:childTnLst>
-                        <p:par>
-                          <p:cTn id="14" fill="hold">
-                            <p:stCondLst>
-                              <p:cond delay="0"/>
-                            </p:stCondLst>
-                            <p:childTnLst>
-                              <p:par>
-                                <p:cTn id="15" presetID="1" presetClass="entr" presetSubtype="0" fill="hold" grpId="0" nodeType="clickEffect">
-                                  <p:stCondLst>
-                                    <p:cond delay="0"/>
-                                  </p:stCondLst>
-                                  <p:childTnLst>
-                                    <p:set>
-                                      <p:cBhvr>
-                                        <p:cTn id="16" dur="1" fill="hold">
-                                          <p:stCondLst>
-                                            <p:cond delay="0"/>
-                                          </p:stCondLst>
-                                        </p:cTn>
-                                        <p:tgtEl>
-                                          <p:spTgt spid="3">
-                                            <p:txEl>
-                                              <p:pRg st="4" end="4"/>
-                                            </p:txEl>
-                                          </p:spTgt>
-                                        </p:tgtEl>
-                                        <p:attrNameLst>
-                                          <p:attrName>style.visibility</p:attrName>
-                                        </p:attrNameLst>
-                                      </p:cBhvr>
-                                      <p:to>
-                                        <p:strVal val="visible"/>
-                                      </p:to>
-                                    </p:set>
-                                  </p:childTnLst>
-                                </p:cTn>
-                              </p:par>
-                            </p:childTnLst>
-                          </p:cTn>
-                        </p:par>
-                      </p:childTnLst>
-                    </p:cTn>
-                  </p:par>
-                </p:childTnLst>
-              </p:cTn>
-              <p:prevCondLst>
-                <p:cond evt="onPrev" delay="0">
-                  <p:tgtEl>
-                    <p:sldTgt/>
-                  </p:tgtEl>
-                </p:cond>
-              </p:prevCondLst>
-              <p:nextCondLst>
-                <p:cond evt="onNext" delay="0">
-                  <p:tgtEl>
-                    <p:sldTgt/>
-                  </p:tgtEl>
-                </p:cond>
-              </p:nextCondLst>
-            </p:seq>
-          </p:childTnLst>
-        </p:cTn>
-      </p:par>
-    </p:tnLst>
-    <p:bldLst>
-      <p:bldP spid="3" grpId="0" build="p"/>
-    </p:bldLst>
-  </p:timing>
-</p:sld>
-</file>
-
-<file path=ppt/slides/slide62.xml><?xml version="1.0" encoding="utf-8"?>
-<p:sld xmlns:a="http://schemas.openxmlformats.org/drawingml/2006/main" xmlns:r="http://schemas.openxmlformats.org/officeDocument/2006/relationships" xmlns:p="http://schemas.openxmlformats.org/presentationml/2006/main">
-  <p:cSld>
-    <p:spTree>
-      <p:nvGrpSpPr>
-        <p:cNvPr id="1" name=""/>
-        <p:cNvGrpSpPr/>
-        <p:nvPr/>
-      </p:nvGrpSpPr>
-      <p:grpSpPr>
-        <a:xfrm>
-          <a:off x="0" y="0"/>
-          <a:ext cx="0" cy="0"/>
-          <a:chOff x="0" y="0"/>
-          <a:chExt cx="0" cy="0"/>
-        </a:xfrm>
-      </p:grpSpPr>
-      <p:sp>
-        <p:nvSpPr>
-          <p:cNvPr id="2" name="Title 1"/>
-          <p:cNvSpPr>
-            <a:spLocks noGrp="1"/>
-          </p:cNvSpPr>
-          <p:nvPr>
-            <p:ph type="title"/>
-          </p:nvPr>
-        </p:nvSpPr>
-        <p:spPr/>
-        <p:txBody>
-          <a:bodyPr/>
-          <a:lstStyle/>
-          <a:p>
-            <a:r>
-              <a:rPr lang="en-US" dirty="0" err="1"/>
-              <a:t>g</a:t>
-            </a:r>
-            <a:r>
-              <a:rPr lang="en-US" dirty="0" err="1" smtClean="0"/>
-              <a:t>it</a:t>
-            </a:r>
-            <a:r>
-              <a:rPr lang="en-US" dirty="0" smtClean="0"/>
-              <a:t>: the movie</a:t>
-            </a:r>
-            <a:endParaRPr lang="nl-BE" dirty="0"/>
-          </a:p>
-        </p:txBody>
-      </p:sp>
-      <p:sp>
-        <p:nvSpPr>
-          <p:cNvPr id="3" name="Content Placeholder 2"/>
-          <p:cNvSpPr>
-            <a:spLocks noGrp="1"/>
-          </p:cNvSpPr>
-          <p:nvPr>
-            <p:ph idx="1"/>
-          </p:nvPr>
-        </p:nvSpPr>
-        <p:spPr/>
-        <p:txBody>
-          <a:bodyPr>
-            <a:normAutofit fontScale="92500"/>
-          </a:bodyPr>
-          <a:lstStyle/>
-          <a:p>
-            <a:r>
-              <a:rPr lang="en-US" dirty="0" smtClean="0"/>
-              <a:t>Online documentation (including movies)</a:t>
-            </a:r>
-          </a:p>
-          <a:p>
-            <a:pPr lvl="1"/>
-            <a:r>
-              <a:rPr lang="nl-BE" dirty="0" smtClean="0">
-                <a:hlinkClick r:id="rId2"/>
-              </a:rPr>
-              <a:t>http://git-scm.com/documentation</a:t>
-            </a:r>
-            <a:endParaRPr lang="nl-BE" dirty="0" smtClean="0"/>
-          </a:p>
-          <a:p>
-            <a:r>
-              <a:rPr lang="en-US" dirty="0" err="1"/>
-              <a:t>g</a:t>
-            </a:r>
-            <a:r>
-              <a:rPr lang="en-US" dirty="0" err="1" smtClean="0"/>
-              <a:t>it</a:t>
-            </a:r>
-            <a:r>
-              <a:rPr lang="en-US" dirty="0" smtClean="0"/>
-              <a:t> web site</a:t>
-            </a:r>
-          </a:p>
-          <a:p>
-            <a:pPr lvl="1"/>
-            <a:r>
-              <a:rPr lang="nl-BE" dirty="0" smtClean="0">
-                <a:hlinkClick r:id="rId3"/>
-              </a:rPr>
-              <a:t>http://git-scm.com/</a:t>
-            </a:r>
-            <a:endParaRPr lang="nl-BE" dirty="0" smtClean="0"/>
-          </a:p>
-          <a:p>
-            <a:r>
-              <a:rPr lang="en-US" dirty="0" smtClean="0"/>
-              <a:t>Why (the author thinks) you should switch to </a:t>
-            </a:r>
-            <a:r>
-              <a:rPr lang="en-US" dirty="0" err="1" smtClean="0"/>
-              <a:t>git</a:t>
-            </a:r>
-            <a:endParaRPr lang="en-US" dirty="0" smtClean="0"/>
-          </a:p>
-          <a:p>
-            <a:pPr lvl="1"/>
-            <a:r>
-              <a:rPr lang="nl-BE" dirty="0" smtClean="0">
-                <a:hlinkClick r:id="rId4"/>
-              </a:rPr>
-              <a:t>http://blog.teamtreehouse.com/why-you-should-switch-from-subversion-to-git</a:t>
-            </a:r>
-            <a:endParaRPr lang="nl-BE" dirty="0" smtClean="0"/>
-          </a:p>
-          <a:p>
-            <a:r>
-              <a:rPr lang="nl-BE" dirty="0" smtClean="0"/>
-              <a:t>An </a:t>
-            </a:r>
-            <a:r>
-              <a:rPr lang="nl-BE" dirty="0" err="1" smtClean="0"/>
-              <a:t>overview</a:t>
-            </a:r>
-            <a:r>
-              <a:rPr lang="nl-BE" dirty="0" smtClean="0"/>
-              <a:t> of </a:t>
-            </a:r>
-            <a:r>
-              <a:rPr lang="nl-BE" dirty="0" err="1" smtClean="0"/>
-              <a:t>frequently</a:t>
-            </a:r>
-            <a:r>
-              <a:rPr lang="nl-BE" dirty="0" smtClean="0"/>
-              <a:t> </a:t>
-            </a:r>
-            <a:r>
-              <a:rPr lang="nl-BE" dirty="0" err="1" smtClean="0"/>
-              <a:t>used</a:t>
-            </a:r>
-            <a:r>
-              <a:rPr lang="nl-BE" dirty="0" smtClean="0"/>
-              <a:t> git </a:t>
-            </a:r>
-            <a:r>
-              <a:rPr lang="nl-BE" dirty="0" err="1" smtClean="0"/>
-              <a:t>workflows</a:t>
-            </a:r>
-            <a:endParaRPr lang="nl-BE" dirty="0" smtClean="0"/>
-          </a:p>
-          <a:p>
-            <a:pPr lvl="1"/>
-            <a:r>
-              <a:rPr lang="en-US" dirty="0">
-                <a:hlinkClick r:id="rId5"/>
-              </a:rPr>
-              <a:t>https://www.atlassian.com/git/workflows</a:t>
-            </a:r>
-            <a:endParaRPr lang="nl-BE" dirty="0" smtClean="0"/>
-          </a:p>
-          <a:p>
-            <a:endParaRPr lang="nl-BE" dirty="0"/>
-          </a:p>
-        </p:txBody>
-      </p:sp>
-    </p:spTree>
-    <p:extLst>
-      <p:ext uri="{BB962C8B-B14F-4D97-AF65-F5344CB8AC3E}">
-        <p14:creationId xmlns:p14="http://schemas.microsoft.com/office/powerpoint/2010/main" val="3865014332"/>
-      </p:ext>
-    </p:extLst>
-  </p:cSld>
-  <p:clrMapOvr>
-    <a:masterClrMapping/>
-  </p:clrMapOvr>
-  <p:timing>
-    <p:tnLst>
-      <p:par>
-        <p:cTn id="1" dur="indefinite" restart="never" nodeType="tmRoot"/>
-      </p:par>
-    </p:tnLst>
-  </p:timing>
-</p:sld>
-</file>
-
-<file path=ppt/slides/slide7.xml><?xml version="1.0" encoding="utf-8"?>
+<file path=ppt/slides/slide8.xml><?xml version="1.0" encoding="utf-8"?>
 <p:sld xmlns:a="http://schemas.openxmlformats.org/drawingml/2006/main" xmlns:r="http://schemas.openxmlformats.org/officeDocument/2006/relationships" xmlns:p="http://schemas.openxmlformats.org/presentationml/2006/main">
   <p:cSld>
     <p:spTree>
@@ -44259,7 +45815,7 @@
 </p:sld>
 </file>
 
-<file path=ppt/slides/slide8.xml><?xml version="1.0" encoding="utf-8"?>
+<file path=ppt/slides/slide9.xml><?xml version="1.0" encoding="utf-8"?>
 <p:sld xmlns:a="http://schemas.openxmlformats.org/drawingml/2006/main" xmlns:r="http://schemas.openxmlformats.org/officeDocument/2006/relationships" xmlns:p="http://schemas.openxmlformats.org/presentationml/2006/main">
   <p:cSld>
     <p:spTree>
@@ -44797,1640 +46353,6 @@
 </p:sld>
 </file>
 
-<file path=ppt/slides/slide9.xml><?xml version="1.0" encoding="utf-8"?>
-<p:sld xmlns:a="http://schemas.openxmlformats.org/drawingml/2006/main" xmlns:r="http://schemas.openxmlformats.org/officeDocument/2006/relationships" xmlns:p="http://schemas.openxmlformats.org/presentationml/2006/main">
-  <p:cSld>
-    <p:spTree>
-      <p:nvGrpSpPr>
-        <p:cNvPr id="1" name=""/>
-        <p:cNvGrpSpPr/>
-        <p:nvPr/>
-      </p:nvGrpSpPr>
-      <p:grpSpPr>
-        <a:xfrm>
-          <a:off x="0" y="0"/>
-          <a:ext cx="0" cy="0"/>
-          <a:chOff x="0" y="0"/>
-          <a:chExt cx="0" cy="0"/>
-        </a:xfrm>
-      </p:grpSpPr>
-      <p:sp>
-        <p:nvSpPr>
-          <p:cNvPr id="2" name="Title 1"/>
-          <p:cNvSpPr>
-            <a:spLocks noGrp="1"/>
-          </p:cNvSpPr>
-          <p:nvPr>
-            <p:ph type="title"/>
-          </p:nvPr>
-        </p:nvSpPr>
-        <p:spPr/>
-        <p:txBody>
-          <a:bodyPr/>
-          <a:lstStyle/>
-          <a:p>
-            <a:r>
-              <a:rPr lang="en-US" dirty="0" smtClean="0"/>
-              <a:t>Bird's eye view</a:t>
-            </a:r>
-            <a:endParaRPr lang="nl-BE" dirty="0"/>
-          </a:p>
-        </p:txBody>
-      </p:sp>
-      <p:grpSp>
-        <p:nvGrpSpPr>
-          <p:cNvPr id="19" name="Group 18"/>
-          <p:cNvGrpSpPr/>
-          <p:nvPr/>
-        </p:nvGrpSpPr>
-        <p:grpSpPr>
-          <a:xfrm>
-            <a:off x="395536" y="2996952"/>
-            <a:ext cx="2088232" cy="1440160"/>
-            <a:chOff x="4572000" y="2348880"/>
-            <a:chExt cx="2088232" cy="1440160"/>
-          </a:xfrm>
-        </p:grpSpPr>
-        <p:sp>
-          <p:nvSpPr>
-            <p:cNvPr id="5" name="Rounded Rectangle 4"/>
-            <p:cNvSpPr/>
-            <p:nvPr/>
-          </p:nvSpPr>
-          <p:spPr>
-            <a:xfrm>
-              <a:off x="4572000" y="2348880"/>
-              <a:ext cx="2088232" cy="1440160"/>
-            </a:xfrm>
-            <a:prstGeom prst="roundRect">
-              <a:avLst/>
-            </a:prstGeom>
-            <a:solidFill>
-              <a:schemeClr val="bg1"/>
-            </a:solidFill>
-            <a:ln>
-              <a:solidFill>
-                <a:schemeClr val="tx1"/>
-              </a:solidFill>
-            </a:ln>
-          </p:spPr>
-          <p:style>
-            <a:lnRef idx="2">
-              <a:schemeClr val="accent1">
-                <a:shade val="50000"/>
-              </a:schemeClr>
-            </a:lnRef>
-            <a:fillRef idx="1">
-              <a:schemeClr val="accent1"/>
-            </a:fillRef>
-            <a:effectRef idx="0">
-              <a:schemeClr val="accent1"/>
-            </a:effectRef>
-            <a:fontRef idx="minor">
-              <a:schemeClr val="lt1"/>
-            </a:fontRef>
-          </p:style>
-          <p:txBody>
-            <a:bodyPr rtlCol="0" anchor="ctr"/>
-            <a:lstStyle/>
-            <a:p>
-              <a:pPr algn="ctr"/>
-              <a:endParaRPr lang="nl-BE"/>
-            </a:p>
-          </p:txBody>
-        </p:sp>
-        <p:pic>
-          <p:nvPicPr>
-            <p:cNvPr id="1026" name="Picture 2" descr="C:\Users\u0065575\AppData\Local\Microsoft\Windows\Temporary Internet Files\Content.IE5\WBWRXN3O\MC900432599[1].png"/>
-            <p:cNvPicPr>
-              <a:picLocks noChangeAspect="1" noChangeArrowheads="1"/>
-            </p:cNvPicPr>
-            <p:nvPr/>
-          </p:nvPicPr>
-          <p:blipFill>
-            <a:blip r:embed="rId2" cstate="print"/>
-            <a:srcRect/>
-            <a:stretch>
-              <a:fillRect/>
-            </a:stretch>
-          </p:blipFill>
-          <p:spPr bwMode="auto">
-            <a:xfrm>
-              <a:off x="4788024" y="2636912"/>
-              <a:ext cx="569962" cy="569962"/>
-            </a:xfrm>
-            <a:prstGeom prst="rect">
-              <a:avLst/>
-            </a:prstGeom>
-            <a:noFill/>
-          </p:spPr>
-        </p:pic>
-        <p:pic>
-          <p:nvPicPr>
-            <p:cNvPr id="7" name="Picture 2" descr="C:\Users\u0065575\AppData\Local\Microsoft\Windows\Temporary Internet Files\Content.IE5\WBWRXN3O\MC900432599[1].png"/>
-            <p:cNvPicPr>
-              <a:picLocks noChangeAspect="1" noChangeArrowheads="1"/>
-            </p:cNvPicPr>
-            <p:nvPr/>
-          </p:nvPicPr>
-          <p:blipFill>
-            <a:blip r:embed="rId2" cstate="print"/>
-            <a:srcRect/>
-            <a:stretch>
-              <a:fillRect/>
-            </a:stretch>
-          </p:blipFill>
-          <p:spPr bwMode="auto">
-            <a:xfrm>
-              <a:off x="4940424" y="2789312"/>
-              <a:ext cx="569962" cy="569962"/>
-            </a:xfrm>
-            <a:prstGeom prst="rect">
-              <a:avLst/>
-            </a:prstGeom>
-            <a:noFill/>
-          </p:spPr>
-        </p:pic>
-        <p:pic>
-          <p:nvPicPr>
-            <p:cNvPr id="8" name="Picture 2" descr="C:\Users\u0065575\AppData\Local\Microsoft\Windows\Temporary Internet Files\Content.IE5\WBWRXN3O\MC900432599[1].png"/>
-            <p:cNvPicPr>
-              <a:picLocks noChangeAspect="1" noChangeArrowheads="1"/>
-            </p:cNvPicPr>
-            <p:nvPr/>
-          </p:nvPicPr>
-          <p:blipFill>
-            <a:blip r:embed="rId2" cstate="print"/>
-            <a:srcRect/>
-            <a:stretch>
-              <a:fillRect/>
-            </a:stretch>
-          </p:blipFill>
-          <p:spPr bwMode="auto">
-            <a:xfrm>
-              <a:off x="4866134" y="3140968"/>
-              <a:ext cx="569962" cy="569962"/>
-            </a:xfrm>
-            <a:prstGeom prst="rect">
-              <a:avLst/>
-            </a:prstGeom>
-            <a:noFill/>
-          </p:spPr>
-        </p:pic>
-        <p:pic>
-          <p:nvPicPr>
-            <p:cNvPr id="1027" name="Picture 3" descr="C:\Users\u0065575\AppData\Local\Microsoft\Windows\Temporary Internet Files\Content.IE5\WOTZA2QG\MC900433853[1].png"/>
-            <p:cNvPicPr>
-              <a:picLocks noChangeAspect="1" noChangeArrowheads="1"/>
-            </p:cNvPicPr>
-            <p:nvPr/>
-          </p:nvPicPr>
-          <p:blipFill>
-            <a:blip r:embed="rId3" cstate="print"/>
-            <a:srcRect/>
-            <a:stretch>
-              <a:fillRect/>
-            </a:stretch>
-          </p:blipFill>
-          <p:spPr bwMode="auto">
-            <a:xfrm>
-              <a:off x="5448299" y="2577107"/>
-              <a:ext cx="779885" cy="779885"/>
-            </a:xfrm>
-            <a:prstGeom prst="rect">
-              <a:avLst/>
-            </a:prstGeom>
-            <a:noFill/>
-          </p:spPr>
-        </p:pic>
-        <p:pic>
-          <p:nvPicPr>
-            <p:cNvPr id="10" name="Picture 3" descr="C:\Users\u0065575\AppData\Local\Microsoft\Windows\Temporary Internet Files\Content.IE5\WOTZA2QG\MC900433853[1].png"/>
-            <p:cNvPicPr>
-              <a:picLocks noChangeAspect="1" noChangeArrowheads="1"/>
-            </p:cNvPicPr>
-            <p:nvPr/>
-          </p:nvPicPr>
-          <p:blipFill>
-            <a:blip r:embed="rId3" cstate="print"/>
-            <a:srcRect/>
-            <a:stretch>
-              <a:fillRect/>
-            </a:stretch>
-          </p:blipFill>
-          <p:spPr bwMode="auto">
-            <a:xfrm>
-              <a:off x="5724128" y="2996952"/>
-              <a:ext cx="779885" cy="779885"/>
-            </a:xfrm>
-            <a:prstGeom prst="rect">
-              <a:avLst/>
-            </a:prstGeom>
-            <a:noFill/>
-          </p:spPr>
-        </p:pic>
-        <p:sp>
-          <p:nvSpPr>
-            <p:cNvPr id="11" name="TextBox 10"/>
-            <p:cNvSpPr txBox="1"/>
-            <p:nvPr/>
-          </p:nvSpPr>
-          <p:spPr>
-            <a:xfrm>
-              <a:off x="5129306" y="2359638"/>
-              <a:ext cx="1016112" cy="369332"/>
-            </a:xfrm>
-            <a:prstGeom prst="rect">
-              <a:avLst/>
-            </a:prstGeom>
-            <a:noFill/>
-          </p:spPr>
-          <p:txBody>
-            <a:bodyPr wrap="none" rtlCol="0">
-              <a:spAutoFit/>
-            </a:bodyPr>
-            <a:lstStyle/>
-            <a:p>
-              <a:r>
-                <a:rPr lang="en-US" dirty="0" smtClean="0"/>
-                <a:t>Project 1</a:t>
-              </a:r>
-              <a:endParaRPr lang="nl-BE" dirty="0"/>
-            </a:p>
-          </p:txBody>
-        </p:sp>
-      </p:grpSp>
-      <p:grpSp>
-        <p:nvGrpSpPr>
-          <p:cNvPr id="24" name="Group 23"/>
-          <p:cNvGrpSpPr/>
-          <p:nvPr/>
-        </p:nvGrpSpPr>
-        <p:grpSpPr>
-          <a:xfrm>
-            <a:off x="827584" y="4221088"/>
-            <a:ext cx="2088232" cy="1440160"/>
-            <a:chOff x="4139952" y="4581128"/>
-            <a:chExt cx="2088232" cy="1440160"/>
-          </a:xfrm>
-        </p:grpSpPr>
-        <p:sp>
-          <p:nvSpPr>
-            <p:cNvPr id="12" name="Rounded Rectangle 11"/>
-            <p:cNvSpPr/>
-            <p:nvPr/>
-          </p:nvSpPr>
-          <p:spPr>
-            <a:xfrm>
-              <a:off x="4139952" y="4581128"/>
-              <a:ext cx="2088232" cy="1440160"/>
-            </a:xfrm>
-            <a:prstGeom prst="roundRect">
-              <a:avLst/>
-            </a:prstGeom>
-            <a:solidFill>
-              <a:schemeClr val="bg1"/>
-            </a:solidFill>
-            <a:ln>
-              <a:solidFill>
-                <a:schemeClr val="tx1"/>
-              </a:solidFill>
-            </a:ln>
-          </p:spPr>
-          <p:style>
-            <a:lnRef idx="2">
-              <a:schemeClr val="accent1">
-                <a:shade val="50000"/>
-              </a:schemeClr>
-            </a:lnRef>
-            <a:fillRef idx="1">
-              <a:schemeClr val="accent1"/>
-            </a:fillRef>
-            <a:effectRef idx="0">
-              <a:schemeClr val="accent1"/>
-            </a:effectRef>
-            <a:fontRef idx="minor">
-              <a:schemeClr val="lt1"/>
-            </a:fontRef>
-          </p:style>
-          <p:txBody>
-            <a:bodyPr rtlCol="0" anchor="ctr"/>
-            <a:lstStyle/>
-            <a:p>
-              <a:pPr algn="ctr"/>
-              <a:endParaRPr lang="nl-BE"/>
-            </a:p>
-          </p:txBody>
-        </p:sp>
-        <p:pic>
-          <p:nvPicPr>
-            <p:cNvPr id="13" name="Picture 2" descr="C:\Users\u0065575\AppData\Local\Microsoft\Windows\Temporary Internet Files\Content.IE5\WBWRXN3O\MC900432599[1].png"/>
-            <p:cNvPicPr>
-              <a:picLocks noChangeAspect="1" noChangeArrowheads="1"/>
-            </p:cNvPicPr>
-            <p:nvPr/>
-          </p:nvPicPr>
-          <p:blipFill>
-            <a:blip r:embed="rId2" cstate="print"/>
-            <a:srcRect/>
-            <a:stretch>
-              <a:fillRect/>
-            </a:stretch>
-          </p:blipFill>
-          <p:spPr bwMode="auto">
-            <a:xfrm>
-              <a:off x="4355976" y="4869160"/>
-              <a:ext cx="569962" cy="569962"/>
-            </a:xfrm>
-            <a:prstGeom prst="rect">
-              <a:avLst/>
-            </a:prstGeom>
-            <a:noFill/>
-          </p:spPr>
-        </p:pic>
-        <p:pic>
-          <p:nvPicPr>
-            <p:cNvPr id="14" name="Picture 2" descr="C:\Users\u0065575\AppData\Local\Microsoft\Windows\Temporary Internet Files\Content.IE5\WBWRXN3O\MC900432599[1].png"/>
-            <p:cNvPicPr>
-              <a:picLocks noChangeAspect="1" noChangeArrowheads="1"/>
-            </p:cNvPicPr>
-            <p:nvPr/>
-          </p:nvPicPr>
-          <p:blipFill>
-            <a:blip r:embed="rId2" cstate="print"/>
-            <a:srcRect/>
-            <a:stretch>
-              <a:fillRect/>
-            </a:stretch>
-          </p:blipFill>
-          <p:spPr bwMode="auto">
-            <a:xfrm>
-              <a:off x="4508376" y="5021560"/>
-              <a:ext cx="569962" cy="569962"/>
-            </a:xfrm>
-            <a:prstGeom prst="rect">
-              <a:avLst/>
-            </a:prstGeom>
-            <a:noFill/>
-          </p:spPr>
-        </p:pic>
-        <p:pic>
-          <p:nvPicPr>
-            <p:cNvPr id="15" name="Picture 2" descr="C:\Users\u0065575\AppData\Local\Microsoft\Windows\Temporary Internet Files\Content.IE5\WBWRXN3O\MC900432599[1].png"/>
-            <p:cNvPicPr>
-              <a:picLocks noChangeAspect="1" noChangeArrowheads="1"/>
-            </p:cNvPicPr>
-            <p:nvPr/>
-          </p:nvPicPr>
-          <p:blipFill>
-            <a:blip r:embed="rId2" cstate="print"/>
-            <a:srcRect/>
-            <a:stretch>
-              <a:fillRect/>
-            </a:stretch>
-          </p:blipFill>
-          <p:spPr bwMode="auto">
-            <a:xfrm>
-              <a:off x="5580112" y="5373216"/>
-              <a:ext cx="569962" cy="569962"/>
-            </a:xfrm>
-            <a:prstGeom prst="rect">
-              <a:avLst/>
-            </a:prstGeom>
-            <a:noFill/>
-          </p:spPr>
-        </p:pic>
-        <p:pic>
-          <p:nvPicPr>
-            <p:cNvPr id="16" name="Picture 3" descr="C:\Users\u0065575\AppData\Local\Microsoft\Windows\Temporary Internet Files\Content.IE5\WOTZA2QG\MC900433853[1].png"/>
-            <p:cNvPicPr>
-              <a:picLocks noChangeAspect="1" noChangeArrowheads="1"/>
-            </p:cNvPicPr>
-            <p:nvPr/>
-          </p:nvPicPr>
-          <p:blipFill>
-            <a:blip r:embed="rId3" cstate="print"/>
-            <a:srcRect/>
-            <a:stretch>
-              <a:fillRect/>
-            </a:stretch>
-          </p:blipFill>
-          <p:spPr bwMode="auto">
-            <a:xfrm>
-              <a:off x="5016251" y="4809355"/>
-              <a:ext cx="779885" cy="779885"/>
-            </a:xfrm>
-            <a:prstGeom prst="rect">
-              <a:avLst/>
-            </a:prstGeom>
-            <a:noFill/>
-          </p:spPr>
-        </p:pic>
-        <p:pic>
-          <p:nvPicPr>
-            <p:cNvPr id="17" name="Picture 3" descr="C:\Users\u0065575\AppData\Local\Microsoft\Windows\Temporary Internet Files\Content.IE5\WOTZA2QG\MC900433853[1].png"/>
-            <p:cNvPicPr>
-              <a:picLocks noChangeAspect="1" noChangeArrowheads="1"/>
-            </p:cNvPicPr>
-            <p:nvPr/>
-          </p:nvPicPr>
-          <p:blipFill>
-            <a:blip r:embed="rId3" cstate="print"/>
-            <a:srcRect/>
-            <a:stretch>
-              <a:fillRect/>
-            </a:stretch>
-          </p:blipFill>
-          <p:spPr bwMode="auto">
-            <a:xfrm>
-              <a:off x="4572000" y="5229200"/>
-              <a:ext cx="779885" cy="779885"/>
-            </a:xfrm>
-            <a:prstGeom prst="rect">
-              <a:avLst/>
-            </a:prstGeom>
-            <a:noFill/>
-          </p:spPr>
-        </p:pic>
-        <p:sp>
-          <p:nvSpPr>
-            <p:cNvPr id="18" name="TextBox 17"/>
-            <p:cNvSpPr txBox="1"/>
-            <p:nvPr/>
-          </p:nvSpPr>
-          <p:spPr>
-            <a:xfrm>
-              <a:off x="4697258" y="4591886"/>
-              <a:ext cx="1016112" cy="369332"/>
-            </a:xfrm>
-            <a:prstGeom prst="rect">
-              <a:avLst/>
-            </a:prstGeom>
-            <a:noFill/>
-          </p:spPr>
-          <p:txBody>
-            <a:bodyPr wrap="none" rtlCol="0">
-              <a:spAutoFit/>
-            </a:bodyPr>
-            <a:lstStyle/>
-            <a:p>
-              <a:r>
-                <a:rPr lang="en-US" dirty="0" smtClean="0"/>
-                <a:t>Project 2</a:t>
-              </a:r>
-              <a:endParaRPr lang="nl-BE" dirty="0"/>
-            </a:p>
-          </p:txBody>
-        </p:sp>
-      </p:grpSp>
-      <p:grpSp>
-        <p:nvGrpSpPr>
-          <p:cNvPr id="70" name="Group 69"/>
-          <p:cNvGrpSpPr/>
-          <p:nvPr/>
-        </p:nvGrpSpPr>
-        <p:grpSpPr>
-          <a:xfrm>
-            <a:off x="251520" y="1340768"/>
-            <a:ext cx="2952328" cy="4680520"/>
-            <a:chOff x="251520" y="1340768"/>
-            <a:chExt cx="2952328" cy="4680520"/>
-          </a:xfrm>
-        </p:grpSpPr>
-        <p:sp>
-          <p:nvSpPr>
-            <p:cNvPr id="4" name="Flowchart: Magnetic Disk 3"/>
-            <p:cNvSpPr/>
-            <p:nvPr/>
-          </p:nvSpPr>
-          <p:spPr>
-            <a:xfrm>
-              <a:off x="251520" y="1340768"/>
-              <a:ext cx="2952328" cy="4680520"/>
-            </a:xfrm>
-            <a:prstGeom prst="flowChartMagneticDisk">
-              <a:avLst/>
-            </a:prstGeom>
-            <a:noFill/>
-            <a:ln>
-              <a:solidFill>
-                <a:schemeClr val="tx1"/>
-              </a:solidFill>
-            </a:ln>
-          </p:spPr>
-          <p:style>
-            <a:lnRef idx="2">
-              <a:schemeClr val="accent1">
-                <a:shade val="50000"/>
-              </a:schemeClr>
-            </a:lnRef>
-            <a:fillRef idx="1">
-              <a:schemeClr val="accent1"/>
-            </a:fillRef>
-            <a:effectRef idx="0">
-              <a:schemeClr val="accent1"/>
-            </a:effectRef>
-            <a:fontRef idx="minor">
-              <a:schemeClr val="lt1"/>
-            </a:fontRef>
-          </p:style>
-          <p:txBody>
-            <a:bodyPr rtlCol="0" anchor="ctr"/>
-            <a:lstStyle/>
-            <a:p>
-              <a:pPr algn="ctr"/>
-              <a:endParaRPr lang="nl-BE"/>
-            </a:p>
-          </p:txBody>
-        </p:sp>
-        <p:sp>
-          <p:nvSpPr>
-            <p:cNvPr id="21" name="TextBox 20"/>
-            <p:cNvSpPr txBox="1"/>
-            <p:nvPr/>
-          </p:nvSpPr>
-          <p:spPr>
-            <a:xfrm>
-              <a:off x="755576" y="1844824"/>
-              <a:ext cx="1952137" cy="461665"/>
-            </a:xfrm>
-            <a:prstGeom prst="rect">
-              <a:avLst/>
-            </a:prstGeom>
-            <a:noFill/>
-          </p:spPr>
-          <p:txBody>
-            <a:bodyPr wrap="none" rtlCol="0">
-              <a:spAutoFit/>
-            </a:bodyPr>
-            <a:lstStyle/>
-            <a:p>
-              <a:r>
-                <a:rPr lang="en-US" sz="2400" dirty="0" err="1" smtClean="0"/>
-                <a:t>svn</a:t>
-              </a:r>
-              <a:r>
-                <a:rPr lang="en-US" sz="2400" dirty="0" smtClean="0"/>
-                <a:t> repository</a:t>
-              </a:r>
-              <a:endParaRPr lang="nl-BE" dirty="0"/>
-            </a:p>
-          </p:txBody>
-        </p:sp>
-      </p:grpSp>
-      <p:grpSp>
-        <p:nvGrpSpPr>
-          <p:cNvPr id="68" name="Group 67"/>
-          <p:cNvGrpSpPr/>
-          <p:nvPr/>
-        </p:nvGrpSpPr>
-        <p:grpSpPr>
-          <a:xfrm>
-            <a:off x="3865612" y="1196752"/>
-            <a:ext cx="5098876" cy="3024336"/>
-            <a:chOff x="3865612" y="1196752"/>
-            <a:chExt cx="5098876" cy="3024336"/>
-          </a:xfrm>
-        </p:grpSpPr>
-        <p:pic>
-          <p:nvPicPr>
-            <p:cNvPr id="1029" name="Picture 5" descr="C:\Users\u0065575\AppData\Local\Microsoft\Windows\Temporary Internet Files\Content.IE5\WOTZA2QG\MC900431632[1].png"/>
-            <p:cNvPicPr>
-              <a:picLocks noChangeAspect="1" noChangeArrowheads="1"/>
-            </p:cNvPicPr>
-            <p:nvPr/>
-          </p:nvPicPr>
-          <p:blipFill>
-            <a:blip r:embed="rId4" cstate="print"/>
-            <a:srcRect/>
-            <a:stretch>
-              <a:fillRect/>
-            </a:stretch>
-          </p:blipFill>
-          <p:spPr bwMode="auto">
-            <a:xfrm>
-              <a:off x="3865612" y="2506588"/>
-              <a:ext cx="1714500" cy="1714500"/>
-            </a:xfrm>
-            <a:prstGeom prst="rect">
-              <a:avLst/>
-            </a:prstGeom>
-            <a:noFill/>
-          </p:spPr>
-        </p:pic>
-        <p:sp>
-          <p:nvSpPr>
-            <p:cNvPr id="25" name="Cloud Callout 24"/>
-            <p:cNvSpPr/>
-            <p:nvPr/>
-          </p:nvSpPr>
-          <p:spPr>
-            <a:xfrm>
-              <a:off x="5580112" y="1196752"/>
-              <a:ext cx="3384376" cy="2160240"/>
-            </a:xfrm>
-            <a:prstGeom prst="cloudCallout">
-              <a:avLst>
-                <a:gd name="adj1" fmla="val -52619"/>
-                <a:gd name="adj2" fmla="val 39095"/>
-              </a:avLst>
-            </a:prstGeom>
-          </p:spPr>
-          <p:style>
-            <a:lnRef idx="2">
-              <a:schemeClr val="accent1">
-                <a:shade val="50000"/>
-              </a:schemeClr>
-            </a:lnRef>
-            <a:fillRef idx="1">
-              <a:schemeClr val="accent1"/>
-            </a:fillRef>
-            <a:effectRef idx="0">
-              <a:schemeClr val="accent1"/>
-            </a:effectRef>
-            <a:fontRef idx="minor">
-              <a:schemeClr val="lt1"/>
-            </a:fontRef>
-          </p:style>
-          <p:txBody>
-            <a:bodyPr rtlCol="0" anchor="ctr"/>
-            <a:lstStyle/>
-            <a:p>
-              <a:pPr algn="ctr"/>
-              <a:endParaRPr lang="nl-BE"/>
-            </a:p>
-          </p:txBody>
-        </p:sp>
-      </p:grpSp>
-      <p:grpSp>
-        <p:nvGrpSpPr>
-          <p:cNvPr id="69" name="Group 68"/>
-          <p:cNvGrpSpPr/>
-          <p:nvPr/>
-        </p:nvGrpSpPr>
-        <p:grpSpPr>
-          <a:xfrm>
-            <a:off x="3851920" y="3501008"/>
-            <a:ext cx="5098876" cy="3141836"/>
-            <a:chOff x="3851920" y="3501008"/>
-            <a:chExt cx="5098876" cy="3141836"/>
-          </a:xfrm>
-        </p:grpSpPr>
-        <p:sp>
-          <p:nvSpPr>
-            <p:cNvPr id="43" name="Cloud Callout 42"/>
-            <p:cNvSpPr/>
-            <p:nvPr/>
-          </p:nvSpPr>
-          <p:spPr>
-            <a:xfrm>
-              <a:off x="5566420" y="3501008"/>
-              <a:ext cx="3384376" cy="2160240"/>
-            </a:xfrm>
-            <a:prstGeom prst="cloudCallout">
-              <a:avLst>
-                <a:gd name="adj1" fmla="val -52619"/>
-                <a:gd name="adj2" fmla="val 39095"/>
-              </a:avLst>
-            </a:prstGeom>
-          </p:spPr>
-          <p:style>
-            <a:lnRef idx="2">
-              <a:schemeClr val="accent1">
-                <a:shade val="50000"/>
-              </a:schemeClr>
-            </a:lnRef>
-            <a:fillRef idx="1">
-              <a:schemeClr val="accent1"/>
-            </a:fillRef>
-            <a:effectRef idx="0">
-              <a:schemeClr val="accent1"/>
-            </a:effectRef>
-            <a:fontRef idx="minor">
-              <a:schemeClr val="lt1"/>
-            </a:fontRef>
-          </p:style>
-          <p:txBody>
-            <a:bodyPr rtlCol="0" anchor="ctr"/>
-            <a:lstStyle/>
-            <a:p>
-              <a:pPr algn="ctr"/>
-              <a:endParaRPr lang="nl-BE"/>
-            </a:p>
-          </p:txBody>
-        </p:sp>
-        <p:pic>
-          <p:nvPicPr>
-            <p:cNvPr id="1030" name="Picture 6" descr="C:\Users\u0065575\AppData\Local\Microsoft\Windows\Temporary Internet Files\Content.IE5\1A39SXZC\MC900431566[1].png"/>
-            <p:cNvPicPr>
-              <a:picLocks noChangeAspect="1" noChangeArrowheads="1"/>
-            </p:cNvPicPr>
-            <p:nvPr/>
-          </p:nvPicPr>
-          <p:blipFill>
-            <a:blip r:embed="rId5" cstate="print"/>
-            <a:srcRect/>
-            <a:stretch>
-              <a:fillRect/>
-            </a:stretch>
-          </p:blipFill>
-          <p:spPr bwMode="auto">
-            <a:xfrm>
-              <a:off x="3851920" y="4725144"/>
-              <a:ext cx="1905000" cy="1917700"/>
-            </a:xfrm>
-            <a:prstGeom prst="rect">
-              <a:avLst/>
-            </a:prstGeom>
-            <a:noFill/>
-          </p:spPr>
-        </p:pic>
-      </p:grpSp>
-      <p:grpSp>
-        <p:nvGrpSpPr>
-          <p:cNvPr id="65" name="Group 64"/>
-          <p:cNvGrpSpPr/>
-          <p:nvPr/>
-        </p:nvGrpSpPr>
-        <p:grpSpPr>
-          <a:xfrm>
-            <a:off x="2483768" y="1556792"/>
-            <a:ext cx="5832648" cy="2160240"/>
-            <a:chOff x="2483768" y="1556792"/>
-            <a:chExt cx="5832648" cy="2160240"/>
-          </a:xfrm>
-        </p:grpSpPr>
-        <p:grpSp>
-          <p:nvGrpSpPr>
-            <p:cNvPr id="26" name="Group 25"/>
-            <p:cNvGrpSpPr/>
-            <p:nvPr/>
-          </p:nvGrpSpPr>
-          <p:grpSpPr>
-            <a:xfrm>
-              <a:off x="6228184" y="1556792"/>
-              <a:ext cx="2088232" cy="1440160"/>
-              <a:chOff x="4572000" y="2348880"/>
-              <a:chExt cx="2088232" cy="1440160"/>
-            </a:xfrm>
-          </p:grpSpPr>
-          <p:sp>
-            <p:nvSpPr>
-              <p:cNvPr id="27" name="Rounded Rectangle 26"/>
-              <p:cNvSpPr/>
-              <p:nvPr/>
-            </p:nvSpPr>
-            <p:spPr>
-              <a:xfrm>
-                <a:off x="4572000" y="2348880"/>
-                <a:ext cx="2088232" cy="1440160"/>
-              </a:xfrm>
-              <a:prstGeom prst="roundRect">
-                <a:avLst/>
-              </a:prstGeom>
-              <a:solidFill>
-                <a:schemeClr val="bg1"/>
-              </a:solidFill>
-              <a:ln>
-                <a:solidFill>
-                  <a:schemeClr val="tx1"/>
-                </a:solidFill>
-              </a:ln>
-            </p:spPr>
-            <p:style>
-              <a:lnRef idx="2">
-                <a:schemeClr val="accent1">
-                  <a:shade val="50000"/>
-                </a:schemeClr>
-              </a:lnRef>
-              <a:fillRef idx="1">
-                <a:schemeClr val="accent1"/>
-              </a:fillRef>
-              <a:effectRef idx="0">
-                <a:schemeClr val="accent1"/>
-              </a:effectRef>
-              <a:fontRef idx="minor">
-                <a:schemeClr val="lt1"/>
-              </a:fontRef>
-            </p:style>
-            <p:txBody>
-              <a:bodyPr rtlCol="0" anchor="ctr"/>
-              <a:lstStyle/>
-              <a:p>
-                <a:pPr algn="ctr"/>
-                <a:endParaRPr lang="nl-BE"/>
-              </a:p>
-            </p:txBody>
-          </p:sp>
-          <p:pic>
-            <p:nvPicPr>
-              <p:cNvPr id="28" name="Picture 2" descr="C:\Users\u0065575\AppData\Local\Microsoft\Windows\Temporary Internet Files\Content.IE5\WBWRXN3O\MC900432599[1].png"/>
-              <p:cNvPicPr>
-                <a:picLocks noChangeAspect="1" noChangeArrowheads="1"/>
-              </p:cNvPicPr>
-              <p:nvPr/>
-            </p:nvPicPr>
-            <p:blipFill>
-              <a:blip r:embed="rId2" cstate="print"/>
-              <a:srcRect/>
-              <a:stretch>
-                <a:fillRect/>
-              </a:stretch>
-            </p:blipFill>
-            <p:spPr bwMode="auto">
-              <a:xfrm>
-                <a:off x="4788024" y="2636912"/>
-                <a:ext cx="569962" cy="569962"/>
-              </a:xfrm>
-              <a:prstGeom prst="rect">
-                <a:avLst/>
-              </a:prstGeom>
-              <a:noFill/>
-            </p:spPr>
-          </p:pic>
-          <p:pic>
-            <p:nvPicPr>
-              <p:cNvPr id="29" name="Picture 2" descr="C:\Users\u0065575\AppData\Local\Microsoft\Windows\Temporary Internet Files\Content.IE5\WBWRXN3O\MC900432599[1].png"/>
-              <p:cNvPicPr>
-                <a:picLocks noChangeAspect="1" noChangeArrowheads="1"/>
-              </p:cNvPicPr>
-              <p:nvPr/>
-            </p:nvPicPr>
-            <p:blipFill>
-              <a:blip r:embed="rId2" cstate="print"/>
-              <a:srcRect/>
-              <a:stretch>
-                <a:fillRect/>
-              </a:stretch>
-            </p:blipFill>
-            <p:spPr bwMode="auto">
-              <a:xfrm>
-                <a:off x="4940424" y="2789312"/>
-                <a:ext cx="569962" cy="569962"/>
-              </a:xfrm>
-              <a:prstGeom prst="rect">
-                <a:avLst/>
-              </a:prstGeom>
-              <a:noFill/>
-            </p:spPr>
-          </p:pic>
-          <p:pic>
-            <p:nvPicPr>
-              <p:cNvPr id="30" name="Picture 2" descr="C:\Users\u0065575\AppData\Local\Microsoft\Windows\Temporary Internet Files\Content.IE5\WBWRXN3O\MC900432599[1].png"/>
-              <p:cNvPicPr>
-                <a:picLocks noChangeAspect="1" noChangeArrowheads="1"/>
-              </p:cNvPicPr>
-              <p:nvPr/>
-            </p:nvPicPr>
-            <p:blipFill>
-              <a:blip r:embed="rId2" cstate="print"/>
-              <a:srcRect/>
-              <a:stretch>
-                <a:fillRect/>
-              </a:stretch>
-            </p:blipFill>
-            <p:spPr bwMode="auto">
-              <a:xfrm>
-                <a:off x="4866134" y="3140968"/>
-                <a:ext cx="569962" cy="569962"/>
-              </a:xfrm>
-              <a:prstGeom prst="rect">
-                <a:avLst/>
-              </a:prstGeom>
-              <a:noFill/>
-            </p:spPr>
-          </p:pic>
-          <p:pic>
-            <p:nvPicPr>
-              <p:cNvPr id="31" name="Picture 3" descr="C:\Users\u0065575\AppData\Local\Microsoft\Windows\Temporary Internet Files\Content.IE5\WOTZA2QG\MC900433853[1].png"/>
-              <p:cNvPicPr>
-                <a:picLocks noChangeAspect="1" noChangeArrowheads="1"/>
-              </p:cNvPicPr>
-              <p:nvPr/>
-            </p:nvPicPr>
-            <p:blipFill>
-              <a:blip r:embed="rId3" cstate="print"/>
-              <a:srcRect/>
-              <a:stretch>
-                <a:fillRect/>
-              </a:stretch>
-            </p:blipFill>
-            <p:spPr bwMode="auto">
-              <a:xfrm>
-                <a:off x="5448299" y="2577107"/>
-                <a:ext cx="779885" cy="779885"/>
-              </a:xfrm>
-              <a:prstGeom prst="rect">
-                <a:avLst/>
-              </a:prstGeom>
-              <a:noFill/>
-            </p:spPr>
-          </p:pic>
-          <p:pic>
-            <p:nvPicPr>
-              <p:cNvPr id="32" name="Picture 3" descr="C:\Users\u0065575\AppData\Local\Microsoft\Windows\Temporary Internet Files\Content.IE5\WOTZA2QG\MC900433853[1].png"/>
-              <p:cNvPicPr>
-                <a:picLocks noChangeAspect="1" noChangeArrowheads="1"/>
-              </p:cNvPicPr>
-              <p:nvPr/>
-            </p:nvPicPr>
-            <p:blipFill>
-              <a:blip r:embed="rId3" cstate="print"/>
-              <a:srcRect/>
-              <a:stretch>
-                <a:fillRect/>
-              </a:stretch>
-            </p:blipFill>
-            <p:spPr bwMode="auto">
-              <a:xfrm>
-                <a:off x="5724128" y="2996952"/>
-                <a:ext cx="779885" cy="779885"/>
-              </a:xfrm>
-              <a:prstGeom prst="rect">
-                <a:avLst/>
-              </a:prstGeom>
-              <a:noFill/>
-            </p:spPr>
-          </p:pic>
-          <p:sp>
-            <p:nvSpPr>
-              <p:cNvPr id="33" name="TextBox 32"/>
-              <p:cNvSpPr txBox="1"/>
-              <p:nvPr/>
-            </p:nvSpPr>
-            <p:spPr>
-              <a:xfrm>
-                <a:off x="5129306" y="2359638"/>
-                <a:ext cx="1016112" cy="369332"/>
-              </a:xfrm>
-              <a:prstGeom prst="rect">
-                <a:avLst/>
-              </a:prstGeom>
-              <a:noFill/>
-            </p:spPr>
-            <p:txBody>
-              <a:bodyPr wrap="none" rtlCol="0">
-                <a:spAutoFit/>
-              </a:bodyPr>
-              <a:lstStyle/>
-              <a:p>
-                <a:r>
-                  <a:rPr lang="en-US" dirty="0" smtClean="0"/>
-                  <a:t>Project 1</a:t>
-                </a:r>
-                <a:endParaRPr lang="nl-BE" dirty="0"/>
-              </a:p>
-            </p:txBody>
-          </p:sp>
-        </p:grpSp>
-        <p:cxnSp>
-          <p:nvCxnSpPr>
-            <p:cNvPr id="55" name="Elbow Connector 54"/>
-            <p:cNvCxnSpPr>
-              <a:stCxn id="5" idx="3"/>
-              <a:endCxn id="27" idx="1"/>
-            </p:cNvCxnSpPr>
-            <p:nvPr/>
-          </p:nvCxnSpPr>
-          <p:spPr>
-            <a:xfrm flipV="1">
-              <a:off x="2483768" y="2276872"/>
-              <a:ext cx="3744416" cy="1440160"/>
-            </a:xfrm>
-            <a:prstGeom prst="bentConnector3">
-              <a:avLst>
-                <a:gd name="adj1" fmla="val 34199"/>
-              </a:avLst>
-            </a:prstGeom>
-            <a:ln w="63500">
-              <a:solidFill>
-                <a:srgbClr val="7030A0"/>
-              </a:solidFill>
-              <a:headEnd type="stealth" w="lg" len="lg"/>
-              <a:tailEnd type="stealth" w="lg" len="lg"/>
-            </a:ln>
-          </p:spPr>
-          <p:style>
-            <a:lnRef idx="1">
-              <a:schemeClr val="accent1"/>
-            </a:lnRef>
-            <a:fillRef idx="0">
-              <a:schemeClr val="accent1"/>
-            </a:fillRef>
-            <a:effectRef idx="0">
-              <a:schemeClr val="accent1"/>
-            </a:effectRef>
-            <a:fontRef idx="minor">
-              <a:schemeClr val="tx1"/>
-            </a:fontRef>
-          </p:style>
-        </p:cxnSp>
-      </p:grpSp>
-      <p:grpSp>
-        <p:nvGrpSpPr>
-          <p:cNvPr id="66" name="Group 65"/>
-          <p:cNvGrpSpPr/>
-          <p:nvPr/>
-        </p:nvGrpSpPr>
-        <p:grpSpPr>
-          <a:xfrm>
-            <a:off x="2483768" y="3717032"/>
-            <a:ext cx="5270276" cy="1152128"/>
-            <a:chOff x="2483768" y="3717032"/>
-            <a:chExt cx="5270276" cy="1152128"/>
-          </a:xfrm>
-        </p:grpSpPr>
-        <p:grpSp>
-          <p:nvGrpSpPr>
-            <p:cNvPr id="44" name="Group 43"/>
-            <p:cNvGrpSpPr/>
-            <p:nvPr/>
-          </p:nvGrpSpPr>
-          <p:grpSpPr>
-            <a:xfrm>
-              <a:off x="6084168" y="3789040"/>
-              <a:ext cx="1669876" cy="1080120"/>
-              <a:chOff x="4572000" y="2348880"/>
-              <a:chExt cx="2088232" cy="1440160"/>
-            </a:xfrm>
-          </p:grpSpPr>
-          <p:sp>
-            <p:nvSpPr>
-              <p:cNvPr id="45" name="Rounded Rectangle 44"/>
-              <p:cNvSpPr/>
-              <p:nvPr/>
-            </p:nvSpPr>
-            <p:spPr>
-              <a:xfrm>
-                <a:off x="4572000" y="2348880"/>
-                <a:ext cx="2088232" cy="1440160"/>
-              </a:xfrm>
-              <a:prstGeom prst="roundRect">
-                <a:avLst/>
-              </a:prstGeom>
-              <a:solidFill>
-                <a:schemeClr val="bg1"/>
-              </a:solidFill>
-              <a:ln>
-                <a:solidFill>
-                  <a:schemeClr val="tx1"/>
-                </a:solidFill>
-              </a:ln>
-            </p:spPr>
-            <p:style>
-              <a:lnRef idx="2">
-                <a:schemeClr val="accent1">
-                  <a:shade val="50000"/>
-                </a:schemeClr>
-              </a:lnRef>
-              <a:fillRef idx="1">
-                <a:schemeClr val="accent1"/>
-              </a:fillRef>
-              <a:effectRef idx="0">
-                <a:schemeClr val="accent1"/>
-              </a:effectRef>
-              <a:fontRef idx="minor">
-                <a:schemeClr val="lt1"/>
-              </a:fontRef>
-            </p:style>
-            <p:txBody>
-              <a:bodyPr rtlCol="0" anchor="ctr"/>
-              <a:lstStyle/>
-              <a:p>
-                <a:pPr algn="ctr"/>
-                <a:endParaRPr lang="nl-BE"/>
-              </a:p>
-            </p:txBody>
-          </p:sp>
-          <p:pic>
-            <p:nvPicPr>
-              <p:cNvPr id="46" name="Picture 2" descr="C:\Users\u0065575\AppData\Local\Microsoft\Windows\Temporary Internet Files\Content.IE5\WBWRXN3O\MC900432599[1].png"/>
-              <p:cNvPicPr>
-                <a:picLocks noChangeAspect="1" noChangeArrowheads="1"/>
-              </p:cNvPicPr>
-              <p:nvPr/>
-            </p:nvPicPr>
-            <p:blipFill>
-              <a:blip r:embed="rId6" cstate="print"/>
-              <a:srcRect/>
-              <a:stretch>
-                <a:fillRect/>
-              </a:stretch>
-            </p:blipFill>
-            <p:spPr bwMode="auto">
-              <a:xfrm>
-                <a:off x="4788024" y="2636912"/>
-                <a:ext cx="569962" cy="569962"/>
-              </a:xfrm>
-              <a:prstGeom prst="rect">
-                <a:avLst/>
-              </a:prstGeom>
-              <a:noFill/>
-            </p:spPr>
-          </p:pic>
-          <p:pic>
-            <p:nvPicPr>
-              <p:cNvPr id="47" name="Picture 2" descr="C:\Users\u0065575\AppData\Local\Microsoft\Windows\Temporary Internet Files\Content.IE5\WBWRXN3O\MC900432599[1].png"/>
-              <p:cNvPicPr>
-                <a:picLocks noChangeAspect="1" noChangeArrowheads="1"/>
-              </p:cNvPicPr>
-              <p:nvPr/>
-            </p:nvPicPr>
-            <p:blipFill>
-              <a:blip r:embed="rId6" cstate="print"/>
-              <a:srcRect/>
-              <a:stretch>
-                <a:fillRect/>
-              </a:stretch>
-            </p:blipFill>
-            <p:spPr bwMode="auto">
-              <a:xfrm>
-                <a:off x="4940424" y="2789312"/>
-                <a:ext cx="569962" cy="569962"/>
-              </a:xfrm>
-              <a:prstGeom prst="rect">
-                <a:avLst/>
-              </a:prstGeom>
-              <a:noFill/>
-            </p:spPr>
-          </p:pic>
-          <p:pic>
-            <p:nvPicPr>
-              <p:cNvPr id="48" name="Picture 2" descr="C:\Users\u0065575\AppData\Local\Microsoft\Windows\Temporary Internet Files\Content.IE5\WBWRXN3O\MC900432599[1].png"/>
-              <p:cNvPicPr>
-                <a:picLocks noChangeAspect="1" noChangeArrowheads="1"/>
-              </p:cNvPicPr>
-              <p:nvPr/>
-            </p:nvPicPr>
-            <p:blipFill>
-              <a:blip r:embed="rId6" cstate="print"/>
-              <a:srcRect/>
-              <a:stretch>
-                <a:fillRect/>
-              </a:stretch>
-            </p:blipFill>
-            <p:spPr bwMode="auto">
-              <a:xfrm>
-                <a:off x="4866134" y="3140968"/>
-                <a:ext cx="569962" cy="569962"/>
-              </a:xfrm>
-              <a:prstGeom prst="rect">
-                <a:avLst/>
-              </a:prstGeom>
-              <a:noFill/>
-            </p:spPr>
-          </p:pic>
-          <p:pic>
-            <p:nvPicPr>
-              <p:cNvPr id="49" name="Picture 3" descr="C:\Users\u0065575\AppData\Local\Microsoft\Windows\Temporary Internet Files\Content.IE5\WOTZA2QG\MC900433853[1].png"/>
-              <p:cNvPicPr>
-                <a:picLocks noChangeAspect="1" noChangeArrowheads="1"/>
-              </p:cNvPicPr>
-              <p:nvPr/>
-            </p:nvPicPr>
-            <p:blipFill>
-              <a:blip r:embed="rId3" cstate="print"/>
-              <a:srcRect/>
-              <a:stretch>
-                <a:fillRect/>
-              </a:stretch>
-            </p:blipFill>
-            <p:spPr bwMode="auto">
-              <a:xfrm>
-                <a:off x="5448299" y="2577107"/>
-                <a:ext cx="779885" cy="779885"/>
-              </a:xfrm>
-              <a:prstGeom prst="rect">
-                <a:avLst/>
-              </a:prstGeom>
-              <a:noFill/>
-            </p:spPr>
-          </p:pic>
-          <p:pic>
-            <p:nvPicPr>
-              <p:cNvPr id="50" name="Picture 3" descr="C:\Users\u0065575\AppData\Local\Microsoft\Windows\Temporary Internet Files\Content.IE5\WOTZA2QG\MC900433853[1].png"/>
-              <p:cNvPicPr>
-                <a:picLocks noChangeAspect="1" noChangeArrowheads="1"/>
-              </p:cNvPicPr>
-              <p:nvPr/>
-            </p:nvPicPr>
-            <p:blipFill>
-              <a:blip r:embed="rId3" cstate="print"/>
-              <a:srcRect/>
-              <a:stretch>
-                <a:fillRect/>
-              </a:stretch>
-            </p:blipFill>
-            <p:spPr bwMode="auto">
-              <a:xfrm>
-                <a:off x="5724128" y="2996952"/>
-                <a:ext cx="779885" cy="779885"/>
-              </a:xfrm>
-              <a:prstGeom prst="rect">
-                <a:avLst/>
-              </a:prstGeom>
-              <a:noFill/>
-            </p:spPr>
-          </p:pic>
-          <p:sp>
-            <p:nvSpPr>
-              <p:cNvPr id="51" name="TextBox 50"/>
-              <p:cNvSpPr txBox="1"/>
-              <p:nvPr/>
-            </p:nvSpPr>
-            <p:spPr>
-              <a:xfrm>
-                <a:off x="5129305" y="2359639"/>
-                <a:ext cx="927410" cy="369332"/>
-              </a:xfrm>
-              <a:prstGeom prst="rect">
-                <a:avLst/>
-              </a:prstGeom>
-              <a:noFill/>
-            </p:spPr>
-            <p:txBody>
-              <a:bodyPr wrap="none" rtlCol="0">
-                <a:spAutoFit/>
-              </a:bodyPr>
-              <a:lstStyle/>
-              <a:p>
-                <a:r>
-                  <a:rPr lang="en-US" sz="1200" dirty="0" smtClean="0"/>
-                  <a:t>Project 1</a:t>
-                </a:r>
-                <a:endParaRPr lang="nl-BE" sz="1200" dirty="0"/>
-              </a:p>
-            </p:txBody>
-          </p:sp>
-        </p:grpSp>
-        <p:cxnSp>
-          <p:nvCxnSpPr>
-            <p:cNvPr id="57" name="Elbow Connector 56"/>
-            <p:cNvCxnSpPr>
-              <a:stCxn id="5" idx="3"/>
-              <a:endCxn id="45" idx="1"/>
-            </p:cNvCxnSpPr>
-            <p:nvPr/>
-          </p:nvCxnSpPr>
-          <p:spPr>
-            <a:xfrm>
-              <a:off x="2483768" y="3717032"/>
-              <a:ext cx="3600400" cy="612068"/>
-            </a:xfrm>
-            <a:prstGeom prst="bentConnector3">
-              <a:avLst>
-                <a:gd name="adj1" fmla="val 35658"/>
-              </a:avLst>
-            </a:prstGeom>
-            <a:ln w="63500">
-              <a:solidFill>
-                <a:srgbClr val="7030A0"/>
-              </a:solidFill>
-              <a:headEnd type="stealth" w="lg" len="lg"/>
-              <a:tailEnd type="stealth" w="lg" len="lg"/>
-            </a:ln>
-          </p:spPr>
-          <p:style>
-            <a:lnRef idx="1">
-              <a:schemeClr val="accent1"/>
-            </a:lnRef>
-            <a:fillRef idx="0">
-              <a:schemeClr val="accent1"/>
-            </a:fillRef>
-            <a:effectRef idx="0">
-              <a:schemeClr val="accent1"/>
-            </a:effectRef>
-            <a:fontRef idx="minor">
-              <a:schemeClr val="tx1"/>
-            </a:fontRef>
-          </p:style>
-        </p:cxnSp>
-      </p:grpSp>
-      <p:grpSp>
-        <p:nvGrpSpPr>
-          <p:cNvPr id="67" name="Group 66"/>
-          <p:cNvGrpSpPr/>
-          <p:nvPr/>
-        </p:nvGrpSpPr>
-        <p:grpSpPr>
-          <a:xfrm>
-            <a:off x="2915816" y="4077072"/>
-            <a:ext cx="5472608" cy="1071736"/>
-            <a:chOff x="2915816" y="4077072"/>
-            <a:chExt cx="5472608" cy="1071736"/>
-          </a:xfrm>
-        </p:grpSpPr>
-        <p:cxnSp>
-          <p:nvCxnSpPr>
-            <p:cNvPr id="61" name="Elbow Connector 60"/>
-            <p:cNvCxnSpPr>
-              <a:stCxn id="12" idx="3"/>
-              <a:endCxn id="35" idx="1"/>
-            </p:cNvCxnSpPr>
-            <p:nvPr/>
-          </p:nvCxnSpPr>
-          <p:spPr>
-            <a:xfrm flipV="1">
-              <a:off x="2915816" y="4612940"/>
-              <a:ext cx="4032448" cy="328228"/>
-            </a:xfrm>
-            <a:prstGeom prst="bentConnector3">
-              <a:avLst>
-                <a:gd name="adj1" fmla="val 23056"/>
-              </a:avLst>
-            </a:prstGeom>
-            <a:ln w="63500">
-              <a:solidFill>
-                <a:srgbClr val="7030A0"/>
-              </a:solidFill>
-              <a:headEnd type="stealth" w="lg" len="lg"/>
-              <a:tailEnd type="stealth" w="lg" len="lg"/>
-            </a:ln>
-          </p:spPr>
-          <p:style>
-            <a:lnRef idx="1">
-              <a:schemeClr val="accent1"/>
-            </a:lnRef>
-            <a:fillRef idx="0">
-              <a:schemeClr val="accent1"/>
-            </a:fillRef>
-            <a:effectRef idx="0">
-              <a:schemeClr val="accent1"/>
-            </a:effectRef>
-            <a:fontRef idx="minor">
-              <a:schemeClr val="tx1"/>
-            </a:fontRef>
-          </p:style>
-        </p:cxnSp>
-        <p:grpSp>
-          <p:nvGrpSpPr>
-            <p:cNvPr id="34" name="Group 33"/>
-            <p:cNvGrpSpPr/>
-            <p:nvPr/>
-          </p:nvGrpSpPr>
-          <p:grpSpPr>
-            <a:xfrm>
-              <a:off x="6948264" y="4077072"/>
-              <a:ext cx="1440160" cy="1071736"/>
-              <a:chOff x="4139952" y="4581128"/>
-              <a:chExt cx="2088232" cy="1440160"/>
-            </a:xfrm>
-          </p:grpSpPr>
-          <p:sp>
-            <p:nvSpPr>
-              <p:cNvPr id="35" name="Rounded Rectangle 34"/>
-              <p:cNvSpPr/>
-              <p:nvPr/>
-            </p:nvSpPr>
-            <p:spPr>
-              <a:xfrm>
-                <a:off x="4139952" y="4581128"/>
-                <a:ext cx="2088232" cy="1440160"/>
-              </a:xfrm>
-              <a:prstGeom prst="roundRect">
-                <a:avLst/>
-              </a:prstGeom>
-              <a:solidFill>
-                <a:schemeClr val="bg1"/>
-              </a:solidFill>
-              <a:ln>
-                <a:solidFill>
-                  <a:schemeClr val="tx1"/>
-                </a:solidFill>
-              </a:ln>
-            </p:spPr>
-            <p:style>
-              <a:lnRef idx="2">
-                <a:schemeClr val="accent1">
-                  <a:shade val="50000"/>
-                </a:schemeClr>
-              </a:lnRef>
-              <a:fillRef idx="1">
-                <a:schemeClr val="accent1"/>
-              </a:fillRef>
-              <a:effectRef idx="0">
-                <a:schemeClr val="accent1"/>
-              </a:effectRef>
-              <a:fontRef idx="minor">
-                <a:schemeClr val="lt1"/>
-              </a:fontRef>
-            </p:style>
-            <p:txBody>
-              <a:bodyPr rtlCol="0" anchor="ctr"/>
-              <a:lstStyle/>
-              <a:p>
-                <a:pPr algn="ctr"/>
-                <a:endParaRPr lang="nl-BE"/>
-              </a:p>
-            </p:txBody>
-          </p:sp>
-          <p:pic>
-            <p:nvPicPr>
-              <p:cNvPr id="36" name="Picture 2" descr="C:\Users\u0065575\AppData\Local\Microsoft\Windows\Temporary Internet Files\Content.IE5\WBWRXN3O\MC900432599[1].png"/>
-              <p:cNvPicPr>
-                <a:picLocks noChangeAspect="1" noChangeArrowheads="1"/>
-              </p:cNvPicPr>
-              <p:nvPr/>
-            </p:nvPicPr>
-            <p:blipFill>
-              <a:blip r:embed="rId7" cstate="print"/>
-              <a:srcRect/>
-              <a:stretch>
-                <a:fillRect/>
-              </a:stretch>
-            </p:blipFill>
-            <p:spPr bwMode="auto">
-              <a:xfrm>
-                <a:off x="4355976" y="4869160"/>
-                <a:ext cx="569962" cy="569962"/>
-              </a:xfrm>
-              <a:prstGeom prst="rect">
-                <a:avLst/>
-              </a:prstGeom>
-              <a:noFill/>
-            </p:spPr>
-          </p:pic>
-          <p:pic>
-            <p:nvPicPr>
-              <p:cNvPr id="37" name="Picture 2" descr="C:\Users\u0065575\AppData\Local\Microsoft\Windows\Temporary Internet Files\Content.IE5\WBWRXN3O\MC900432599[1].png"/>
-              <p:cNvPicPr>
-                <a:picLocks noChangeAspect="1" noChangeArrowheads="1"/>
-              </p:cNvPicPr>
-              <p:nvPr/>
-            </p:nvPicPr>
-            <p:blipFill>
-              <a:blip r:embed="rId7" cstate="print"/>
-              <a:srcRect/>
-              <a:stretch>
-                <a:fillRect/>
-              </a:stretch>
-            </p:blipFill>
-            <p:spPr bwMode="auto">
-              <a:xfrm>
-                <a:off x="4508376" y="5021560"/>
-                <a:ext cx="569962" cy="569962"/>
-              </a:xfrm>
-              <a:prstGeom prst="rect">
-                <a:avLst/>
-              </a:prstGeom>
-              <a:noFill/>
-            </p:spPr>
-          </p:pic>
-          <p:pic>
-            <p:nvPicPr>
-              <p:cNvPr id="38" name="Picture 2" descr="C:\Users\u0065575\AppData\Local\Microsoft\Windows\Temporary Internet Files\Content.IE5\WBWRXN3O\MC900432599[1].png"/>
-              <p:cNvPicPr>
-                <a:picLocks noChangeAspect="1" noChangeArrowheads="1"/>
-              </p:cNvPicPr>
-              <p:nvPr/>
-            </p:nvPicPr>
-            <p:blipFill>
-              <a:blip r:embed="rId7" cstate="print"/>
-              <a:srcRect/>
-              <a:stretch>
-                <a:fillRect/>
-              </a:stretch>
-            </p:blipFill>
-            <p:spPr bwMode="auto">
-              <a:xfrm>
-                <a:off x="5580112" y="5373216"/>
-                <a:ext cx="569962" cy="569962"/>
-              </a:xfrm>
-              <a:prstGeom prst="rect">
-                <a:avLst/>
-              </a:prstGeom>
-              <a:noFill/>
-            </p:spPr>
-          </p:pic>
-          <p:pic>
-            <p:nvPicPr>
-              <p:cNvPr id="39" name="Picture 3" descr="C:\Users\u0065575\AppData\Local\Microsoft\Windows\Temporary Internet Files\Content.IE5\WOTZA2QG\MC900433853[1].png"/>
-              <p:cNvPicPr>
-                <a:picLocks noChangeAspect="1" noChangeArrowheads="1"/>
-              </p:cNvPicPr>
-              <p:nvPr/>
-            </p:nvPicPr>
-            <p:blipFill>
-              <a:blip r:embed="rId3" cstate="print"/>
-              <a:srcRect/>
-              <a:stretch>
-                <a:fillRect/>
-              </a:stretch>
-            </p:blipFill>
-            <p:spPr bwMode="auto">
-              <a:xfrm>
-                <a:off x="5016251" y="4809355"/>
-                <a:ext cx="779885" cy="779885"/>
-              </a:xfrm>
-              <a:prstGeom prst="rect">
-                <a:avLst/>
-              </a:prstGeom>
-              <a:noFill/>
-            </p:spPr>
-          </p:pic>
-          <p:pic>
-            <p:nvPicPr>
-              <p:cNvPr id="40" name="Picture 3" descr="C:\Users\u0065575\AppData\Local\Microsoft\Windows\Temporary Internet Files\Content.IE5\WOTZA2QG\MC900433853[1].png"/>
-              <p:cNvPicPr>
-                <a:picLocks noChangeAspect="1" noChangeArrowheads="1"/>
-              </p:cNvPicPr>
-              <p:nvPr/>
-            </p:nvPicPr>
-            <p:blipFill>
-              <a:blip r:embed="rId3" cstate="print"/>
-              <a:srcRect/>
-              <a:stretch>
-                <a:fillRect/>
-              </a:stretch>
-            </p:blipFill>
-            <p:spPr bwMode="auto">
-              <a:xfrm>
-                <a:off x="4572000" y="5229200"/>
-                <a:ext cx="779885" cy="779885"/>
-              </a:xfrm>
-              <a:prstGeom prst="rect">
-                <a:avLst/>
-              </a:prstGeom>
-              <a:noFill/>
-            </p:spPr>
-          </p:pic>
-          <p:sp>
-            <p:nvSpPr>
-              <p:cNvPr id="41" name="TextBox 40"/>
-              <p:cNvSpPr txBox="1"/>
-              <p:nvPr/>
-            </p:nvSpPr>
-            <p:spPr>
-              <a:xfrm>
-                <a:off x="4697258" y="4591886"/>
-                <a:ext cx="1075339" cy="372221"/>
-              </a:xfrm>
-              <a:prstGeom prst="rect">
-                <a:avLst/>
-              </a:prstGeom>
-              <a:noFill/>
-            </p:spPr>
-            <p:txBody>
-              <a:bodyPr wrap="none" rtlCol="0">
-                <a:spAutoFit/>
-              </a:bodyPr>
-              <a:lstStyle/>
-              <a:p>
-                <a:r>
-                  <a:rPr lang="en-US" sz="1200" dirty="0" smtClean="0"/>
-                  <a:t>Project 2</a:t>
-                </a:r>
-                <a:endParaRPr lang="nl-BE" sz="1200" dirty="0"/>
-              </a:p>
-            </p:txBody>
-          </p:sp>
-        </p:grpSp>
-      </p:grpSp>
-      <p:sp>
-        <p:nvSpPr>
-          <p:cNvPr id="71" name="TextBox 70"/>
-          <p:cNvSpPr txBox="1"/>
-          <p:nvPr/>
-        </p:nvSpPr>
-        <p:spPr>
-          <a:xfrm>
-            <a:off x="6228184" y="5949280"/>
-            <a:ext cx="2095958" cy="461665"/>
-          </a:xfrm>
-          <a:prstGeom prst="rect">
-            <a:avLst/>
-          </a:prstGeom>
-          <a:noFill/>
-        </p:spPr>
-        <p:txBody>
-          <a:bodyPr wrap="none" rtlCol="0">
-            <a:spAutoFit/>
-          </a:bodyPr>
-          <a:lstStyle/>
-          <a:p>
-            <a:r>
-              <a:rPr lang="en-US" sz="2400" dirty="0" smtClean="0"/>
-              <a:t>Working copies</a:t>
-            </a:r>
-            <a:endParaRPr lang="nl-BE" dirty="0"/>
-          </a:p>
-        </p:txBody>
-      </p:sp>
-    </p:spTree>
-  </p:cSld>
-  <p:clrMapOvr>
-    <a:masterClrMapping/>
-  </p:clrMapOvr>
-  <p:timing>
-    <p:tnLst>
-      <p:par>
-        <p:cTn id="1" dur="indefinite" restart="never" nodeType="tmRoot"/>
-      </p:par>
-    </p:tnLst>
-  </p:timing>
-</p:sld>
-</file>
-
 <file path=ppt/theme/theme1.xml><?xml version="1.0" encoding="utf-8"?>
 <a:theme xmlns:a="http://schemas.openxmlformats.org/drawingml/2006/main" name="Office Theme">
   <a:themeElements>
